--- a/ppt/4강.pptx
+++ b/ppt/4강.pptx
@@ -704,7 +704,7 @@
           <p:cNvPr id="7" name="그림 6">
             <a:extLst>
               <a:ext uri="{FF2B5EF4-FFF2-40B4-BE49-F238E27FC236}">
-                <a16:creationId xmlns:a16="http://schemas.microsoft.com/office/drawing/2014/main" xmlns="" id="{8A6F16AE-5C7F-4C39-9131-E235C6B6A612}"/>
+                <a16:creationId xmlns="" xmlns:a16="http://schemas.microsoft.com/office/drawing/2014/main" id="{8A6F16AE-5C7F-4C39-9131-E235C6B6A612}"/>
               </a:ext>
             </a:extLst>
           </p:cNvPr>
@@ -740,7 +740,7 @@
           <p:cNvPr id="8" name="TextBox 7">
             <a:extLst>
               <a:ext uri="{FF2B5EF4-FFF2-40B4-BE49-F238E27FC236}">
-                <a16:creationId xmlns:a16="http://schemas.microsoft.com/office/drawing/2014/main" xmlns="" id="{37D4568A-0455-46F9-8977-B1D6ECDCF84B}"/>
+                <a16:creationId xmlns="" xmlns:a16="http://schemas.microsoft.com/office/drawing/2014/main" id="{37D4568A-0455-46F9-8977-B1D6ECDCF84B}"/>
               </a:ext>
             </a:extLst>
           </p:cNvPr>
@@ -789,7 +789,7 @@
           <p:cNvPr id="10" name="Прямоугольный треугольник 11">
             <a:extLst>
               <a:ext uri="{FF2B5EF4-FFF2-40B4-BE49-F238E27FC236}">
-                <a16:creationId xmlns:a16="http://schemas.microsoft.com/office/drawing/2014/main" xmlns="" id="{A5B22DEB-55F9-4001-80EC-A4674BC4F5F6}"/>
+                <a16:creationId xmlns="" xmlns:a16="http://schemas.microsoft.com/office/drawing/2014/main" id="{A5B22DEB-55F9-4001-80EC-A4674BC4F5F6}"/>
               </a:ext>
             </a:extLst>
           </p:cNvPr>
@@ -911,7 +911,7 @@
           <p:cNvPr id="11" name="Параллелограмм 17">
             <a:extLst>
               <a:ext uri="{FF2B5EF4-FFF2-40B4-BE49-F238E27FC236}">
-                <a16:creationId xmlns:a16="http://schemas.microsoft.com/office/drawing/2014/main" xmlns="" id="{BA54AB6F-CC53-4E00-97E6-AA9FC3DC0C25}"/>
+                <a16:creationId xmlns="" xmlns:a16="http://schemas.microsoft.com/office/drawing/2014/main" id="{BA54AB6F-CC53-4E00-97E6-AA9FC3DC0C25}"/>
               </a:ext>
             </a:extLst>
           </p:cNvPr>
@@ -1063,7 +1063,7 @@
           <p:cNvPr id="3" name="텍스트 개체 틀 2">
             <a:extLst>
               <a:ext uri="{FF2B5EF4-FFF2-40B4-BE49-F238E27FC236}">
-                <a16:creationId xmlns:a16="http://schemas.microsoft.com/office/drawing/2014/main" xmlns="" id="{672B4F0C-5658-4C76-A143-36A8205CC3D5}"/>
+                <a16:creationId xmlns="" xmlns:a16="http://schemas.microsoft.com/office/drawing/2014/main" id="{672B4F0C-5658-4C76-A143-36A8205CC3D5}"/>
               </a:ext>
             </a:extLst>
           </p:cNvPr>
@@ -1147,7 +1147,7 @@
           <p:cNvPr id="6" name="그림 5">
             <a:extLst>
               <a:ext uri="{FF2B5EF4-FFF2-40B4-BE49-F238E27FC236}">
-                <a16:creationId xmlns:a16="http://schemas.microsoft.com/office/drawing/2014/main" xmlns="" id="{69C9B086-C952-4F64-9A38-C55597E5C3BD}"/>
+                <a16:creationId xmlns="" xmlns:a16="http://schemas.microsoft.com/office/drawing/2014/main" id="{69C9B086-C952-4F64-9A38-C55597E5C3BD}"/>
               </a:ext>
             </a:extLst>
           </p:cNvPr>
@@ -1183,7 +1183,7 @@
           <p:cNvPr id="7" name="TextBox 6">
             <a:extLst>
               <a:ext uri="{FF2B5EF4-FFF2-40B4-BE49-F238E27FC236}">
-                <a16:creationId xmlns:a16="http://schemas.microsoft.com/office/drawing/2014/main" xmlns="" id="{19262303-712C-41FF-A0C2-3F725CFB6182}"/>
+                <a16:creationId xmlns="" xmlns:a16="http://schemas.microsoft.com/office/drawing/2014/main" id="{19262303-712C-41FF-A0C2-3F725CFB6182}"/>
               </a:ext>
             </a:extLst>
           </p:cNvPr>
@@ -1232,7 +1232,7 @@
           <p:cNvPr id="8" name="TextBox 7">
             <a:extLst>
               <a:ext uri="{FF2B5EF4-FFF2-40B4-BE49-F238E27FC236}">
-                <a16:creationId xmlns:a16="http://schemas.microsoft.com/office/drawing/2014/main" xmlns="" id="{83E402CD-9736-4CC2-9239-B6EC7D2EB1D0}"/>
+                <a16:creationId xmlns="" xmlns:a16="http://schemas.microsoft.com/office/drawing/2014/main" id="{83E402CD-9736-4CC2-9239-B6EC7D2EB1D0}"/>
               </a:ext>
             </a:extLst>
           </p:cNvPr>
@@ -1284,7 +1284,7 @@
           <p:cNvPr id="9" name="타원 8">
             <a:extLst>
               <a:ext uri="{FF2B5EF4-FFF2-40B4-BE49-F238E27FC236}">
-                <a16:creationId xmlns:a16="http://schemas.microsoft.com/office/drawing/2014/main" xmlns="" id="{AD2D6173-E840-4B8D-A217-96F478E0D0CF}"/>
+                <a16:creationId xmlns="" xmlns:a16="http://schemas.microsoft.com/office/drawing/2014/main" id="{AD2D6173-E840-4B8D-A217-96F478E0D0CF}"/>
               </a:ext>
             </a:extLst>
           </p:cNvPr>
@@ -1338,7 +1338,7 @@
           <p:cNvPr id="10" name="타원 9">
             <a:extLst>
               <a:ext uri="{FF2B5EF4-FFF2-40B4-BE49-F238E27FC236}">
-                <a16:creationId xmlns:a16="http://schemas.microsoft.com/office/drawing/2014/main" xmlns="" id="{5F92BDB5-11F1-4EEB-B8C2-B943E3BC2BF9}"/>
+                <a16:creationId xmlns="" xmlns:a16="http://schemas.microsoft.com/office/drawing/2014/main" id="{5F92BDB5-11F1-4EEB-B8C2-B943E3BC2BF9}"/>
               </a:ext>
             </a:extLst>
           </p:cNvPr>
@@ -1392,7 +1392,7 @@
           <p:cNvPr id="11" name="타원 10">
             <a:extLst>
               <a:ext uri="{FF2B5EF4-FFF2-40B4-BE49-F238E27FC236}">
-                <a16:creationId xmlns:a16="http://schemas.microsoft.com/office/drawing/2014/main" xmlns="" id="{B8E3E5EC-F37F-42B7-924D-3CD1250D640B}"/>
+                <a16:creationId xmlns="" xmlns:a16="http://schemas.microsoft.com/office/drawing/2014/main" id="{B8E3E5EC-F37F-42B7-924D-3CD1250D640B}"/>
               </a:ext>
             </a:extLst>
           </p:cNvPr>
@@ -1446,7 +1446,7 @@
           <p:cNvPr id="12" name="타원 11">
             <a:extLst>
               <a:ext uri="{FF2B5EF4-FFF2-40B4-BE49-F238E27FC236}">
-                <a16:creationId xmlns:a16="http://schemas.microsoft.com/office/drawing/2014/main" xmlns="" id="{49051129-6F14-4F8D-983B-11673C882BBC}"/>
+                <a16:creationId xmlns="" xmlns:a16="http://schemas.microsoft.com/office/drawing/2014/main" id="{49051129-6F14-4F8D-983B-11673C882BBC}"/>
               </a:ext>
             </a:extLst>
           </p:cNvPr>
@@ -1500,7 +1500,7 @@
           <p:cNvPr id="13" name="타원 12">
             <a:extLst>
               <a:ext uri="{FF2B5EF4-FFF2-40B4-BE49-F238E27FC236}">
-                <a16:creationId xmlns:a16="http://schemas.microsoft.com/office/drawing/2014/main" xmlns="" id="{52B681B3-A5BA-479F-8955-FEAB9E161528}"/>
+                <a16:creationId xmlns="" xmlns:a16="http://schemas.microsoft.com/office/drawing/2014/main" id="{52B681B3-A5BA-479F-8955-FEAB9E161528}"/>
               </a:ext>
             </a:extLst>
           </p:cNvPr>
@@ -1554,7 +1554,7 @@
           <p:cNvPr id="14" name="타원 13">
             <a:extLst>
               <a:ext uri="{FF2B5EF4-FFF2-40B4-BE49-F238E27FC236}">
-                <a16:creationId xmlns:a16="http://schemas.microsoft.com/office/drawing/2014/main" xmlns="" id="{E9F80810-2286-4A4B-B1F0-EECA6688297C}"/>
+                <a16:creationId xmlns="" xmlns:a16="http://schemas.microsoft.com/office/drawing/2014/main" id="{E9F80810-2286-4A4B-B1F0-EECA6688297C}"/>
               </a:ext>
             </a:extLst>
           </p:cNvPr>
@@ -1608,7 +1608,7 @@
           <p:cNvPr id="15" name="타원 14">
             <a:extLst>
               <a:ext uri="{FF2B5EF4-FFF2-40B4-BE49-F238E27FC236}">
-                <a16:creationId xmlns:a16="http://schemas.microsoft.com/office/drawing/2014/main" xmlns="" id="{CE659B26-A61C-4883-9ECA-0FCC836F5835}"/>
+                <a16:creationId xmlns="" xmlns:a16="http://schemas.microsoft.com/office/drawing/2014/main" id="{CE659B26-A61C-4883-9ECA-0FCC836F5835}"/>
               </a:ext>
             </a:extLst>
           </p:cNvPr>
@@ -1662,7 +1662,7 @@
           <p:cNvPr id="16" name="타원 15">
             <a:extLst>
               <a:ext uri="{FF2B5EF4-FFF2-40B4-BE49-F238E27FC236}">
-                <a16:creationId xmlns:a16="http://schemas.microsoft.com/office/drawing/2014/main" xmlns="" id="{56E80CD1-4DF1-4D36-B353-A99447BF0F02}"/>
+                <a16:creationId xmlns="" xmlns:a16="http://schemas.microsoft.com/office/drawing/2014/main" id="{56E80CD1-4DF1-4D36-B353-A99447BF0F02}"/>
               </a:ext>
             </a:extLst>
           </p:cNvPr>
@@ -1746,7 +1746,7 @@
           <p:cNvPr id="2" name="제목 1">
             <a:extLst>
               <a:ext uri="{FF2B5EF4-FFF2-40B4-BE49-F238E27FC236}">
-                <a16:creationId xmlns:a16="http://schemas.microsoft.com/office/drawing/2014/main" xmlns="" id="{1E8C42BD-1DE5-46FB-8385-C6571A996E9D}"/>
+                <a16:creationId xmlns="" xmlns:a16="http://schemas.microsoft.com/office/drawing/2014/main" id="{1E8C42BD-1DE5-46FB-8385-C6571A996E9D}"/>
               </a:ext>
             </a:extLst>
           </p:cNvPr>
@@ -1774,7 +1774,7 @@
           <p:cNvPr id="3" name="날짜 개체 틀 2">
             <a:extLst>
               <a:ext uri="{FF2B5EF4-FFF2-40B4-BE49-F238E27FC236}">
-                <a16:creationId xmlns:a16="http://schemas.microsoft.com/office/drawing/2014/main" xmlns="" id="{EB75D8F0-D82F-477E-9A70-61628ECA000B}"/>
+                <a16:creationId xmlns="" xmlns:a16="http://schemas.microsoft.com/office/drawing/2014/main" id="{EB75D8F0-D82F-477E-9A70-61628ECA000B}"/>
               </a:ext>
             </a:extLst>
           </p:cNvPr>
@@ -1803,7 +1803,7 @@
           <p:cNvPr id="4" name="바닥글 개체 틀 3">
             <a:extLst>
               <a:ext uri="{FF2B5EF4-FFF2-40B4-BE49-F238E27FC236}">
-                <a16:creationId xmlns:a16="http://schemas.microsoft.com/office/drawing/2014/main" xmlns="" id="{4643D524-2CC2-4046-B8B0-B949299D7A6D}"/>
+                <a16:creationId xmlns="" xmlns:a16="http://schemas.microsoft.com/office/drawing/2014/main" id="{4643D524-2CC2-4046-B8B0-B949299D7A6D}"/>
               </a:ext>
             </a:extLst>
           </p:cNvPr>
@@ -1828,7 +1828,7 @@
           <p:cNvPr id="5" name="슬라이드 번호 개체 틀 4">
             <a:extLst>
               <a:ext uri="{FF2B5EF4-FFF2-40B4-BE49-F238E27FC236}">
-                <a16:creationId xmlns:a16="http://schemas.microsoft.com/office/drawing/2014/main" xmlns="" id="{EDA66E7F-4E40-4454-9B08-E431B6744AA6}"/>
+                <a16:creationId xmlns="" xmlns:a16="http://schemas.microsoft.com/office/drawing/2014/main" id="{EDA66E7F-4E40-4454-9B08-E431B6744AA6}"/>
               </a:ext>
             </a:extLst>
           </p:cNvPr>
@@ -1887,7 +1887,7 @@
           <p:cNvPr id="39" name="그룹 38">
             <a:extLst>
               <a:ext uri="{FF2B5EF4-FFF2-40B4-BE49-F238E27FC236}">
-                <a16:creationId xmlns:a16="http://schemas.microsoft.com/office/drawing/2014/main" xmlns="" id="{A45DDDA3-32F6-48CB-A8D8-14D816ED84AF}"/>
+                <a16:creationId xmlns="" xmlns:a16="http://schemas.microsoft.com/office/drawing/2014/main" id="{A45DDDA3-32F6-48CB-A8D8-14D816ED84AF}"/>
               </a:ext>
             </a:extLst>
           </p:cNvPr>
@@ -1907,7 +1907,7 @@
             <p:cNvPr id="25" name="육각형 24">
               <a:extLst>
                 <a:ext uri="{FF2B5EF4-FFF2-40B4-BE49-F238E27FC236}">
-                  <a16:creationId xmlns:a16="http://schemas.microsoft.com/office/drawing/2014/main" xmlns="" id="{D36904B0-63FE-4B75-BF68-EBB371053D5F}"/>
+                  <a16:creationId xmlns="" xmlns:a16="http://schemas.microsoft.com/office/drawing/2014/main" id="{D36904B0-63FE-4B75-BF68-EBB371053D5F}"/>
                 </a:ext>
               </a:extLst>
             </p:cNvPr>
@@ -1968,7 +1968,7 @@
             <p:cNvPr id="36" name="육각형 35">
               <a:extLst>
                 <a:ext uri="{FF2B5EF4-FFF2-40B4-BE49-F238E27FC236}">
-                  <a16:creationId xmlns:a16="http://schemas.microsoft.com/office/drawing/2014/main" xmlns="" id="{C029E3B1-0616-4643-8752-E35949571A63}"/>
+                  <a16:creationId xmlns="" xmlns:a16="http://schemas.microsoft.com/office/drawing/2014/main" id="{C029E3B1-0616-4643-8752-E35949571A63}"/>
                 </a:ext>
               </a:extLst>
             </p:cNvPr>
@@ -2028,7 +2028,7 @@
             <p:cNvPr id="37" name="육각형 36">
               <a:extLst>
                 <a:ext uri="{FF2B5EF4-FFF2-40B4-BE49-F238E27FC236}">
-                  <a16:creationId xmlns:a16="http://schemas.microsoft.com/office/drawing/2014/main" xmlns="" id="{29359650-2544-41D5-88DE-5CA02F6EE256}"/>
+                  <a16:creationId xmlns="" xmlns:a16="http://schemas.microsoft.com/office/drawing/2014/main" id="{29359650-2544-41D5-88DE-5CA02F6EE256}"/>
                 </a:ext>
               </a:extLst>
             </p:cNvPr>
@@ -2088,7 +2088,7 @@
             <p:cNvPr id="26" name="육각형 25">
               <a:extLst>
                 <a:ext uri="{FF2B5EF4-FFF2-40B4-BE49-F238E27FC236}">
-                  <a16:creationId xmlns:a16="http://schemas.microsoft.com/office/drawing/2014/main" xmlns="" id="{9EBF47D0-68BF-4B7F-B7CE-BA95BE25BD6A}"/>
+                  <a16:creationId xmlns="" xmlns:a16="http://schemas.microsoft.com/office/drawing/2014/main" id="{9EBF47D0-68BF-4B7F-B7CE-BA95BE25BD6A}"/>
                 </a:ext>
               </a:extLst>
             </p:cNvPr>
@@ -2216,7 +2216,7 @@
           <p:cNvPr id="5" name="직사각형 4">
             <a:extLst>
               <a:ext uri="{FF2B5EF4-FFF2-40B4-BE49-F238E27FC236}">
-                <a16:creationId xmlns:a16="http://schemas.microsoft.com/office/drawing/2014/main" xmlns="" id="{BA1686E7-6701-4F2A-8F3B-E3B4F13B0EB2}"/>
+                <a16:creationId xmlns="" xmlns:a16="http://schemas.microsoft.com/office/drawing/2014/main" id="{BA1686E7-6701-4F2A-8F3B-E3B4F13B0EB2}"/>
               </a:ext>
             </a:extLst>
           </p:cNvPr>
@@ -2319,7 +2319,7 @@
           <p:cNvPr id="6" name="텍스트 개체 틀 5">
             <a:extLst>
               <a:ext uri="{FF2B5EF4-FFF2-40B4-BE49-F238E27FC236}">
-                <a16:creationId xmlns:a16="http://schemas.microsoft.com/office/drawing/2014/main" xmlns="" id="{E9DA90DA-E9B9-4F9D-8BAC-03C70C743C78}"/>
+                <a16:creationId xmlns="" xmlns:a16="http://schemas.microsoft.com/office/drawing/2014/main" id="{E9DA90DA-E9B9-4F9D-8BAC-03C70C743C78}"/>
               </a:ext>
             </a:extLst>
           </p:cNvPr>
@@ -2406,7 +2406,7 @@
           <p:cNvPr id="2" name="제목 개체 틀 1">
             <a:extLst>
               <a:ext uri="{FF2B5EF4-FFF2-40B4-BE49-F238E27FC236}">
-                <a16:creationId xmlns:a16="http://schemas.microsoft.com/office/drawing/2014/main" xmlns="" id="{1DBD9734-F9A0-4801-B250-7F50BD816D67}"/>
+                <a16:creationId xmlns="" xmlns:a16="http://schemas.microsoft.com/office/drawing/2014/main" id="{1DBD9734-F9A0-4801-B250-7F50BD816D67}"/>
               </a:ext>
             </a:extLst>
           </p:cNvPr>
@@ -2444,7 +2444,7 @@
           <p:cNvPr id="3" name="텍스트 개체 틀 2">
             <a:extLst>
               <a:ext uri="{FF2B5EF4-FFF2-40B4-BE49-F238E27FC236}">
-                <a16:creationId xmlns:a16="http://schemas.microsoft.com/office/drawing/2014/main" xmlns="" id="{E5AA3AC4-683B-4781-B4AD-05D7DBF8A918}"/>
+                <a16:creationId xmlns="" xmlns:a16="http://schemas.microsoft.com/office/drawing/2014/main" id="{E5AA3AC4-683B-4781-B4AD-05D7DBF8A918}"/>
               </a:ext>
             </a:extLst>
           </p:cNvPr>
@@ -2511,7 +2511,7 @@
           <p:cNvPr id="4" name="날짜 개체 틀 3">
             <a:extLst>
               <a:ext uri="{FF2B5EF4-FFF2-40B4-BE49-F238E27FC236}">
-                <a16:creationId xmlns:a16="http://schemas.microsoft.com/office/drawing/2014/main" xmlns="" id="{A9248EE6-9337-4B92-8B00-C40E2A4CBB58}"/>
+                <a16:creationId xmlns="" xmlns:a16="http://schemas.microsoft.com/office/drawing/2014/main" id="{A9248EE6-9337-4B92-8B00-C40E2A4CBB58}"/>
               </a:ext>
             </a:extLst>
           </p:cNvPr>
@@ -2558,7 +2558,7 @@
           <p:cNvPr id="5" name="바닥글 개체 틀 4">
             <a:extLst>
               <a:ext uri="{FF2B5EF4-FFF2-40B4-BE49-F238E27FC236}">
-                <a16:creationId xmlns:a16="http://schemas.microsoft.com/office/drawing/2014/main" xmlns="" id="{397CA54D-216F-4975-9A5D-9484C12271F0}"/>
+                <a16:creationId xmlns="" xmlns:a16="http://schemas.microsoft.com/office/drawing/2014/main" id="{397CA54D-216F-4975-9A5D-9484C12271F0}"/>
               </a:ext>
             </a:extLst>
           </p:cNvPr>
@@ -2601,7 +2601,7 @@
           <p:cNvPr id="6" name="슬라이드 번호 개체 틀 5">
             <a:extLst>
               <a:ext uri="{FF2B5EF4-FFF2-40B4-BE49-F238E27FC236}">
-                <a16:creationId xmlns:a16="http://schemas.microsoft.com/office/drawing/2014/main" xmlns="" id="{CB3B54B8-E1B4-480C-B0F3-E6B18BE78457}"/>
+                <a16:creationId xmlns="" xmlns:a16="http://schemas.microsoft.com/office/drawing/2014/main" id="{CB3B54B8-E1B4-480C-B0F3-E6B18BE78457}"/>
               </a:ext>
             </a:extLst>
           </p:cNvPr>
@@ -2963,7 +2963,7 @@
           <p:cNvPr id="3" name="그림 2">
             <a:extLst>
               <a:ext uri="{FF2B5EF4-FFF2-40B4-BE49-F238E27FC236}">
-                <a16:creationId xmlns:a16="http://schemas.microsoft.com/office/drawing/2014/main" xmlns="" id="{0269E28C-4D66-40F8-836D-93E7D76CA827}"/>
+                <a16:creationId xmlns="" xmlns:a16="http://schemas.microsoft.com/office/drawing/2014/main" id="{0269E28C-4D66-40F8-836D-93E7D76CA827}"/>
               </a:ext>
             </a:extLst>
           </p:cNvPr>
@@ -2999,7 +2999,7 @@
           <p:cNvPr id="4" name="TextBox 3">
             <a:extLst>
               <a:ext uri="{FF2B5EF4-FFF2-40B4-BE49-F238E27FC236}">
-                <a16:creationId xmlns:a16="http://schemas.microsoft.com/office/drawing/2014/main" xmlns="" id="{6FFCB628-D48F-4844-8FDF-08B1AE9F3268}"/>
+                <a16:creationId xmlns="" xmlns:a16="http://schemas.microsoft.com/office/drawing/2014/main" id="{6FFCB628-D48F-4844-8FDF-08B1AE9F3268}"/>
               </a:ext>
             </a:extLst>
           </p:cNvPr>
@@ -3048,7 +3048,7 @@
           <p:cNvPr id="17" name="Прямоугольный треугольник 11">
             <a:extLst>
               <a:ext uri="{FF2B5EF4-FFF2-40B4-BE49-F238E27FC236}">
-                <a16:creationId xmlns:a16="http://schemas.microsoft.com/office/drawing/2014/main" xmlns="" id="{F60FFECF-3036-4068-992B-01C855544268}"/>
+                <a16:creationId xmlns="" xmlns:a16="http://schemas.microsoft.com/office/drawing/2014/main" id="{F60FFECF-3036-4068-992B-01C855544268}"/>
               </a:ext>
             </a:extLst>
           </p:cNvPr>
@@ -3170,7 +3170,7 @@
           <p:cNvPr id="18" name="Параллелограмм 17">
             <a:extLst>
               <a:ext uri="{FF2B5EF4-FFF2-40B4-BE49-F238E27FC236}">
-                <a16:creationId xmlns:a16="http://schemas.microsoft.com/office/drawing/2014/main" xmlns="" id="{93C980C2-41A9-43F6-85B6-25BFD495EDD3}"/>
+                <a16:creationId xmlns="" xmlns:a16="http://schemas.microsoft.com/office/drawing/2014/main" id="{93C980C2-41A9-43F6-85B6-25BFD495EDD3}"/>
               </a:ext>
             </a:extLst>
           </p:cNvPr>
@@ -3322,7 +3322,7 @@
           <p:cNvPr id="6" name="텍스트 개체 틀 5">
             <a:extLst>
               <a:ext uri="{FF2B5EF4-FFF2-40B4-BE49-F238E27FC236}">
-                <a16:creationId xmlns:a16="http://schemas.microsoft.com/office/drawing/2014/main" xmlns="" id="{AE0D723B-0B46-44D8-8C89-33BE92BD21F9}"/>
+                <a16:creationId xmlns="" xmlns:a16="http://schemas.microsoft.com/office/drawing/2014/main" id="{AE0D723B-0B46-44D8-8C89-33BE92BD21F9}"/>
               </a:ext>
             </a:extLst>
           </p:cNvPr>
@@ -3446,7 +3446,7 @@
           <p:cNvPr id="10" name="TextBox 9">
             <a:extLst>
               <a:ext uri="{FF2B5EF4-FFF2-40B4-BE49-F238E27FC236}">
-                <a16:creationId xmlns:a16="http://schemas.microsoft.com/office/drawing/2014/main" xmlns="" id="{5A77E06C-FEC0-4BF8-8EDD-824C2B5A6887}"/>
+                <a16:creationId xmlns="" xmlns:a16="http://schemas.microsoft.com/office/drawing/2014/main" id="{5A77E06C-FEC0-4BF8-8EDD-824C2B5A6887}"/>
               </a:ext>
             </a:extLst>
           </p:cNvPr>
@@ -3491,7 +3491,7 @@
           <p:cNvPr id="2" name="그림 1">
             <a:extLst>
               <a:ext uri="{FF2B5EF4-FFF2-40B4-BE49-F238E27FC236}">
-                <a16:creationId xmlns:a16="http://schemas.microsoft.com/office/drawing/2014/main" xmlns="" id="{66AE53DD-7784-43A4-9B96-D98F956BF305}"/>
+                <a16:creationId xmlns="" xmlns:a16="http://schemas.microsoft.com/office/drawing/2014/main" id="{66AE53DD-7784-43A4-9B96-D98F956BF305}"/>
               </a:ext>
             </a:extLst>
           </p:cNvPr>
@@ -3523,7 +3523,7 @@
               <p:cNvPr id="11" name="TextBox 10">
                 <a:extLst>
                   <a:ext uri="{FF2B5EF4-FFF2-40B4-BE49-F238E27FC236}">
-                    <a16:creationId xmlns:a16="http://schemas.microsoft.com/office/drawing/2014/main" xmlns="" id="{4EFAC234-680E-4B59-A968-5D2318A65226}"/>
+                    <a16:creationId xmlns="" xmlns:a16="http://schemas.microsoft.com/office/drawing/2014/main" id="{4EFAC234-680E-4B59-A968-5D2318A65226}"/>
                   </a:ext>
                 </a:extLst>
               </p:cNvPr>
@@ -3739,7 +3739,7 @@
           <p:cNvPr id="10" name="TextBox 9">
             <a:extLst>
               <a:ext uri="{FF2B5EF4-FFF2-40B4-BE49-F238E27FC236}">
-                <a16:creationId xmlns:a16="http://schemas.microsoft.com/office/drawing/2014/main" xmlns="" id="{5A77E06C-FEC0-4BF8-8EDD-824C2B5A6887}"/>
+                <a16:creationId xmlns="" xmlns:a16="http://schemas.microsoft.com/office/drawing/2014/main" id="{5A77E06C-FEC0-4BF8-8EDD-824C2B5A6887}"/>
               </a:ext>
             </a:extLst>
           </p:cNvPr>
@@ -3784,7 +3784,7 @@
           <p:cNvPr id="6" name="그림 5">
             <a:extLst>
               <a:ext uri="{FF2B5EF4-FFF2-40B4-BE49-F238E27FC236}">
-                <a16:creationId xmlns:a16="http://schemas.microsoft.com/office/drawing/2014/main" xmlns="" id="{589BA7D3-9B86-4965-B29D-5598F0647150}"/>
+                <a16:creationId xmlns="" xmlns:a16="http://schemas.microsoft.com/office/drawing/2014/main" id="{589BA7D3-9B86-4965-B29D-5598F0647150}"/>
               </a:ext>
             </a:extLst>
           </p:cNvPr>
@@ -3814,7 +3814,7 @@
           <p:cNvPr id="7" name="그림 6">
             <a:extLst>
               <a:ext uri="{FF2B5EF4-FFF2-40B4-BE49-F238E27FC236}">
-                <a16:creationId xmlns:a16="http://schemas.microsoft.com/office/drawing/2014/main" xmlns="" id="{4A40416B-BDFA-4786-B343-88696BA84735}"/>
+                <a16:creationId xmlns="" xmlns:a16="http://schemas.microsoft.com/office/drawing/2014/main" id="{4A40416B-BDFA-4786-B343-88696BA84735}"/>
               </a:ext>
             </a:extLst>
           </p:cNvPr>
@@ -3846,7 +3846,7 @@
               <p:cNvPr id="11" name="TextBox 10">
                 <a:extLst>
                   <a:ext uri="{FF2B5EF4-FFF2-40B4-BE49-F238E27FC236}">
-                    <a16:creationId xmlns:a16="http://schemas.microsoft.com/office/drawing/2014/main" xmlns="" id="{4EFAC234-680E-4B59-A968-5D2318A65226}"/>
+                    <a16:creationId xmlns="" xmlns:a16="http://schemas.microsoft.com/office/drawing/2014/main" id="{4EFAC234-680E-4B59-A968-5D2318A65226}"/>
                   </a:ext>
                 </a:extLst>
               </p:cNvPr>
@@ -4051,14 +4051,14 @@
           </p:sp>
         </mc:Fallback>
       </mc:AlternateContent>
-      <mc:AlternateContent xmlns:mc="http://schemas.openxmlformats.org/markup-compatibility/2006">
-        <mc:Choice xmlns:a14="http://schemas.microsoft.com/office/drawing/2010/main" Requires="a14">
+      <mc:AlternateContent xmlns:mc="http://schemas.openxmlformats.org/markup-compatibility/2006" xmlns:a14="http://schemas.microsoft.com/office/drawing/2010/main">
+        <mc:Choice Requires="a14">
           <p:sp>
             <p:nvSpPr>
               <p:cNvPr id="8" name="TextBox 7">
                 <a:extLst>
                   <a:ext uri="{FF2B5EF4-FFF2-40B4-BE49-F238E27FC236}">
-                    <a16:creationId xmlns:a16="http://schemas.microsoft.com/office/drawing/2014/main" xmlns="" id="{4EFAC234-680E-4B59-A968-5D2318A65226}"/>
+                    <a16:creationId xmlns="" xmlns:a16="http://schemas.microsoft.com/office/drawing/2014/main" id="{4EFAC234-680E-4B59-A968-5D2318A65226}"/>
                   </a:ext>
                 </a:extLst>
               </p:cNvPr>
@@ -4130,7 +4130,7 @@
             </p:txBody>
           </p:sp>
         </mc:Choice>
-        <mc:Fallback>
+        <mc:Fallback xmlns="">
           <p:sp>
             <p:nvSpPr>
               <p:cNvPr id="8" name="TextBox 7">
@@ -4267,7 +4267,7 @@
           <p:cNvPr id="8" name="그림 7">
             <a:extLst>
               <a:ext uri="{FF2B5EF4-FFF2-40B4-BE49-F238E27FC236}">
-                <a16:creationId xmlns:a16="http://schemas.microsoft.com/office/drawing/2014/main" xmlns="" id="{86082801-B7DD-4EDB-8E55-69EDAD551759}"/>
+                <a16:creationId xmlns="" xmlns:a16="http://schemas.microsoft.com/office/drawing/2014/main" id="{86082801-B7DD-4EDB-8E55-69EDAD551759}"/>
               </a:ext>
             </a:extLst>
           </p:cNvPr>
@@ -4297,7 +4297,7 @@
           <p:cNvPr id="10" name="TextBox 9">
             <a:extLst>
               <a:ext uri="{FF2B5EF4-FFF2-40B4-BE49-F238E27FC236}">
-                <a16:creationId xmlns:a16="http://schemas.microsoft.com/office/drawing/2014/main" xmlns="" id="{5A77E06C-FEC0-4BF8-8EDD-824C2B5A6887}"/>
+                <a16:creationId xmlns="" xmlns:a16="http://schemas.microsoft.com/office/drawing/2014/main" id="{5A77E06C-FEC0-4BF8-8EDD-824C2B5A6887}"/>
               </a:ext>
             </a:extLst>
           </p:cNvPr>
@@ -4344,7 +4344,7 @@
               <p:cNvPr id="11" name="TextBox 10">
                 <a:extLst>
                   <a:ext uri="{FF2B5EF4-FFF2-40B4-BE49-F238E27FC236}">
-                    <a16:creationId xmlns:a16="http://schemas.microsoft.com/office/drawing/2014/main" xmlns="" id="{4EFAC234-680E-4B59-A968-5D2318A65226}"/>
+                    <a16:creationId xmlns="" xmlns:a16="http://schemas.microsoft.com/office/drawing/2014/main" id="{4EFAC234-680E-4B59-A968-5D2318A65226}"/>
                   </a:ext>
                 </a:extLst>
               </p:cNvPr>
@@ -4554,7 +4554,7 @@
           <p:cNvPr id="2050" name="Picture 2" descr="ìê°ë³µì¡ëì ëí ì´ë¯¸ì§ ê²ìê²°ê³¼">
             <a:extLst>
               <a:ext uri="{FF2B5EF4-FFF2-40B4-BE49-F238E27FC236}">
-                <a16:creationId xmlns:a16="http://schemas.microsoft.com/office/drawing/2014/main" xmlns="" id="{1314B910-9CEB-4F3E-B31B-90E807A3E4D1}"/>
+                <a16:creationId xmlns="" xmlns:a16="http://schemas.microsoft.com/office/drawing/2014/main" id="{1314B910-9CEB-4F3E-B31B-90E807A3E4D1}"/>
               </a:ext>
             </a:extLst>
           </p:cNvPr>
@@ -4677,7 +4677,7 @@
           <p:cNvPr id="2" name="TextBox 1">
             <a:extLst>
               <a:ext uri="{FF2B5EF4-FFF2-40B4-BE49-F238E27FC236}">
-                <a16:creationId xmlns:a16="http://schemas.microsoft.com/office/drawing/2014/main" xmlns="" id="{F829BE84-4759-4CC8-AB34-531F17873F77}"/>
+                <a16:creationId xmlns="" xmlns:a16="http://schemas.microsoft.com/office/drawing/2014/main" id="{F829BE84-4759-4CC8-AB34-531F17873F77}"/>
               </a:ext>
             </a:extLst>
           </p:cNvPr>
@@ -4791,7 +4791,7 @@
           <p:cNvPr id="5" name="그림 4">
             <a:extLst>
               <a:ext uri="{FF2B5EF4-FFF2-40B4-BE49-F238E27FC236}">
-                <a16:creationId xmlns:a16="http://schemas.microsoft.com/office/drawing/2014/main" xmlns="" id="{3A597679-1E95-4000-BD44-243A376510FC}"/>
+                <a16:creationId xmlns="" xmlns:a16="http://schemas.microsoft.com/office/drawing/2014/main" id="{3A597679-1E95-4000-BD44-243A376510FC}"/>
               </a:ext>
             </a:extLst>
           </p:cNvPr>
@@ -4821,7 +4821,7 @@
           <p:cNvPr id="6" name="TextBox 5">
             <a:extLst>
               <a:ext uri="{FF2B5EF4-FFF2-40B4-BE49-F238E27FC236}">
-                <a16:creationId xmlns:a16="http://schemas.microsoft.com/office/drawing/2014/main" xmlns="" id="{08D41174-1941-4DCF-A3F5-A7218804AB8C}"/>
+                <a16:creationId xmlns="" xmlns:a16="http://schemas.microsoft.com/office/drawing/2014/main" id="{08D41174-1941-4DCF-A3F5-A7218804AB8C}"/>
               </a:ext>
             </a:extLst>
           </p:cNvPr>
@@ -4944,7 +4944,7 @@
           <p:cNvPr id="6" name="TextBox 5">
             <a:extLst>
               <a:ext uri="{FF2B5EF4-FFF2-40B4-BE49-F238E27FC236}">
-                <a16:creationId xmlns:a16="http://schemas.microsoft.com/office/drawing/2014/main" xmlns="" id="{08D41174-1941-4DCF-A3F5-A7218804AB8C}"/>
+                <a16:creationId xmlns="" xmlns:a16="http://schemas.microsoft.com/office/drawing/2014/main" id="{08D41174-1941-4DCF-A3F5-A7218804AB8C}"/>
               </a:ext>
             </a:extLst>
           </p:cNvPr>
@@ -4989,7 +4989,7 @@
           <p:cNvPr id="2" name="그림 1">
             <a:extLst>
               <a:ext uri="{FF2B5EF4-FFF2-40B4-BE49-F238E27FC236}">
-                <a16:creationId xmlns:a16="http://schemas.microsoft.com/office/drawing/2014/main" xmlns="" id="{A0D0B392-1120-4E2F-9080-37764EE37711}"/>
+                <a16:creationId xmlns="" xmlns:a16="http://schemas.microsoft.com/office/drawing/2014/main" id="{A0D0B392-1120-4E2F-9080-37764EE37711}"/>
               </a:ext>
             </a:extLst>
           </p:cNvPr>
@@ -5019,7 +5019,7 @@
           <p:cNvPr id="7" name="TextBox 6">
             <a:extLst>
               <a:ext uri="{FF2B5EF4-FFF2-40B4-BE49-F238E27FC236}">
-                <a16:creationId xmlns:a16="http://schemas.microsoft.com/office/drawing/2014/main" xmlns="" id="{D6409D4F-CE0B-44B6-8DE4-394FCE9ECF8E}"/>
+                <a16:creationId xmlns="" xmlns:a16="http://schemas.microsoft.com/office/drawing/2014/main" id="{D6409D4F-CE0B-44B6-8DE4-394FCE9ECF8E}"/>
               </a:ext>
             </a:extLst>
           </p:cNvPr>
@@ -5158,7 +5158,7 @@
           <p:cNvPr id="3" name="제목 2">
             <a:extLst>
               <a:ext uri="{FF2B5EF4-FFF2-40B4-BE49-F238E27FC236}">
-                <a16:creationId xmlns:a16="http://schemas.microsoft.com/office/drawing/2014/main" xmlns="" id="{3B3075E0-9187-46A5-A384-B4D2CF1A547F}"/>
+                <a16:creationId xmlns="" xmlns:a16="http://schemas.microsoft.com/office/drawing/2014/main" id="{3B3075E0-9187-46A5-A384-B4D2CF1A547F}"/>
               </a:ext>
             </a:extLst>
           </p:cNvPr>
@@ -5186,7 +5186,7 @@
           <p:cNvPr id="4" name="텍스트 개체 틀 3">
             <a:extLst>
               <a:ext uri="{FF2B5EF4-FFF2-40B4-BE49-F238E27FC236}">
-                <a16:creationId xmlns:a16="http://schemas.microsoft.com/office/drawing/2014/main" xmlns="" id="{C915C0A0-CDD1-4553-A9A1-33CA72D93DDD}"/>
+                <a16:creationId xmlns="" xmlns:a16="http://schemas.microsoft.com/office/drawing/2014/main" id="{C915C0A0-CDD1-4553-A9A1-33CA72D93DDD}"/>
               </a:ext>
             </a:extLst>
           </p:cNvPr>
@@ -5218,7 +5218,7 @@
           <p:cNvPr id="5" name="TextBox 4">
             <a:extLst>
               <a:ext uri="{FF2B5EF4-FFF2-40B4-BE49-F238E27FC236}">
-                <a16:creationId xmlns:a16="http://schemas.microsoft.com/office/drawing/2014/main" xmlns="" id="{15E3044A-525B-41BD-B990-2D5A5A6C9A8D}"/>
+                <a16:creationId xmlns="" xmlns:a16="http://schemas.microsoft.com/office/drawing/2014/main" id="{15E3044A-525B-41BD-B990-2D5A5A6C9A8D}"/>
               </a:ext>
             </a:extLst>
           </p:cNvPr>
@@ -5263,7 +5263,7 @@
           <p:cNvPr id="6" name="그림 5">
             <a:extLst>
               <a:ext uri="{FF2B5EF4-FFF2-40B4-BE49-F238E27FC236}">
-                <a16:creationId xmlns:a16="http://schemas.microsoft.com/office/drawing/2014/main" xmlns="" id="{D6B0C715-40BF-46C9-B4ED-22B1B1BF7B23}"/>
+                <a16:creationId xmlns="" xmlns:a16="http://schemas.microsoft.com/office/drawing/2014/main" id="{D6B0C715-40BF-46C9-B4ED-22B1B1BF7B23}"/>
               </a:ext>
             </a:extLst>
           </p:cNvPr>
@@ -5293,7 +5293,7 @@
           <p:cNvPr id="7" name="TextBox 6">
             <a:extLst>
               <a:ext uri="{FF2B5EF4-FFF2-40B4-BE49-F238E27FC236}">
-                <a16:creationId xmlns:a16="http://schemas.microsoft.com/office/drawing/2014/main" xmlns="" id="{CCBFBDD9-0B32-44E6-864E-64C2BB68EF6A}"/>
+                <a16:creationId xmlns="" xmlns:a16="http://schemas.microsoft.com/office/drawing/2014/main" id="{CCBFBDD9-0B32-44E6-864E-64C2BB68EF6A}"/>
               </a:ext>
             </a:extLst>
           </p:cNvPr>
@@ -5367,7 +5367,7 @@
           <p:cNvPr id="3" name="제목 2">
             <a:extLst>
               <a:ext uri="{FF2B5EF4-FFF2-40B4-BE49-F238E27FC236}">
-                <a16:creationId xmlns:a16="http://schemas.microsoft.com/office/drawing/2014/main" xmlns="" id="{3B3075E0-9187-46A5-A384-B4D2CF1A547F}"/>
+                <a16:creationId xmlns="" xmlns:a16="http://schemas.microsoft.com/office/drawing/2014/main" id="{3B3075E0-9187-46A5-A384-B4D2CF1A547F}"/>
               </a:ext>
             </a:extLst>
           </p:cNvPr>
@@ -5399,7 +5399,7 @@
           <p:cNvPr id="4" name="텍스트 개체 틀 3">
             <a:extLst>
               <a:ext uri="{FF2B5EF4-FFF2-40B4-BE49-F238E27FC236}">
-                <a16:creationId xmlns:a16="http://schemas.microsoft.com/office/drawing/2014/main" xmlns="" id="{C915C0A0-CDD1-4553-A9A1-33CA72D93DDD}"/>
+                <a16:creationId xmlns="" xmlns:a16="http://schemas.microsoft.com/office/drawing/2014/main" id="{C915C0A0-CDD1-4553-A9A1-33CA72D93DDD}"/>
               </a:ext>
             </a:extLst>
           </p:cNvPr>
@@ -5431,7 +5431,7 @@
           <p:cNvPr id="2" name="TextBox 1">
             <a:extLst>
               <a:ext uri="{FF2B5EF4-FFF2-40B4-BE49-F238E27FC236}">
-                <a16:creationId xmlns:a16="http://schemas.microsoft.com/office/drawing/2014/main" xmlns="" id="{7056E9DB-D6AB-40B5-9A66-5BFDC35C566E}"/>
+                <a16:creationId xmlns="" xmlns:a16="http://schemas.microsoft.com/office/drawing/2014/main" id="{7056E9DB-D6AB-40B5-9A66-5BFDC35C566E}"/>
               </a:ext>
             </a:extLst>
           </p:cNvPr>
@@ -5522,7 +5522,7 @@
           <p:cNvPr id="3" name="직선 연결선 2">
             <a:extLst>
               <a:ext uri="{FF2B5EF4-FFF2-40B4-BE49-F238E27FC236}">
-                <a16:creationId xmlns:a16="http://schemas.microsoft.com/office/drawing/2014/main" xmlns="" id="{28440DBE-91E6-47C8-8CD2-52AFFFC36225}"/>
+                <a16:creationId xmlns="" xmlns:a16="http://schemas.microsoft.com/office/drawing/2014/main" id="{28440DBE-91E6-47C8-8CD2-52AFFFC36225}"/>
               </a:ext>
             </a:extLst>
           </p:cNvPr>
@@ -5566,7 +5566,7 @@
           <p:cNvPr id="29" name="그룹 28">
             <a:extLst>
               <a:ext uri="{FF2B5EF4-FFF2-40B4-BE49-F238E27FC236}">
-                <a16:creationId xmlns:a16="http://schemas.microsoft.com/office/drawing/2014/main" xmlns="" id="{592A907A-7634-49F1-82E6-E0C8D5A51C86}"/>
+                <a16:creationId xmlns="" xmlns:a16="http://schemas.microsoft.com/office/drawing/2014/main" id="{592A907A-7634-49F1-82E6-E0C8D5A51C86}"/>
               </a:ext>
             </a:extLst>
           </p:cNvPr>
@@ -5586,7 +5586,7 @@
             <p:cNvPr id="30" name="타원 29">
               <a:extLst>
                 <a:ext uri="{FF2B5EF4-FFF2-40B4-BE49-F238E27FC236}">
-                  <a16:creationId xmlns:a16="http://schemas.microsoft.com/office/drawing/2014/main" xmlns="" id="{95857358-815F-4B21-A0CC-B2922F639D70}"/>
+                  <a16:creationId xmlns="" xmlns:a16="http://schemas.microsoft.com/office/drawing/2014/main" id="{95857358-815F-4B21-A0CC-B2922F639D70}"/>
                 </a:ext>
               </a:extLst>
             </p:cNvPr>
@@ -5638,7 +5638,7 @@
             <p:cNvPr id="31" name="타원 30">
               <a:extLst>
                 <a:ext uri="{FF2B5EF4-FFF2-40B4-BE49-F238E27FC236}">
-                  <a16:creationId xmlns:a16="http://schemas.microsoft.com/office/drawing/2014/main" xmlns="" id="{B599B735-87B5-4A92-A967-A2394B3735DF}"/>
+                  <a16:creationId xmlns="" xmlns:a16="http://schemas.microsoft.com/office/drawing/2014/main" id="{B599B735-87B5-4A92-A967-A2394B3735DF}"/>
                 </a:ext>
               </a:extLst>
             </p:cNvPr>
@@ -5691,7 +5691,7 @@
           <p:cNvPr id="32" name="TextBox 31">
             <a:extLst>
               <a:ext uri="{FF2B5EF4-FFF2-40B4-BE49-F238E27FC236}">
-                <a16:creationId xmlns:a16="http://schemas.microsoft.com/office/drawing/2014/main" xmlns="" id="{531E1C71-53D2-48F9-A6BF-9C2F4F61CFAE}"/>
+                <a16:creationId xmlns="" xmlns:a16="http://schemas.microsoft.com/office/drawing/2014/main" id="{531E1C71-53D2-48F9-A6BF-9C2F4F61CFAE}"/>
               </a:ext>
             </a:extLst>
           </p:cNvPr>
@@ -5727,7 +5727,7 @@
           <p:cNvPr id="33" name="그룹 32">
             <a:extLst>
               <a:ext uri="{FF2B5EF4-FFF2-40B4-BE49-F238E27FC236}">
-                <a16:creationId xmlns:a16="http://schemas.microsoft.com/office/drawing/2014/main" xmlns="" id="{C3C2CB45-848D-48E1-BD87-585E9F7EA30C}"/>
+                <a16:creationId xmlns="" xmlns:a16="http://schemas.microsoft.com/office/drawing/2014/main" id="{C3C2CB45-848D-48E1-BD87-585E9F7EA30C}"/>
               </a:ext>
             </a:extLst>
           </p:cNvPr>
@@ -5747,7 +5747,7 @@
             <p:cNvPr id="34" name="타원 33">
               <a:extLst>
                 <a:ext uri="{FF2B5EF4-FFF2-40B4-BE49-F238E27FC236}">
-                  <a16:creationId xmlns:a16="http://schemas.microsoft.com/office/drawing/2014/main" xmlns="" id="{EF2B87D4-AC87-4EFB-BD85-41574590A490}"/>
+                  <a16:creationId xmlns="" xmlns:a16="http://schemas.microsoft.com/office/drawing/2014/main" id="{EF2B87D4-AC87-4EFB-BD85-41574590A490}"/>
                 </a:ext>
               </a:extLst>
             </p:cNvPr>
@@ -5799,7 +5799,7 @@
             <p:cNvPr id="35" name="타원 34">
               <a:extLst>
                 <a:ext uri="{FF2B5EF4-FFF2-40B4-BE49-F238E27FC236}">
-                  <a16:creationId xmlns:a16="http://schemas.microsoft.com/office/drawing/2014/main" xmlns="" id="{2C0FC914-4752-4EFD-95A2-7E0AABF120B4}"/>
+                  <a16:creationId xmlns="" xmlns:a16="http://schemas.microsoft.com/office/drawing/2014/main" id="{2C0FC914-4752-4EFD-95A2-7E0AABF120B4}"/>
                 </a:ext>
               </a:extLst>
             </p:cNvPr>
@@ -5852,7 +5852,7 @@
           <p:cNvPr id="36" name="TextBox 35">
             <a:extLst>
               <a:ext uri="{FF2B5EF4-FFF2-40B4-BE49-F238E27FC236}">
-                <a16:creationId xmlns:a16="http://schemas.microsoft.com/office/drawing/2014/main" xmlns="" id="{63F7D6E8-D260-4E88-874C-D848FE40599B}"/>
+                <a16:creationId xmlns="" xmlns:a16="http://schemas.microsoft.com/office/drawing/2014/main" id="{63F7D6E8-D260-4E88-874C-D848FE40599B}"/>
               </a:ext>
             </a:extLst>
           </p:cNvPr>
@@ -5892,7 +5892,7 @@
           <p:cNvPr id="37" name="그룹 36">
             <a:extLst>
               <a:ext uri="{FF2B5EF4-FFF2-40B4-BE49-F238E27FC236}">
-                <a16:creationId xmlns:a16="http://schemas.microsoft.com/office/drawing/2014/main" xmlns="" id="{044CEE77-E968-4399-91BD-997189862960}"/>
+                <a16:creationId xmlns="" xmlns:a16="http://schemas.microsoft.com/office/drawing/2014/main" id="{044CEE77-E968-4399-91BD-997189862960}"/>
               </a:ext>
             </a:extLst>
           </p:cNvPr>
@@ -5912,7 +5912,7 @@
             <p:cNvPr id="38" name="타원 37">
               <a:extLst>
                 <a:ext uri="{FF2B5EF4-FFF2-40B4-BE49-F238E27FC236}">
-                  <a16:creationId xmlns:a16="http://schemas.microsoft.com/office/drawing/2014/main" xmlns="" id="{7162EE14-3B85-4758-8D83-5CCA67CF9D90}"/>
+                  <a16:creationId xmlns="" xmlns:a16="http://schemas.microsoft.com/office/drawing/2014/main" id="{7162EE14-3B85-4758-8D83-5CCA67CF9D90}"/>
                 </a:ext>
               </a:extLst>
             </p:cNvPr>
@@ -5964,7 +5964,7 @@
             <p:cNvPr id="39" name="타원 38">
               <a:extLst>
                 <a:ext uri="{FF2B5EF4-FFF2-40B4-BE49-F238E27FC236}">
-                  <a16:creationId xmlns:a16="http://schemas.microsoft.com/office/drawing/2014/main" xmlns="" id="{25AEC048-0EC6-490B-B721-F0EFC40E8417}"/>
+                  <a16:creationId xmlns="" xmlns:a16="http://schemas.microsoft.com/office/drawing/2014/main" id="{25AEC048-0EC6-490B-B721-F0EFC40E8417}"/>
                 </a:ext>
               </a:extLst>
             </p:cNvPr>
@@ -6017,7 +6017,7 @@
           <p:cNvPr id="45" name="그림 44">
             <a:extLst>
               <a:ext uri="{FF2B5EF4-FFF2-40B4-BE49-F238E27FC236}">
-                <a16:creationId xmlns:a16="http://schemas.microsoft.com/office/drawing/2014/main" xmlns="" id="{279EE1AF-7AB0-4B32-AC1A-1FA0064EC74A}"/>
+                <a16:creationId xmlns="" xmlns:a16="http://schemas.microsoft.com/office/drawing/2014/main" id="{279EE1AF-7AB0-4B32-AC1A-1FA0064EC74A}"/>
               </a:ext>
             </a:extLst>
           </p:cNvPr>
@@ -6053,7 +6053,7 @@
           <p:cNvPr id="20" name="그룹 19">
             <a:extLst>
               <a:ext uri="{FF2B5EF4-FFF2-40B4-BE49-F238E27FC236}">
-                <a16:creationId xmlns:a16="http://schemas.microsoft.com/office/drawing/2014/main" xmlns="" id="{592A907A-7634-49F1-82E6-E0C8D5A51C86}"/>
+                <a16:creationId xmlns="" xmlns:a16="http://schemas.microsoft.com/office/drawing/2014/main" id="{592A907A-7634-49F1-82E6-E0C8D5A51C86}"/>
               </a:ext>
             </a:extLst>
           </p:cNvPr>
@@ -6073,7 +6073,7 @@
             <p:cNvPr id="21" name="타원 20">
               <a:extLst>
                 <a:ext uri="{FF2B5EF4-FFF2-40B4-BE49-F238E27FC236}">
-                  <a16:creationId xmlns:a16="http://schemas.microsoft.com/office/drawing/2014/main" xmlns="" id="{95857358-815F-4B21-A0CC-B2922F639D70}"/>
+                  <a16:creationId xmlns="" xmlns:a16="http://schemas.microsoft.com/office/drawing/2014/main" id="{95857358-815F-4B21-A0CC-B2922F639D70}"/>
                 </a:ext>
               </a:extLst>
             </p:cNvPr>
@@ -6125,7 +6125,7 @@
             <p:cNvPr id="22" name="타원 21">
               <a:extLst>
                 <a:ext uri="{FF2B5EF4-FFF2-40B4-BE49-F238E27FC236}">
-                  <a16:creationId xmlns:a16="http://schemas.microsoft.com/office/drawing/2014/main" xmlns="" id="{B599B735-87B5-4A92-A967-A2394B3735DF}"/>
+                  <a16:creationId xmlns="" xmlns:a16="http://schemas.microsoft.com/office/drawing/2014/main" id="{B599B735-87B5-4A92-A967-A2394B3735DF}"/>
                 </a:ext>
               </a:extLst>
             </p:cNvPr>
@@ -6178,7 +6178,7 @@
           <p:cNvPr id="23" name="TextBox 22">
             <a:extLst>
               <a:ext uri="{FF2B5EF4-FFF2-40B4-BE49-F238E27FC236}">
-                <a16:creationId xmlns:a16="http://schemas.microsoft.com/office/drawing/2014/main" xmlns="" id="{531E1C71-53D2-48F9-A6BF-9C2F4F61CFAE}"/>
+                <a16:creationId xmlns="" xmlns:a16="http://schemas.microsoft.com/office/drawing/2014/main" id="{531E1C71-53D2-48F9-A6BF-9C2F4F61CFAE}"/>
               </a:ext>
             </a:extLst>
           </p:cNvPr>
@@ -6214,7 +6214,7 @@
           <p:cNvPr id="24" name="그룹 23">
             <a:extLst>
               <a:ext uri="{FF2B5EF4-FFF2-40B4-BE49-F238E27FC236}">
-                <a16:creationId xmlns:a16="http://schemas.microsoft.com/office/drawing/2014/main" xmlns="" id="{592A907A-7634-49F1-82E6-E0C8D5A51C86}"/>
+                <a16:creationId xmlns="" xmlns:a16="http://schemas.microsoft.com/office/drawing/2014/main" id="{592A907A-7634-49F1-82E6-E0C8D5A51C86}"/>
               </a:ext>
             </a:extLst>
           </p:cNvPr>
@@ -6234,7 +6234,7 @@
             <p:cNvPr id="25" name="타원 24">
               <a:extLst>
                 <a:ext uri="{FF2B5EF4-FFF2-40B4-BE49-F238E27FC236}">
-                  <a16:creationId xmlns:a16="http://schemas.microsoft.com/office/drawing/2014/main" xmlns="" id="{95857358-815F-4B21-A0CC-B2922F639D70}"/>
+                  <a16:creationId xmlns="" xmlns:a16="http://schemas.microsoft.com/office/drawing/2014/main" id="{95857358-815F-4B21-A0CC-B2922F639D70}"/>
                 </a:ext>
               </a:extLst>
             </p:cNvPr>
@@ -6286,7 +6286,7 @@
             <p:cNvPr id="26" name="타원 25">
               <a:extLst>
                 <a:ext uri="{FF2B5EF4-FFF2-40B4-BE49-F238E27FC236}">
-                  <a16:creationId xmlns:a16="http://schemas.microsoft.com/office/drawing/2014/main" xmlns="" id="{B599B735-87B5-4A92-A967-A2394B3735DF}"/>
+                  <a16:creationId xmlns="" xmlns:a16="http://schemas.microsoft.com/office/drawing/2014/main" id="{B599B735-87B5-4A92-A967-A2394B3735DF}"/>
                 </a:ext>
               </a:extLst>
             </p:cNvPr>
@@ -6339,7 +6339,7 @@
           <p:cNvPr id="27" name="TextBox 26">
             <a:extLst>
               <a:ext uri="{FF2B5EF4-FFF2-40B4-BE49-F238E27FC236}">
-                <a16:creationId xmlns:a16="http://schemas.microsoft.com/office/drawing/2014/main" xmlns="" id="{531E1C71-53D2-48F9-A6BF-9C2F4F61CFAE}"/>
+                <a16:creationId xmlns="" xmlns:a16="http://schemas.microsoft.com/office/drawing/2014/main" id="{531E1C71-53D2-48F9-A6BF-9C2F4F61CFAE}"/>
               </a:ext>
             </a:extLst>
           </p:cNvPr>
@@ -6383,7 +6383,7 @@
           <p:cNvPr id="28" name="그룹 27">
             <a:extLst>
               <a:ext uri="{FF2B5EF4-FFF2-40B4-BE49-F238E27FC236}">
-                <a16:creationId xmlns:a16="http://schemas.microsoft.com/office/drawing/2014/main" xmlns="" id="{C3C2CB45-848D-48E1-BD87-585E9F7EA30C}"/>
+                <a16:creationId xmlns="" xmlns:a16="http://schemas.microsoft.com/office/drawing/2014/main" id="{C3C2CB45-848D-48E1-BD87-585E9F7EA30C}"/>
               </a:ext>
             </a:extLst>
           </p:cNvPr>
@@ -6403,7 +6403,7 @@
             <p:cNvPr id="46" name="타원 45">
               <a:extLst>
                 <a:ext uri="{FF2B5EF4-FFF2-40B4-BE49-F238E27FC236}">
-                  <a16:creationId xmlns:a16="http://schemas.microsoft.com/office/drawing/2014/main" xmlns="" id="{EF2B87D4-AC87-4EFB-BD85-41574590A490}"/>
+                  <a16:creationId xmlns="" xmlns:a16="http://schemas.microsoft.com/office/drawing/2014/main" id="{EF2B87D4-AC87-4EFB-BD85-41574590A490}"/>
                 </a:ext>
               </a:extLst>
             </p:cNvPr>
@@ -6455,7 +6455,7 @@
             <p:cNvPr id="47" name="타원 46">
               <a:extLst>
                 <a:ext uri="{FF2B5EF4-FFF2-40B4-BE49-F238E27FC236}">
-                  <a16:creationId xmlns:a16="http://schemas.microsoft.com/office/drawing/2014/main" xmlns="" id="{2C0FC914-4752-4EFD-95A2-7E0AABF120B4}"/>
+                  <a16:creationId xmlns="" xmlns:a16="http://schemas.microsoft.com/office/drawing/2014/main" id="{2C0FC914-4752-4EFD-95A2-7E0AABF120B4}"/>
                 </a:ext>
               </a:extLst>
             </p:cNvPr>
@@ -6508,7 +6508,7 @@
           <p:cNvPr id="48" name="TextBox 47">
             <a:extLst>
               <a:ext uri="{FF2B5EF4-FFF2-40B4-BE49-F238E27FC236}">
-                <a16:creationId xmlns:a16="http://schemas.microsoft.com/office/drawing/2014/main" xmlns="" id="{63F7D6E8-D260-4E88-874C-D848FE40599B}"/>
+                <a16:creationId xmlns="" xmlns:a16="http://schemas.microsoft.com/office/drawing/2014/main" id="{63F7D6E8-D260-4E88-874C-D848FE40599B}"/>
               </a:ext>
             </a:extLst>
           </p:cNvPr>
@@ -6544,7 +6544,7 @@
           <p:cNvPr id="49" name="TextBox 48">
             <a:extLst>
               <a:ext uri="{FF2B5EF4-FFF2-40B4-BE49-F238E27FC236}">
-                <a16:creationId xmlns:a16="http://schemas.microsoft.com/office/drawing/2014/main" xmlns="" id="{63F7D6E8-D260-4E88-874C-D848FE40599B}"/>
+                <a16:creationId xmlns="" xmlns:a16="http://schemas.microsoft.com/office/drawing/2014/main" id="{63F7D6E8-D260-4E88-874C-D848FE40599B}"/>
               </a:ext>
             </a:extLst>
           </p:cNvPr>
@@ -6610,7 +6610,7 @@
           <p:cNvPr id="3" name="제목 2">
             <a:extLst>
               <a:ext uri="{FF2B5EF4-FFF2-40B4-BE49-F238E27FC236}">
-                <a16:creationId xmlns:a16="http://schemas.microsoft.com/office/drawing/2014/main" xmlns="" id="{370415C2-FB5A-4A16-9C91-900A4FFB989C}"/>
+                <a16:creationId xmlns="" xmlns:a16="http://schemas.microsoft.com/office/drawing/2014/main" id="{370415C2-FB5A-4A16-9C91-900A4FFB989C}"/>
               </a:ext>
             </a:extLst>
           </p:cNvPr>
@@ -6642,7 +6642,7 @@
           <p:cNvPr id="4" name="텍스트 개체 틀 3">
             <a:extLst>
               <a:ext uri="{FF2B5EF4-FFF2-40B4-BE49-F238E27FC236}">
-                <a16:creationId xmlns:a16="http://schemas.microsoft.com/office/drawing/2014/main" xmlns="" id="{4311E92A-AD17-486D-8D0A-9F3D17F2B0D9}"/>
+                <a16:creationId xmlns="" xmlns:a16="http://schemas.microsoft.com/office/drawing/2014/main" id="{4311E92A-AD17-486D-8D0A-9F3D17F2B0D9}"/>
               </a:ext>
             </a:extLst>
           </p:cNvPr>
@@ -6674,7 +6674,7 @@
           <p:cNvPr id="5" name="Picture 2" descr="íì¼:attachment/Erathosthenes_sieve.png">
             <a:extLst>
               <a:ext uri="{FF2B5EF4-FFF2-40B4-BE49-F238E27FC236}">
-                <a16:creationId xmlns:a16="http://schemas.microsoft.com/office/drawing/2014/main" xmlns="" id="{656A82E7-45D0-4AC4-AF47-A36C49B0C64E}"/>
+                <a16:creationId xmlns="" xmlns:a16="http://schemas.microsoft.com/office/drawing/2014/main" id="{656A82E7-45D0-4AC4-AF47-A36C49B0C64E}"/>
               </a:ext>
             </a:extLst>
           </p:cNvPr>
@@ -6751,7 +6751,7 @@
           <p:cNvPr id="3" name="제목 2">
             <a:extLst>
               <a:ext uri="{FF2B5EF4-FFF2-40B4-BE49-F238E27FC236}">
-                <a16:creationId xmlns:a16="http://schemas.microsoft.com/office/drawing/2014/main" xmlns="" id="{3B3075E0-9187-46A5-A384-B4D2CF1A547F}"/>
+                <a16:creationId xmlns="" xmlns:a16="http://schemas.microsoft.com/office/drawing/2014/main" id="{3B3075E0-9187-46A5-A384-B4D2CF1A547F}"/>
               </a:ext>
             </a:extLst>
           </p:cNvPr>
@@ -6783,7 +6783,7 @@
           <p:cNvPr id="4" name="텍스트 개체 틀 3">
             <a:extLst>
               <a:ext uri="{FF2B5EF4-FFF2-40B4-BE49-F238E27FC236}">
-                <a16:creationId xmlns:a16="http://schemas.microsoft.com/office/drawing/2014/main" xmlns="" id="{C915C0A0-CDD1-4553-A9A1-33CA72D93DDD}"/>
+                <a16:creationId xmlns="" xmlns:a16="http://schemas.microsoft.com/office/drawing/2014/main" id="{C915C0A0-CDD1-4553-A9A1-33CA72D93DDD}"/>
               </a:ext>
             </a:extLst>
           </p:cNvPr>
@@ -6815,7 +6815,7 @@
           <p:cNvPr id="2" name="TextBox 1">
             <a:extLst>
               <a:ext uri="{FF2B5EF4-FFF2-40B4-BE49-F238E27FC236}">
-                <a16:creationId xmlns:a16="http://schemas.microsoft.com/office/drawing/2014/main" xmlns="" id="{7056E9DB-D6AB-40B5-9A66-5BFDC35C566E}"/>
+                <a16:creationId xmlns="" xmlns:a16="http://schemas.microsoft.com/office/drawing/2014/main" id="{7056E9DB-D6AB-40B5-9A66-5BFDC35C566E}"/>
               </a:ext>
             </a:extLst>
           </p:cNvPr>
@@ -6942,7 +6942,7 @@
           <p:cNvPr id="8" name="그림 7">
             <a:extLst>
               <a:ext uri="{FF2B5EF4-FFF2-40B4-BE49-F238E27FC236}">
-                <a16:creationId xmlns:a16="http://schemas.microsoft.com/office/drawing/2014/main" xmlns="" id="{BBFD0019-4727-450F-9B38-B7B50D4DF56F}"/>
+                <a16:creationId xmlns="" xmlns:a16="http://schemas.microsoft.com/office/drawing/2014/main" id="{BBFD0019-4727-450F-9B38-B7B50D4DF56F}"/>
               </a:ext>
             </a:extLst>
           </p:cNvPr>
@@ -6972,7 +6972,7 @@
           <p:cNvPr id="6" name="TextBox 5">
             <a:extLst>
               <a:ext uri="{FF2B5EF4-FFF2-40B4-BE49-F238E27FC236}">
-                <a16:creationId xmlns:a16="http://schemas.microsoft.com/office/drawing/2014/main" xmlns="" id="{B15856B8-C42C-497A-80EC-CCB54BB04A50}"/>
+                <a16:creationId xmlns="" xmlns:a16="http://schemas.microsoft.com/office/drawing/2014/main" id="{B15856B8-C42C-497A-80EC-CCB54BB04A50}"/>
               </a:ext>
             </a:extLst>
           </p:cNvPr>
@@ -7051,7 +7051,7 @@
           <p:cNvPr id="3" name="제목 2">
             <a:extLst>
               <a:ext uri="{FF2B5EF4-FFF2-40B4-BE49-F238E27FC236}">
-                <a16:creationId xmlns:a16="http://schemas.microsoft.com/office/drawing/2014/main" xmlns="" id="{370415C2-FB5A-4A16-9C91-900A4FFB989C}"/>
+                <a16:creationId xmlns="" xmlns:a16="http://schemas.microsoft.com/office/drawing/2014/main" id="{370415C2-FB5A-4A16-9C91-900A4FFB989C}"/>
               </a:ext>
             </a:extLst>
           </p:cNvPr>
@@ -7079,7 +7079,7 @@
           <p:cNvPr id="4" name="텍스트 개체 틀 3">
             <a:extLst>
               <a:ext uri="{FF2B5EF4-FFF2-40B4-BE49-F238E27FC236}">
-                <a16:creationId xmlns:a16="http://schemas.microsoft.com/office/drawing/2014/main" xmlns="" id="{4311E92A-AD17-486D-8D0A-9F3D17F2B0D9}"/>
+                <a16:creationId xmlns="" xmlns:a16="http://schemas.microsoft.com/office/drawing/2014/main" id="{4311E92A-AD17-486D-8D0A-9F3D17F2B0D9}"/>
               </a:ext>
             </a:extLst>
           </p:cNvPr>
@@ -7111,7 +7111,7 @@
           <p:cNvPr id="2" name="TextBox 1">
             <a:extLst>
               <a:ext uri="{FF2B5EF4-FFF2-40B4-BE49-F238E27FC236}">
-                <a16:creationId xmlns:a16="http://schemas.microsoft.com/office/drawing/2014/main" xmlns="" id="{E34CB8C7-A62D-4CBC-BFD4-A4616AB217A7}"/>
+                <a16:creationId xmlns="" xmlns:a16="http://schemas.microsoft.com/office/drawing/2014/main" id="{E34CB8C7-A62D-4CBC-BFD4-A4616AB217A7}"/>
               </a:ext>
             </a:extLst>
           </p:cNvPr>
@@ -7217,7 +7217,7 @@
           <p:cNvPr id="15" name="텍스트 개체 틀 14">
             <a:extLst>
               <a:ext uri="{FF2B5EF4-FFF2-40B4-BE49-F238E27FC236}">
-                <a16:creationId xmlns:a16="http://schemas.microsoft.com/office/drawing/2014/main" xmlns="" id="{CAF4FA68-A32A-48BA-A282-B6F8B4204A68}"/>
+                <a16:creationId xmlns="" xmlns:a16="http://schemas.microsoft.com/office/drawing/2014/main" id="{CAF4FA68-A32A-48BA-A282-B6F8B4204A68}"/>
               </a:ext>
             </a:extLst>
           </p:cNvPr>
@@ -7258,7 +7258,7 @@
           <p:cNvPr id="2" name="TextBox 1">
             <a:extLst>
               <a:ext uri="{FF2B5EF4-FFF2-40B4-BE49-F238E27FC236}">
-                <a16:creationId xmlns:a16="http://schemas.microsoft.com/office/drawing/2014/main" xmlns="" id="{2735F4C6-24A3-422B-BD21-4912CC6010C9}"/>
+                <a16:creationId xmlns="" xmlns:a16="http://schemas.microsoft.com/office/drawing/2014/main" id="{2735F4C6-24A3-422B-BD21-4912CC6010C9}"/>
               </a:ext>
             </a:extLst>
           </p:cNvPr>
@@ -7294,7 +7294,7 @@
               <a:hlinkClick r:id="rId2">
                 <a:extLst>
                   <a:ext uri="{A12FA001-AC4F-418D-AE19-62706E023703}">
-                    <ahyp:hlinkClr xmlns:ahyp="http://schemas.microsoft.com/office/drawing/2018/hyperlinkcolor" xmlns="" val="tx"/>
+                    <ahyp:hlinkClr xmlns="" xmlns:ahyp="http://schemas.microsoft.com/office/drawing/2018/hyperlinkcolor" val="tx"/>
                   </a:ext>
                 </a:extLst>
               </a:hlinkClick>
@@ -7421,7 +7421,7 @@
           <p:cNvPr id="3" name="제목 2">
             <a:extLst>
               <a:ext uri="{FF2B5EF4-FFF2-40B4-BE49-F238E27FC236}">
-                <a16:creationId xmlns:a16="http://schemas.microsoft.com/office/drawing/2014/main" xmlns="" id="{C517069E-10B7-43C5-9B05-600FBA995349}"/>
+                <a16:creationId xmlns="" xmlns:a16="http://schemas.microsoft.com/office/drawing/2014/main" id="{C517069E-10B7-43C5-9B05-600FBA995349}"/>
               </a:ext>
             </a:extLst>
           </p:cNvPr>
@@ -7453,7 +7453,7 @@
           <p:cNvPr id="4" name="텍스트 개체 틀 3">
             <a:extLst>
               <a:ext uri="{FF2B5EF4-FFF2-40B4-BE49-F238E27FC236}">
-                <a16:creationId xmlns:a16="http://schemas.microsoft.com/office/drawing/2014/main" xmlns="" id="{F5723043-61F5-4BD2-9977-54EE6BABB0D4}"/>
+                <a16:creationId xmlns="" xmlns:a16="http://schemas.microsoft.com/office/drawing/2014/main" id="{F5723043-61F5-4BD2-9977-54EE6BABB0D4}"/>
               </a:ext>
             </a:extLst>
           </p:cNvPr>
@@ -7489,7 +7489,7 @@
           <p:cNvPr id="2" name="TextBox 1">
             <a:extLst>
               <a:ext uri="{FF2B5EF4-FFF2-40B4-BE49-F238E27FC236}">
-                <a16:creationId xmlns:a16="http://schemas.microsoft.com/office/drawing/2014/main" xmlns="" id="{CDDD4B0D-B094-493E-A26F-A1B4A8367E15}"/>
+                <a16:creationId xmlns="" xmlns:a16="http://schemas.microsoft.com/office/drawing/2014/main" id="{CDDD4B0D-B094-493E-A26F-A1B4A8367E15}"/>
               </a:ext>
             </a:extLst>
           </p:cNvPr>
@@ -7587,7 +7587,7 @@
           <p:cNvPr id="3" name="제목 2">
             <a:extLst>
               <a:ext uri="{FF2B5EF4-FFF2-40B4-BE49-F238E27FC236}">
-                <a16:creationId xmlns:a16="http://schemas.microsoft.com/office/drawing/2014/main" xmlns="" id="{C517069E-10B7-43C5-9B05-600FBA995349}"/>
+                <a16:creationId xmlns="" xmlns:a16="http://schemas.microsoft.com/office/drawing/2014/main" id="{C517069E-10B7-43C5-9B05-600FBA995349}"/>
               </a:ext>
             </a:extLst>
           </p:cNvPr>
@@ -7619,7 +7619,7 @@
           <p:cNvPr id="4" name="텍스트 개체 틀 3">
             <a:extLst>
               <a:ext uri="{FF2B5EF4-FFF2-40B4-BE49-F238E27FC236}">
-                <a16:creationId xmlns:a16="http://schemas.microsoft.com/office/drawing/2014/main" xmlns="" id="{F5723043-61F5-4BD2-9977-54EE6BABB0D4}"/>
+                <a16:creationId xmlns="" xmlns:a16="http://schemas.microsoft.com/office/drawing/2014/main" id="{F5723043-61F5-4BD2-9977-54EE6BABB0D4}"/>
               </a:ext>
             </a:extLst>
           </p:cNvPr>
@@ -7655,7 +7655,7 @@
           <p:cNvPr id="6" name="그림 5">
             <a:extLst>
               <a:ext uri="{FF2B5EF4-FFF2-40B4-BE49-F238E27FC236}">
-                <a16:creationId xmlns:a16="http://schemas.microsoft.com/office/drawing/2014/main" xmlns="" id="{A1AF65A6-3516-41C2-A1A4-3AD31AA7FB3B}"/>
+                <a16:creationId xmlns="" xmlns:a16="http://schemas.microsoft.com/office/drawing/2014/main" id="{A1AF65A6-3516-41C2-A1A4-3AD31AA7FB3B}"/>
               </a:ext>
             </a:extLst>
           </p:cNvPr>
@@ -7714,7 +7714,7 @@
           <p:cNvPr id="3" name="제목 2">
             <a:extLst>
               <a:ext uri="{FF2B5EF4-FFF2-40B4-BE49-F238E27FC236}">
-                <a16:creationId xmlns:a16="http://schemas.microsoft.com/office/drawing/2014/main" xmlns="" id="{C517069E-10B7-43C5-9B05-600FBA995349}"/>
+                <a16:creationId xmlns="" xmlns:a16="http://schemas.microsoft.com/office/drawing/2014/main" id="{C517069E-10B7-43C5-9B05-600FBA995349}"/>
               </a:ext>
             </a:extLst>
           </p:cNvPr>
@@ -7746,7 +7746,7 @@
           <p:cNvPr id="4" name="텍스트 개체 틀 3">
             <a:extLst>
               <a:ext uri="{FF2B5EF4-FFF2-40B4-BE49-F238E27FC236}">
-                <a16:creationId xmlns:a16="http://schemas.microsoft.com/office/drawing/2014/main" xmlns="" id="{F5723043-61F5-4BD2-9977-54EE6BABB0D4}"/>
+                <a16:creationId xmlns="" xmlns:a16="http://schemas.microsoft.com/office/drawing/2014/main" id="{F5723043-61F5-4BD2-9977-54EE6BABB0D4}"/>
               </a:ext>
             </a:extLst>
           </p:cNvPr>
@@ -7782,7 +7782,7 @@
           <p:cNvPr id="7" name="그림 6">
             <a:extLst>
               <a:ext uri="{FF2B5EF4-FFF2-40B4-BE49-F238E27FC236}">
-                <a16:creationId xmlns:a16="http://schemas.microsoft.com/office/drawing/2014/main" xmlns="" id="{0B4E33C6-1493-4FB3-969F-EBDBE41A2DB4}"/>
+                <a16:creationId xmlns="" xmlns:a16="http://schemas.microsoft.com/office/drawing/2014/main" id="{0B4E33C6-1493-4FB3-969F-EBDBE41A2DB4}"/>
               </a:ext>
             </a:extLst>
           </p:cNvPr>
@@ -7812,7 +7812,7 @@
           <p:cNvPr id="2" name="TextBox 1">
             <a:extLst>
               <a:ext uri="{FF2B5EF4-FFF2-40B4-BE49-F238E27FC236}">
-                <a16:creationId xmlns:a16="http://schemas.microsoft.com/office/drawing/2014/main" xmlns="" id="{6108AE40-5631-41A4-8819-5159BBD39939}"/>
+                <a16:creationId xmlns="" xmlns:a16="http://schemas.microsoft.com/office/drawing/2014/main" id="{6108AE40-5631-41A4-8819-5159BBD39939}"/>
               </a:ext>
             </a:extLst>
           </p:cNvPr>
@@ -7931,7 +7931,7 @@
           <p:cNvPr id="3" name="제목 2">
             <a:extLst>
               <a:ext uri="{FF2B5EF4-FFF2-40B4-BE49-F238E27FC236}">
-                <a16:creationId xmlns:a16="http://schemas.microsoft.com/office/drawing/2014/main" xmlns="" id="{C517069E-10B7-43C5-9B05-600FBA995349}"/>
+                <a16:creationId xmlns="" xmlns:a16="http://schemas.microsoft.com/office/drawing/2014/main" id="{C517069E-10B7-43C5-9B05-600FBA995349}"/>
               </a:ext>
             </a:extLst>
           </p:cNvPr>
@@ -7963,7 +7963,7 @@
           <p:cNvPr id="4" name="텍스트 개체 틀 3">
             <a:extLst>
               <a:ext uri="{FF2B5EF4-FFF2-40B4-BE49-F238E27FC236}">
-                <a16:creationId xmlns:a16="http://schemas.microsoft.com/office/drawing/2014/main" xmlns="" id="{F5723043-61F5-4BD2-9977-54EE6BABB0D4}"/>
+                <a16:creationId xmlns="" xmlns:a16="http://schemas.microsoft.com/office/drawing/2014/main" id="{F5723043-61F5-4BD2-9977-54EE6BABB0D4}"/>
               </a:ext>
             </a:extLst>
           </p:cNvPr>
@@ -7999,7 +7999,7 @@
           <p:cNvPr id="2" name="TextBox 1">
             <a:extLst>
               <a:ext uri="{FF2B5EF4-FFF2-40B4-BE49-F238E27FC236}">
-                <a16:creationId xmlns:a16="http://schemas.microsoft.com/office/drawing/2014/main" xmlns="" id="{6108AE40-5631-41A4-8819-5159BBD39939}"/>
+                <a16:creationId xmlns="" xmlns:a16="http://schemas.microsoft.com/office/drawing/2014/main" id="{6108AE40-5631-41A4-8819-5159BBD39939}"/>
               </a:ext>
             </a:extLst>
           </p:cNvPr>
@@ -8115,7 +8115,7 @@
           <p:cNvPr id="5" name="그림 4">
             <a:extLst>
               <a:ext uri="{FF2B5EF4-FFF2-40B4-BE49-F238E27FC236}">
-                <a16:creationId xmlns:a16="http://schemas.microsoft.com/office/drawing/2014/main" xmlns="" id="{30CAA7B2-8968-485E-92B4-EBB1E27E9B68}"/>
+                <a16:creationId xmlns="" xmlns:a16="http://schemas.microsoft.com/office/drawing/2014/main" id="{30CAA7B2-8968-485E-92B4-EBB1E27E9B68}"/>
               </a:ext>
             </a:extLst>
           </p:cNvPr>
@@ -8202,7 +8202,7 @@
           <p:cNvPr id="15" name="텍스트 개체 틀 14">
             <a:extLst>
               <a:ext uri="{FF2B5EF4-FFF2-40B4-BE49-F238E27FC236}">
-                <a16:creationId xmlns:a16="http://schemas.microsoft.com/office/drawing/2014/main" xmlns="" id="{CAF4FA68-A32A-48BA-A282-B6F8B4204A68}"/>
+                <a16:creationId xmlns="" xmlns:a16="http://schemas.microsoft.com/office/drawing/2014/main" id="{CAF4FA68-A32A-48BA-A282-B6F8B4204A68}"/>
               </a:ext>
             </a:extLst>
           </p:cNvPr>
@@ -8247,7 +8247,7 @@
           <p:cNvPr id="2" name="TextBox 1">
             <a:extLst>
               <a:ext uri="{FF2B5EF4-FFF2-40B4-BE49-F238E27FC236}">
-                <a16:creationId xmlns:a16="http://schemas.microsoft.com/office/drawing/2014/main" xmlns="" id="{2735F4C6-24A3-422B-BD21-4912CC6010C9}"/>
+                <a16:creationId xmlns="" xmlns:a16="http://schemas.microsoft.com/office/drawing/2014/main" id="{2735F4C6-24A3-422B-BD21-4912CC6010C9}"/>
               </a:ext>
             </a:extLst>
           </p:cNvPr>
@@ -8283,7 +8283,7 @@
               <a:hlinkClick r:id="rId2">
                 <a:extLst>
                   <a:ext uri="{A12FA001-AC4F-418D-AE19-62706E023703}">
-                    <ahyp:hlinkClr xmlns:ahyp="http://schemas.microsoft.com/office/drawing/2018/hyperlinkcolor" xmlns="" val="tx"/>
+                    <ahyp:hlinkClr xmlns="" xmlns:ahyp="http://schemas.microsoft.com/office/drawing/2018/hyperlinkcolor" val="tx"/>
                   </a:ext>
                 </a:extLst>
               </a:hlinkClick>
@@ -8358,7 +8358,7 @@
           <p:cNvPr id="3" name="제목 2">
             <a:extLst>
               <a:ext uri="{FF2B5EF4-FFF2-40B4-BE49-F238E27FC236}">
-                <a16:creationId xmlns:a16="http://schemas.microsoft.com/office/drawing/2014/main" xmlns="" id="{1C5F8442-7550-4994-AF8B-8044B3C4AE13}"/>
+                <a16:creationId xmlns="" xmlns:a16="http://schemas.microsoft.com/office/drawing/2014/main" id="{1C5F8442-7550-4994-AF8B-8044B3C4AE13}"/>
               </a:ext>
             </a:extLst>
           </p:cNvPr>
@@ -8473,7 +8473,7 @@
           <p:cNvPr id="3" name="제목 2">
             <a:extLst>
               <a:ext uri="{FF2B5EF4-FFF2-40B4-BE49-F238E27FC236}">
-                <a16:creationId xmlns:a16="http://schemas.microsoft.com/office/drawing/2014/main" xmlns="" id="{35F1ACA9-9F7D-46E6-B957-7BC92AA71C21}"/>
+                <a16:creationId xmlns="" xmlns:a16="http://schemas.microsoft.com/office/drawing/2014/main" id="{35F1ACA9-9F7D-46E6-B957-7BC92AA71C21}"/>
               </a:ext>
             </a:extLst>
           </p:cNvPr>
@@ -8501,7 +8501,7 @@
           <p:cNvPr id="4" name="텍스트 개체 틀 3">
             <a:extLst>
               <a:ext uri="{FF2B5EF4-FFF2-40B4-BE49-F238E27FC236}">
-                <a16:creationId xmlns:a16="http://schemas.microsoft.com/office/drawing/2014/main" xmlns="" id="{1C381BC3-744A-4728-8E31-92EFE3160E38}"/>
+                <a16:creationId xmlns="" xmlns:a16="http://schemas.microsoft.com/office/drawing/2014/main" id="{1C381BC3-744A-4728-8E31-92EFE3160E38}"/>
               </a:ext>
             </a:extLst>
           </p:cNvPr>
@@ -8529,7 +8529,7 @@
           <p:cNvPr id="2" name="그림 1">
             <a:extLst>
               <a:ext uri="{FF2B5EF4-FFF2-40B4-BE49-F238E27FC236}">
-                <a16:creationId xmlns:a16="http://schemas.microsoft.com/office/drawing/2014/main" xmlns="" id="{757D90F0-4039-4C5E-AE21-0BD5CE1D9142}"/>
+                <a16:creationId xmlns="" xmlns:a16="http://schemas.microsoft.com/office/drawing/2014/main" id="{757D90F0-4039-4C5E-AE21-0BD5CE1D9142}"/>
               </a:ext>
             </a:extLst>
           </p:cNvPr>
@@ -8559,7 +8559,7 @@
           <p:cNvPr id="5" name="TextBox 4">
             <a:extLst>
               <a:ext uri="{FF2B5EF4-FFF2-40B4-BE49-F238E27FC236}">
-                <a16:creationId xmlns:a16="http://schemas.microsoft.com/office/drawing/2014/main" xmlns="" id="{A4CCEEDE-08D1-47E7-8FC6-A5A758447AB3}"/>
+                <a16:creationId xmlns="" xmlns:a16="http://schemas.microsoft.com/office/drawing/2014/main" id="{A4CCEEDE-08D1-47E7-8FC6-A5A758447AB3}"/>
               </a:ext>
             </a:extLst>
           </p:cNvPr>
@@ -8648,7 +8648,7 @@
           <p:cNvPr id="6" name="TextBox 5">
             <a:extLst>
               <a:ext uri="{FF2B5EF4-FFF2-40B4-BE49-F238E27FC236}">
-                <a16:creationId xmlns:a16="http://schemas.microsoft.com/office/drawing/2014/main" xmlns="" id="{C0562FEB-B509-4CB5-BD48-D47BCDEC123A}"/>
+                <a16:creationId xmlns="" xmlns:a16="http://schemas.microsoft.com/office/drawing/2014/main" id="{C0562FEB-B509-4CB5-BD48-D47BCDEC123A}"/>
               </a:ext>
             </a:extLst>
           </p:cNvPr>
@@ -8688,7 +8688,7 @@
           <p:cNvPr id="7" name="TextBox 6">
             <a:extLst>
               <a:ext uri="{FF2B5EF4-FFF2-40B4-BE49-F238E27FC236}">
-                <a16:creationId xmlns:a16="http://schemas.microsoft.com/office/drawing/2014/main" xmlns="" id="{C9A28E6C-63D5-446A-94EA-4E616F4CE932}"/>
+                <a16:creationId xmlns="" xmlns:a16="http://schemas.microsoft.com/office/drawing/2014/main" id="{C9A28E6C-63D5-446A-94EA-4E616F4CE932}"/>
               </a:ext>
             </a:extLst>
           </p:cNvPr>
@@ -8790,7 +8790,7 @@
           <p:cNvPr id="15" name="텍스트 개체 틀 14">
             <a:extLst>
               <a:ext uri="{FF2B5EF4-FFF2-40B4-BE49-F238E27FC236}">
-                <a16:creationId xmlns:a16="http://schemas.microsoft.com/office/drawing/2014/main" xmlns="" id="{CAF4FA68-A32A-48BA-A282-B6F8B4204A68}"/>
+                <a16:creationId xmlns="" xmlns:a16="http://schemas.microsoft.com/office/drawing/2014/main" id="{CAF4FA68-A32A-48BA-A282-B6F8B4204A68}"/>
               </a:ext>
             </a:extLst>
           </p:cNvPr>
@@ -8827,7 +8827,7 @@
           <p:cNvPr id="2" name="TextBox 1">
             <a:extLst>
               <a:ext uri="{FF2B5EF4-FFF2-40B4-BE49-F238E27FC236}">
-                <a16:creationId xmlns:a16="http://schemas.microsoft.com/office/drawing/2014/main" xmlns="" id="{2735F4C6-24A3-422B-BD21-4912CC6010C9}"/>
+                <a16:creationId xmlns="" xmlns:a16="http://schemas.microsoft.com/office/drawing/2014/main" id="{2735F4C6-24A3-422B-BD21-4912CC6010C9}"/>
               </a:ext>
             </a:extLst>
           </p:cNvPr>
@@ -8863,7 +8863,7 @@
               <a:hlinkClick r:id="rId2">
                 <a:extLst>
                   <a:ext uri="{A12FA001-AC4F-418D-AE19-62706E023703}">
-                    <ahyp:hlinkClr xmlns:ahyp="http://schemas.microsoft.com/office/drawing/2018/hyperlinkcolor" xmlns="" val="tx"/>
+                    <ahyp:hlinkClr xmlns="" xmlns:ahyp="http://schemas.microsoft.com/office/drawing/2018/hyperlinkcolor" val="tx"/>
                   </a:ext>
                 </a:extLst>
               </a:hlinkClick>
@@ -8982,7 +8982,7 @@
           <p:cNvPr id="3" name="제목 2">
             <a:extLst>
               <a:ext uri="{FF2B5EF4-FFF2-40B4-BE49-F238E27FC236}">
-                <a16:creationId xmlns:a16="http://schemas.microsoft.com/office/drawing/2014/main" xmlns="" id="{78D7089A-2743-4B91-BF4A-0070BB061456}"/>
+                <a16:creationId xmlns="" xmlns:a16="http://schemas.microsoft.com/office/drawing/2014/main" id="{78D7089A-2743-4B91-BF4A-0070BB061456}"/>
               </a:ext>
             </a:extLst>
           </p:cNvPr>
@@ -9010,7 +9010,7 @@
           <p:cNvPr id="4" name="텍스트 개체 틀 3">
             <a:extLst>
               <a:ext uri="{FF2B5EF4-FFF2-40B4-BE49-F238E27FC236}">
-                <a16:creationId xmlns:a16="http://schemas.microsoft.com/office/drawing/2014/main" xmlns="" id="{48A6C69F-F864-4E49-9F00-F6038E567695}"/>
+                <a16:creationId xmlns="" xmlns:a16="http://schemas.microsoft.com/office/drawing/2014/main" id="{48A6C69F-F864-4E49-9F00-F6038E567695}"/>
               </a:ext>
             </a:extLst>
           </p:cNvPr>
@@ -9042,7 +9042,7 @@
           <p:cNvPr id="5" name="TextBox 4">
             <a:extLst>
               <a:ext uri="{FF2B5EF4-FFF2-40B4-BE49-F238E27FC236}">
-                <a16:creationId xmlns:a16="http://schemas.microsoft.com/office/drawing/2014/main" xmlns="" id="{7780CCF9-A927-47D5-ABAB-3E7B121B51AB}"/>
+                <a16:creationId xmlns="" xmlns:a16="http://schemas.microsoft.com/office/drawing/2014/main" id="{7780CCF9-A927-47D5-ABAB-3E7B121B51AB}"/>
               </a:ext>
             </a:extLst>
           </p:cNvPr>
@@ -9201,7 +9201,7 @@
           <p:cNvPr id="3" name="제목 2">
             <a:extLst>
               <a:ext uri="{FF2B5EF4-FFF2-40B4-BE49-F238E27FC236}">
-                <a16:creationId xmlns:a16="http://schemas.microsoft.com/office/drawing/2014/main" xmlns="" id="{78D7089A-2743-4B91-BF4A-0070BB061456}"/>
+                <a16:creationId xmlns="" xmlns:a16="http://schemas.microsoft.com/office/drawing/2014/main" id="{78D7089A-2743-4B91-BF4A-0070BB061456}"/>
               </a:ext>
             </a:extLst>
           </p:cNvPr>
@@ -9229,7 +9229,7 @@
           <p:cNvPr id="4" name="텍스트 개체 틀 3">
             <a:extLst>
               <a:ext uri="{FF2B5EF4-FFF2-40B4-BE49-F238E27FC236}">
-                <a16:creationId xmlns:a16="http://schemas.microsoft.com/office/drawing/2014/main" xmlns="" id="{48A6C69F-F864-4E49-9F00-F6038E567695}"/>
+                <a16:creationId xmlns="" xmlns:a16="http://schemas.microsoft.com/office/drawing/2014/main" id="{48A6C69F-F864-4E49-9F00-F6038E567695}"/>
               </a:ext>
             </a:extLst>
           </p:cNvPr>
@@ -9348,7 +9348,6 @@
               <a:rPr lang="ko-KR" altLang="en-US" sz="3200" dirty="0" smtClean="0"/>
               <a:t>차원 배열</a:t>
             </a:r>
-            <a:endParaRPr lang="ko-KR" altLang="en-US" sz="3200" dirty="0" smtClean="0"/>
           </a:p>
         </p:txBody>
       </p:sp>
@@ -9627,7 +9626,6 @@
               <a:rPr lang="ko-KR" altLang="en-US" sz="3200" dirty="0" smtClean="0"/>
               <a:t>차원 배열</a:t>
             </a:r>
-            <a:endParaRPr lang="ko-KR" altLang="en-US" sz="3200" dirty="0" smtClean="0"/>
           </a:p>
         </p:txBody>
       </p:sp>
@@ -10096,7 +10094,7 @@
           <p:cNvPr id="3" name="제목 2">
             <a:extLst>
               <a:ext uri="{FF2B5EF4-FFF2-40B4-BE49-F238E27FC236}">
-                <a16:creationId xmlns:a16="http://schemas.microsoft.com/office/drawing/2014/main" xmlns="" id="{78D7089A-2743-4B91-BF4A-0070BB061456}"/>
+                <a16:creationId xmlns="" xmlns:a16="http://schemas.microsoft.com/office/drawing/2014/main" id="{78D7089A-2743-4B91-BF4A-0070BB061456}"/>
               </a:ext>
             </a:extLst>
           </p:cNvPr>
@@ -10128,7 +10126,7 @@
           <p:cNvPr id="4" name="텍스트 개체 틀 3">
             <a:extLst>
               <a:ext uri="{FF2B5EF4-FFF2-40B4-BE49-F238E27FC236}">
-                <a16:creationId xmlns:a16="http://schemas.microsoft.com/office/drawing/2014/main" xmlns="" id="{48A6C69F-F864-4E49-9F00-F6038E567695}"/>
+                <a16:creationId xmlns="" xmlns:a16="http://schemas.microsoft.com/office/drawing/2014/main" id="{48A6C69F-F864-4E49-9F00-F6038E567695}"/>
               </a:ext>
             </a:extLst>
           </p:cNvPr>
@@ -10160,7 +10158,7 @@
           <p:cNvPr id="6" name="그림 5">
             <a:extLst>
               <a:ext uri="{FF2B5EF4-FFF2-40B4-BE49-F238E27FC236}">
-                <a16:creationId xmlns:a16="http://schemas.microsoft.com/office/drawing/2014/main" xmlns="" id="{C696E3E9-E9C9-43DF-96A5-CE0AFEC5E26D}"/>
+                <a16:creationId xmlns="" xmlns:a16="http://schemas.microsoft.com/office/drawing/2014/main" id="{C696E3E9-E9C9-43DF-96A5-CE0AFEC5E26D}"/>
               </a:ext>
             </a:extLst>
           </p:cNvPr>
@@ -10220,7 +10218,7 @@
           <p:cNvPr id="3" name="제목 2">
             <a:extLst>
               <a:ext uri="{FF2B5EF4-FFF2-40B4-BE49-F238E27FC236}">
-                <a16:creationId xmlns:a16="http://schemas.microsoft.com/office/drawing/2014/main" xmlns="" id="{78D7089A-2743-4B91-BF4A-0070BB061456}"/>
+                <a16:creationId xmlns="" xmlns:a16="http://schemas.microsoft.com/office/drawing/2014/main" id="{78D7089A-2743-4B91-BF4A-0070BB061456}"/>
               </a:ext>
             </a:extLst>
           </p:cNvPr>
@@ -10252,7 +10250,7 @@
           <p:cNvPr id="4" name="텍스트 개체 틀 3">
             <a:extLst>
               <a:ext uri="{FF2B5EF4-FFF2-40B4-BE49-F238E27FC236}">
-                <a16:creationId xmlns:a16="http://schemas.microsoft.com/office/drawing/2014/main" xmlns="" id="{48A6C69F-F864-4E49-9F00-F6038E567695}"/>
+                <a16:creationId xmlns="" xmlns:a16="http://schemas.microsoft.com/office/drawing/2014/main" id="{48A6C69F-F864-4E49-9F00-F6038E567695}"/>
               </a:ext>
             </a:extLst>
           </p:cNvPr>
@@ -10284,7 +10282,7 @@
           <p:cNvPr id="7" name="그림 6">
             <a:extLst>
               <a:ext uri="{FF2B5EF4-FFF2-40B4-BE49-F238E27FC236}">
-                <a16:creationId xmlns:a16="http://schemas.microsoft.com/office/drawing/2014/main" xmlns="" id="{44E68EE1-A295-49D9-8D7E-3451BE95B39A}"/>
+                <a16:creationId xmlns="" xmlns:a16="http://schemas.microsoft.com/office/drawing/2014/main" id="{44E68EE1-A295-49D9-8D7E-3451BE95B39A}"/>
               </a:ext>
             </a:extLst>
           </p:cNvPr>
@@ -10314,7 +10312,7 @@
           <p:cNvPr id="5" name="그림 4">
             <a:extLst>
               <a:ext uri="{FF2B5EF4-FFF2-40B4-BE49-F238E27FC236}">
-                <a16:creationId xmlns:a16="http://schemas.microsoft.com/office/drawing/2014/main" xmlns="" id="{F73AF411-3388-4F0F-A010-F587997AEB8F}"/>
+                <a16:creationId xmlns="" xmlns:a16="http://schemas.microsoft.com/office/drawing/2014/main" id="{F73AF411-3388-4F0F-A010-F587997AEB8F}"/>
               </a:ext>
             </a:extLst>
           </p:cNvPr>
@@ -10401,7 +10399,7 @@
           <p:cNvPr id="15" name="텍스트 개체 틀 14">
             <a:extLst>
               <a:ext uri="{FF2B5EF4-FFF2-40B4-BE49-F238E27FC236}">
-                <a16:creationId xmlns:a16="http://schemas.microsoft.com/office/drawing/2014/main" xmlns="" id="{CAF4FA68-A32A-48BA-A282-B6F8B4204A68}"/>
+                <a16:creationId xmlns="" xmlns:a16="http://schemas.microsoft.com/office/drawing/2014/main" id="{CAF4FA68-A32A-48BA-A282-B6F8B4204A68}"/>
               </a:ext>
             </a:extLst>
           </p:cNvPr>
@@ -10438,7 +10436,7 @@
           <p:cNvPr id="2" name="TextBox 1">
             <a:extLst>
               <a:ext uri="{FF2B5EF4-FFF2-40B4-BE49-F238E27FC236}">
-                <a16:creationId xmlns:a16="http://schemas.microsoft.com/office/drawing/2014/main" xmlns="" id="{2735F4C6-24A3-422B-BD21-4912CC6010C9}"/>
+                <a16:creationId xmlns="" xmlns:a16="http://schemas.microsoft.com/office/drawing/2014/main" id="{2735F4C6-24A3-422B-BD21-4912CC6010C9}"/>
               </a:ext>
             </a:extLst>
           </p:cNvPr>
@@ -10474,7 +10472,7 @@
               <a:hlinkClick r:id="rId2">
                 <a:extLst>
                   <a:ext uri="{A12FA001-AC4F-418D-AE19-62706E023703}">
-                    <ahyp:hlinkClr xmlns:ahyp="http://schemas.microsoft.com/office/drawing/2018/hyperlinkcolor" xmlns="" val="tx"/>
+                    <ahyp:hlinkClr xmlns="" xmlns:ahyp="http://schemas.microsoft.com/office/drawing/2018/hyperlinkcolor" val="tx"/>
                   </a:ext>
                 </a:extLst>
               </a:hlinkClick>
@@ -10650,7 +10648,7 @@
           <p:cNvPr id="5" name="TextBox 4">
             <a:extLst>
               <a:ext uri="{FF2B5EF4-FFF2-40B4-BE49-F238E27FC236}">
-                <a16:creationId xmlns:a16="http://schemas.microsoft.com/office/drawing/2014/main" xmlns="" id="{D2EF1D3E-4231-4A5C-AF68-B957C1CD9963}"/>
+                <a16:creationId xmlns="" xmlns:a16="http://schemas.microsoft.com/office/drawing/2014/main" id="{D2EF1D3E-4231-4A5C-AF68-B957C1CD9963}"/>
               </a:ext>
             </a:extLst>
           </p:cNvPr>
@@ -10762,7 +10760,7 @@
           <p:cNvPr id="3" name="제목 2">
             <a:extLst>
               <a:ext uri="{FF2B5EF4-FFF2-40B4-BE49-F238E27FC236}">
-                <a16:creationId xmlns:a16="http://schemas.microsoft.com/office/drawing/2014/main" xmlns="" id="{539559CE-F08F-464A-B0A0-B2698153A2AE}"/>
+                <a16:creationId xmlns="" xmlns:a16="http://schemas.microsoft.com/office/drawing/2014/main" id="{539559CE-F08F-464A-B0A0-B2698153A2AE}"/>
               </a:ext>
             </a:extLst>
           </p:cNvPr>
@@ -10790,7 +10788,7 @@
           <p:cNvPr id="4" name="텍스트 개체 틀 3">
             <a:extLst>
               <a:ext uri="{FF2B5EF4-FFF2-40B4-BE49-F238E27FC236}">
-                <a16:creationId xmlns:a16="http://schemas.microsoft.com/office/drawing/2014/main" xmlns="" id="{92810F84-1978-4C73-9CCE-E09A2B4A9534}"/>
+                <a16:creationId xmlns="" xmlns:a16="http://schemas.microsoft.com/office/drawing/2014/main" id="{92810F84-1978-4C73-9CCE-E09A2B4A9534}"/>
               </a:ext>
             </a:extLst>
           </p:cNvPr>
@@ -10822,7 +10820,7 @@
           <p:cNvPr id="2" name="TextBox 1">
             <a:extLst>
               <a:ext uri="{FF2B5EF4-FFF2-40B4-BE49-F238E27FC236}">
-                <a16:creationId xmlns:a16="http://schemas.microsoft.com/office/drawing/2014/main" xmlns="" id="{A18632DC-C91B-46F3-A0C8-55FE1EC9FE8B}"/>
+                <a16:creationId xmlns="" xmlns:a16="http://schemas.microsoft.com/office/drawing/2014/main" id="{A18632DC-C91B-46F3-A0C8-55FE1EC9FE8B}"/>
               </a:ext>
             </a:extLst>
           </p:cNvPr>
@@ -10924,7 +10922,7 @@
           <p:cNvPr id="3" name="제목 2">
             <a:extLst>
               <a:ext uri="{FF2B5EF4-FFF2-40B4-BE49-F238E27FC236}">
-                <a16:creationId xmlns:a16="http://schemas.microsoft.com/office/drawing/2014/main" xmlns="" id="{539559CE-F08F-464A-B0A0-B2698153A2AE}"/>
+                <a16:creationId xmlns="" xmlns:a16="http://schemas.microsoft.com/office/drawing/2014/main" id="{539559CE-F08F-464A-B0A0-B2698153A2AE}"/>
               </a:ext>
             </a:extLst>
           </p:cNvPr>
@@ -10969,7 +10967,7 @@
           <p:cNvPr id="4" name="텍스트 개체 틀 3">
             <a:extLst>
               <a:ext uri="{FF2B5EF4-FFF2-40B4-BE49-F238E27FC236}">
-                <a16:creationId xmlns:a16="http://schemas.microsoft.com/office/drawing/2014/main" xmlns="" id="{92810F84-1978-4C73-9CCE-E09A2B4A9534}"/>
+                <a16:creationId xmlns="" xmlns:a16="http://schemas.microsoft.com/office/drawing/2014/main" id="{92810F84-1978-4C73-9CCE-E09A2B4A9534}"/>
               </a:ext>
             </a:extLst>
           </p:cNvPr>
@@ -11001,7 +10999,7 @@
           <p:cNvPr id="2" name="TextBox 1">
             <a:extLst>
               <a:ext uri="{FF2B5EF4-FFF2-40B4-BE49-F238E27FC236}">
-                <a16:creationId xmlns:a16="http://schemas.microsoft.com/office/drawing/2014/main" xmlns="" id="{A18632DC-C91B-46F3-A0C8-55FE1EC9FE8B}"/>
+                <a16:creationId xmlns="" xmlns:a16="http://schemas.microsoft.com/office/drawing/2014/main" id="{A18632DC-C91B-46F3-A0C8-55FE1EC9FE8B}"/>
               </a:ext>
             </a:extLst>
           </p:cNvPr>
@@ -11107,7 +11105,7 @@
           <p:cNvPr id="5" name="TextBox 4">
             <a:extLst>
               <a:ext uri="{FF2B5EF4-FFF2-40B4-BE49-F238E27FC236}">
-                <a16:creationId xmlns:a16="http://schemas.microsoft.com/office/drawing/2014/main" xmlns="" id="{A1F19CA6-F20E-4440-8549-2E1E50EF561C}"/>
+                <a16:creationId xmlns="" xmlns:a16="http://schemas.microsoft.com/office/drawing/2014/main" id="{A1F19CA6-F20E-4440-8549-2E1E50EF561C}"/>
               </a:ext>
             </a:extLst>
           </p:cNvPr>
@@ -11180,7 +11178,7 @@
           <p:cNvPr id="6" name="TextBox 5">
             <a:extLst>
               <a:ext uri="{FF2B5EF4-FFF2-40B4-BE49-F238E27FC236}">
-                <a16:creationId xmlns:a16="http://schemas.microsoft.com/office/drawing/2014/main" xmlns="" id="{D4577CF7-F7A7-4419-97C0-01385C3D3A44}"/>
+                <a16:creationId xmlns="" xmlns:a16="http://schemas.microsoft.com/office/drawing/2014/main" id="{D4577CF7-F7A7-4419-97C0-01385C3D3A44}"/>
               </a:ext>
             </a:extLst>
           </p:cNvPr>
@@ -11225,7 +11223,7 @@
           <p:cNvPr id="7" name="TextBox 6">
             <a:extLst>
               <a:ext uri="{FF2B5EF4-FFF2-40B4-BE49-F238E27FC236}">
-                <a16:creationId xmlns:a16="http://schemas.microsoft.com/office/drawing/2014/main" xmlns="" id="{A31502F9-77C5-45B1-884A-4A05ABB9A98B}"/>
+                <a16:creationId xmlns="" xmlns:a16="http://schemas.microsoft.com/office/drawing/2014/main" id="{A31502F9-77C5-45B1-884A-4A05ABB9A98B}"/>
               </a:ext>
             </a:extLst>
           </p:cNvPr>
@@ -11300,7 +11298,7 @@
           <p:cNvPr id="3" name="제목 2">
             <a:extLst>
               <a:ext uri="{FF2B5EF4-FFF2-40B4-BE49-F238E27FC236}">
-                <a16:creationId xmlns:a16="http://schemas.microsoft.com/office/drawing/2014/main" xmlns="" id="{539559CE-F08F-464A-B0A0-B2698153A2AE}"/>
+                <a16:creationId xmlns="" xmlns:a16="http://schemas.microsoft.com/office/drawing/2014/main" id="{539559CE-F08F-464A-B0A0-B2698153A2AE}"/>
               </a:ext>
             </a:extLst>
           </p:cNvPr>
@@ -11345,7 +11343,7 @@
           <p:cNvPr id="4" name="텍스트 개체 틀 3">
             <a:extLst>
               <a:ext uri="{FF2B5EF4-FFF2-40B4-BE49-F238E27FC236}">
-                <a16:creationId xmlns:a16="http://schemas.microsoft.com/office/drawing/2014/main" xmlns="" id="{92810F84-1978-4C73-9CCE-E09A2B4A9534}"/>
+                <a16:creationId xmlns="" xmlns:a16="http://schemas.microsoft.com/office/drawing/2014/main" id="{92810F84-1978-4C73-9CCE-E09A2B4A9534}"/>
               </a:ext>
             </a:extLst>
           </p:cNvPr>
@@ -11377,7 +11375,7 @@
           <p:cNvPr id="9" name="직사각형 8">
             <a:extLst>
               <a:ext uri="{FF2B5EF4-FFF2-40B4-BE49-F238E27FC236}">
-                <a16:creationId xmlns:a16="http://schemas.microsoft.com/office/drawing/2014/main" xmlns="" id="{5EA76AA5-BD22-408F-8330-208760AA2A12}"/>
+                <a16:creationId xmlns="" xmlns:a16="http://schemas.microsoft.com/office/drawing/2014/main" id="{5EA76AA5-BD22-408F-8330-208760AA2A12}"/>
               </a:ext>
             </a:extLst>
           </p:cNvPr>
@@ -11443,7 +11441,7 @@
           <p:cNvPr id="19" name="직사각형 18">
             <a:extLst>
               <a:ext uri="{FF2B5EF4-FFF2-40B4-BE49-F238E27FC236}">
-                <a16:creationId xmlns:a16="http://schemas.microsoft.com/office/drawing/2014/main" xmlns="" id="{8F1EC138-DD09-4416-BDA6-D4BF001CD83D}"/>
+                <a16:creationId xmlns="" xmlns:a16="http://schemas.microsoft.com/office/drawing/2014/main" id="{8F1EC138-DD09-4416-BDA6-D4BF001CD83D}"/>
               </a:ext>
             </a:extLst>
           </p:cNvPr>
@@ -11509,7 +11507,7 @@
           <p:cNvPr id="23" name="직사각형 22">
             <a:extLst>
               <a:ext uri="{FF2B5EF4-FFF2-40B4-BE49-F238E27FC236}">
-                <a16:creationId xmlns:a16="http://schemas.microsoft.com/office/drawing/2014/main" xmlns="" id="{4FF4EAB1-E9BC-4861-9A2D-37F60C436303}"/>
+                <a16:creationId xmlns="" xmlns:a16="http://schemas.microsoft.com/office/drawing/2014/main" id="{4FF4EAB1-E9BC-4861-9A2D-37F60C436303}"/>
               </a:ext>
             </a:extLst>
           </p:cNvPr>
@@ -11575,7 +11573,7 @@
           <p:cNvPr id="24" name="직사각형 23">
             <a:extLst>
               <a:ext uri="{FF2B5EF4-FFF2-40B4-BE49-F238E27FC236}">
-                <a16:creationId xmlns:a16="http://schemas.microsoft.com/office/drawing/2014/main" xmlns="" id="{2E7B0208-3892-4E33-9B30-68EFA6DB0239}"/>
+                <a16:creationId xmlns="" xmlns:a16="http://schemas.microsoft.com/office/drawing/2014/main" id="{2E7B0208-3892-4E33-9B30-68EFA6DB0239}"/>
               </a:ext>
             </a:extLst>
           </p:cNvPr>
@@ -11641,7 +11639,7 @@
           <p:cNvPr id="25" name="직사각형 24">
             <a:extLst>
               <a:ext uri="{FF2B5EF4-FFF2-40B4-BE49-F238E27FC236}">
-                <a16:creationId xmlns:a16="http://schemas.microsoft.com/office/drawing/2014/main" xmlns="" id="{DD2FFEF3-5CD6-43A4-8862-7EAC172D367D}"/>
+                <a16:creationId xmlns="" xmlns:a16="http://schemas.microsoft.com/office/drawing/2014/main" id="{DD2FFEF3-5CD6-43A4-8862-7EAC172D367D}"/>
               </a:ext>
             </a:extLst>
           </p:cNvPr>
@@ -11707,7 +11705,7 @@
           <p:cNvPr id="26" name="TextBox 25">
             <a:extLst>
               <a:ext uri="{FF2B5EF4-FFF2-40B4-BE49-F238E27FC236}">
-                <a16:creationId xmlns:a16="http://schemas.microsoft.com/office/drawing/2014/main" xmlns="" id="{230911A1-3A85-431F-A150-F436B468879E}"/>
+                <a16:creationId xmlns="" xmlns:a16="http://schemas.microsoft.com/office/drawing/2014/main" id="{230911A1-3A85-431F-A150-F436B468879E}"/>
               </a:ext>
             </a:extLst>
           </p:cNvPr>
@@ -11744,7 +11742,7 @@
           <p:cNvPr id="57" name="직사각형 56">
             <a:extLst>
               <a:ext uri="{FF2B5EF4-FFF2-40B4-BE49-F238E27FC236}">
-                <a16:creationId xmlns:a16="http://schemas.microsoft.com/office/drawing/2014/main" xmlns="" id="{69F6CD59-30BF-4109-BDB6-127BDDCBBB36}"/>
+                <a16:creationId xmlns="" xmlns:a16="http://schemas.microsoft.com/office/drawing/2014/main" id="{69F6CD59-30BF-4109-BDB6-127BDDCBBB36}"/>
               </a:ext>
             </a:extLst>
           </p:cNvPr>
@@ -11813,7 +11811,7 @@
           <p:cNvPr id="58" name="직사각형 57">
             <a:extLst>
               <a:ext uri="{FF2B5EF4-FFF2-40B4-BE49-F238E27FC236}">
-                <a16:creationId xmlns:a16="http://schemas.microsoft.com/office/drawing/2014/main" xmlns="" id="{C8E83BEF-E16D-406F-9748-E254ECBBDEC0}"/>
+                <a16:creationId xmlns="" xmlns:a16="http://schemas.microsoft.com/office/drawing/2014/main" id="{C8E83BEF-E16D-406F-9748-E254ECBBDEC0}"/>
               </a:ext>
             </a:extLst>
           </p:cNvPr>
@@ -11879,7 +11877,7 @@
           <p:cNvPr id="59" name="직사각형 58">
             <a:extLst>
               <a:ext uri="{FF2B5EF4-FFF2-40B4-BE49-F238E27FC236}">
-                <a16:creationId xmlns:a16="http://schemas.microsoft.com/office/drawing/2014/main" xmlns="" id="{2EF64F0A-24C3-4E38-99EB-4D3847CBDD28}"/>
+                <a16:creationId xmlns="" xmlns:a16="http://schemas.microsoft.com/office/drawing/2014/main" id="{2EF64F0A-24C3-4E38-99EB-4D3847CBDD28}"/>
               </a:ext>
             </a:extLst>
           </p:cNvPr>
@@ -11945,7 +11943,7 @@
           <p:cNvPr id="60" name="직사각형 59">
             <a:extLst>
               <a:ext uri="{FF2B5EF4-FFF2-40B4-BE49-F238E27FC236}">
-                <a16:creationId xmlns:a16="http://schemas.microsoft.com/office/drawing/2014/main" xmlns="" id="{5748C922-97F8-49EA-A66C-D137E32BD8F3}"/>
+                <a16:creationId xmlns="" xmlns:a16="http://schemas.microsoft.com/office/drawing/2014/main" id="{5748C922-97F8-49EA-A66C-D137E32BD8F3}"/>
               </a:ext>
             </a:extLst>
           </p:cNvPr>
@@ -12011,7 +12009,7 @@
           <p:cNvPr id="61" name="직사각형 60">
             <a:extLst>
               <a:ext uri="{FF2B5EF4-FFF2-40B4-BE49-F238E27FC236}">
-                <a16:creationId xmlns:a16="http://schemas.microsoft.com/office/drawing/2014/main" xmlns="" id="{1D2841A0-9DC6-4A61-B9A1-5B9A76A25748}"/>
+                <a16:creationId xmlns="" xmlns:a16="http://schemas.microsoft.com/office/drawing/2014/main" id="{1D2841A0-9DC6-4A61-B9A1-5B9A76A25748}"/>
               </a:ext>
             </a:extLst>
           </p:cNvPr>
@@ -12077,7 +12075,7 @@
           <p:cNvPr id="62" name="TextBox 61">
             <a:extLst>
               <a:ext uri="{FF2B5EF4-FFF2-40B4-BE49-F238E27FC236}">
-                <a16:creationId xmlns:a16="http://schemas.microsoft.com/office/drawing/2014/main" xmlns="" id="{56F7271A-93B5-4FF8-B1D4-39497A5C8574}"/>
+                <a16:creationId xmlns="" xmlns:a16="http://schemas.microsoft.com/office/drawing/2014/main" id="{56F7271A-93B5-4FF8-B1D4-39497A5C8574}"/>
               </a:ext>
             </a:extLst>
           </p:cNvPr>
@@ -12114,7 +12112,7 @@
           <p:cNvPr id="63" name="직사각형 62">
             <a:extLst>
               <a:ext uri="{FF2B5EF4-FFF2-40B4-BE49-F238E27FC236}">
-                <a16:creationId xmlns:a16="http://schemas.microsoft.com/office/drawing/2014/main" xmlns="" id="{BD5E622B-66F2-4886-B6E0-1084AF2FD8F9}"/>
+                <a16:creationId xmlns="" xmlns:a16="http://schemas.microsoft.com/office/drawing/2014/main" id="{BD5E622B-66F2-4886-B6E0-1084AF2FD8F9}"/>
               </a:ext>
             </a:extLst>
           </p:cNvPr>
@@ -12183,7 +12181,7 @@
           <p:cNvPr id="64" name="직사각형 63">
             <a:extLst>
               <a:ext uri="{FF2B5EF4-FFF2-40B4-BE49-F238E27FC236}">
-                <a16:creationId xmlns:a16="http://schemas.microsoft.com/office/drawing/2014/main" xmlns="" id="{62E8BC27-6915-4A99-9E27-A4C591C947E0}"/>
+                <a16:creationId xmlns="" xmlns:a16="http://schemas.microsoft.com/office/drawing/2014/main" id="{62E8BC27-6915-4A99-9E27-A4C591C947E0}"/>
               </a:ext>
             </a:extLst>
           </p:cNvPr>
@@ -12252,7 +12250,7 @@
           <p:cNvPr id="65" name="직사각형 64">
             <a:extLst>
               <a:ext uri="{FF2B5EF4-FFF2-40B4-BE49-F238E27FC236}">
-                <a16:creationId xmlns:a16="http://schemas.microsoft.com/office/drawing/2014/main" xmlns="" id="{E8F2BBD1-A05A-4625-B1E7-FAF43FD5909A}"/>
+                <a16:creationId xmlns="" xmlns:a16="http://schemas.microsoft.com/office/drawing/2014/main" id="{E8F2BBD1-A05A-4625-B1E7-FAF43FD5909A}"/>
               </a:ext>
             </a:extLst>
           </p:cNvPr>
@@ -12318,7 +12316,7 @@
           <p:cNvPr id="66" name="직사각형 65">
             <a:extLst>
               <a:ext uri="{FF2B5EF4-FFF2-40B4-BE49-F238E27FC236}">
-                <a16:creationId xmlns:a16="http://schemas.microsoft.com/office/drawing/2014/main" xmlns="" id="{1FF4E744-F424-4A44-99E8-AB17C5BE647C}"/>
+                <a16:creationId xmlns="" xmlns:a16="http://schemas.microsoft.com/office/drawing/2014/main" id="{1FF4E744-F424-4A44-99E8-AB17C5BE647C}"/>
               </a:ext>
             </a:extLst>
           </p:cNvPr>
@@ -12384,7 +12382,7 @@
           <p:cNvPr id="67" name="직사각형 66">
             <a:extLst>
               <a:ext uri="{FF2B5EF4-FFF2-40B4-BE49-F238E27FC236}">
-                <a16:creationId xmlns:a16="http://schemas.microsoft.com/office/drawing/2014/main" xmlns="" id="{1DB2BC93-E53B-4CF1-AA01-2E3E400E8C24}"/>
+                <a16:creationId xmlns="" xmlns:a16="http://schemas.microsoft.com/office/drawing/2014/main" id="{1DB2BC93-E53B-4CF1-AA01-2E3E400E8C24}"/>
               </a:ext>
             </a:extLst>
           </p:cNvPr>
@@ -12450,7 +12448,7 @@
           <p:cNvPr id="68" name="TextBox 67">
             <a:extLst>
               <a:ext uri="{FF2B5EF4-FFF2-40B4-BE49-F238E27FC236}">
-                <a16:creationId xmlns:a16="http://schemas.microsoft.com/office/drawing/2014/main" xmlns="" id="{B336247C-583C-4BC4-829F-422774814657}"/>
+                <a16:creationId xmlns="" xmlns:a16="http://schemas.microsoft.com/office/drawing/2014/main" id="{B336247C-583C-4BC4-829F-422774814657}"/>
               </a:ext>
             </a:extLst>
           </p:cNvPr>
@@ -12487,7 +12485,7 @@
           <p:cNvPr id="69" name="직사각형 68">
             <a:extLst>
               <a:ext uri="{FF2B5EF4-FFF2-40B4-BE49-F238E27FC236}">
-                <a16:creationId xmlns:a16="http://schemas.microsoft.com/office/drawing/2014/main" xmlns="" id="{6316F084-ACC0-48BA-9411-DA35063B4A25}"/>
+                <a16:creationId xmlns="" xmlns:a16="http://schemas.microsoft.com/office/drawing/2014/main" id="{6316F084-ACC0-48BA-9411-DA35063B4A25}"/>
               </a:ext>
             </a:extLst>
           </p:cNvPr>
@@ -12556,7 +12554,7 @@
           <p:cNvPr id="70" name="직사각형 69">
             <a:extLst>
               <a:ext uri="{FF2B5EF4-FFF2-40B4-BE49-F238E27FC236}">
-                <a16:creationId xmlns:a16="http://schemas.microsoft.com/office/drawing/2014/main" xmlns="" id="{BE3E73E9-FD29-4AC3-B004-065069A0572A}"/>
+                <a16:creationId xmlns="" xmlns:a16="http://schemas.microsoft.com/office/drawing/2014/main" id="{BE3E73E9-FD29-4AC3-B004-065069A0572A}"/>
               </a:ext>
             </a:extLst>
           </p:cNvPr>
@@ -12625,7 +12623,7 @@
           <p:cNvPr id="71" name="직사각형 70">
             <a:extLst>
               <a:ext uri="{FF2B5EF4-FFF2-40B4-BE49-F238E27FC236}">
-                <a16:creationId xmlns:a16="http://schemas.microsoft.com/office/drawing/2014/main" xmlns="" id="{CAB9B6CD-BF27-411B-B691-DFD93D5193B2}"/>
+                <a16:creationId xmlns="" xmlns:a16="http://schemas.microsoft.com/office/drawing/2014/main" id="{CAB9B6CD-BF27-411B-B691-DFD93D5193B2}"/>
               </a:ext>
             </a:extLst>
           </p:cNvPr>
@@ -12694,7 +12692,7 @@
           <p:cNvPr id="72" name="직사각형 71">
             <a:extLst>
               <a:ext uri="{FF2B5EF4-FFF2-40B4-BE49-F238E27FC236}">
-                <a16:creationId xmlns:a16="http://schemas.microsoft.com/office/drawing/2014/main" xmlns="" id="{0DC4B85F-41B8-412A-81B5-E379AEAFEF4A}"/>
+                <a16:creationId xmlns="" xmlns:a16="http://schemas.microsoft.com/office/drawing/2014/main" id="{0DC4B85F-41B8-412A-81B5-E379AEAFEF4A}"/>
               </a:ext>
             </a:extLst>
           </p:cNvPr>
@@ -12760,7 +12758,7 @@
           <p:cNvPr id="73" name="직사각형 72">
             <a:extLst>
               <a:ext uri="{FF2B5EF4-FFF2-40B4-BE49-F238E27FC236}">
-                <a16:creationId xmlns:a16="http://schemas.microsoft.com/office/drawing/2014/main" xmlns="" id="{47542FE9-CABD-435D-8606-453491B9A2F1}"/>
+                <a16:creationId xmlns="" xmlns:a16="http://schemas.microsoft.com/office/drawing/2014/main" id="{47542FE9-CABD-435D-8606-453491B9A2F1}"/>
               </a:ext>
             </a:extLst>
           </p:cNvPr>
@@ -12826,7 +12824,7 @@
           <p:cNvPr id="74" name="TextBox 73">
             <a:extLst>
               <a:ext uri="{FF2B5EF4-FFF2-40B4-BE49-F238E27FC236}">
-                <a16:creationId xmlns:a16="http://schemas.microsoft.com/office/drawing/2014/main" xmlns="" id="{1D7A30BC-2745-42A7-8B7A-1E7ED0D87FA6}"/>
+                <a16:creationId xmlns="" xmlns:a16="http://schemas.microsoft.com/office/drawing/2014/main" id="{1D7A30BC-2745-42A7-8B7A-1E7ED0D87FA6}"/>
               </a:ext>
             </a:extLst>
           </p:cNvPr>
@@ -12863,7 +12861,7 @@
           <p:cNvPr id="75" name="직사각형 74">
             <a:extLst>
               <a:ext uri="{FF2B5EF4-FFF2-40B4-BE49-F238E27FC236}">
-                <a16:creationId xmlns:a16="http://schemas.microsoft.com/office/drawing/2014/main" xmlns="" id="{1CBFC9EF-10DA-4048-AE0E-35DD92E193F5}"/>
+                <a16:creationId xmlns="" xmlns:a16="http://schemas.microsoft.com/office/drawing/2014/main" id="{1CBFC9EF-10DA-4048-AE0E-35DD92E193F5}"/>
               </a:ext>
             </a:extLst>
           </p:cNvPr>
@@ -12932,7 +12930,7 @@
           <p:cNvPr id="76" name="직사각형 75">
             <a:extLst>
               <a:ext uri="{FF2B5EF4-FFF2-40B4-BE49-F238E27FC236}">
-                <a16:creationId xmlns:a16="http://schemas.microsoft.com/office/drawing/2014/main" xmlns="" id="{FB7FAEEE-9C4B-4A6C-83D0-E153D16308E5}"/>
+                <a16:creationId xmlns="" xmlns:a16="http://schemas.microsoft.com/office/drawing/2014/main" id="{FB7FAEEE-9C4B-4A6C-83D0-E153D16308E5}"/>
               </a:ext>
             </a:extLst>
           </p:cNvPr>
@@ -13001,7 +12999,7 @@
           <p:cNvPr id="77" name="직사각형 76">
             <a:extLst>
               <a:ext uri="{FF2B5EF4-FFF2-40B4-BE49-F238E27FC236}">
-                <a16:creationId xmlns:a16="http://schemas.microsoft.com/office/drawing/2014/main" xmlns="" id="{6C67DEDF-73FB-4AD0-A909-6B68A6079FDC}"/>
+                <a16:creationId xmlns="" xmlns:a16="http://schemas.microsoft.com/office/drawing/2014/main" id="{6C67DEDF-73FB-4AD0-A909-6B68A6079FDC}"/>
               </a:ext>
             </a:extLst>
           </p:cNvPr>
@@ -13070,7 +13068,7 @@
           <p:cNvPr id="78" name="직사각형 77">
             <a:extLst>
               <a:ext uri="{FF2B5EF4-FFF2-40B4-BE49-F238E27FC236}">
-                <a16:creationId xmlns:a16="http://schemas.microsoft.com/office/drawing/2014/main" xmlns="" id="{F8CD930D-306C-44A8-9C07-600015BB5A17}"/>
+                <a16:creationId xmlns="" xmlns:a16="http://schemas.microsoft.com/office/drawing/2014/main" id="{F8CD930D-306C-44A8-9C07-600015BB5A17}"/>
               </a:ext>
             </a:extLst>
           </p:cNvPr>
@@ -13139,7 +13137,7 @@
           <p:cNvPr id="79" name="직사각형 78">
             <a:extLst>
               <a:ext uri="{FF2B5EF4-FFF2-40B4-BE49-F238E27FC236}">
-                <a16:creationId xmlns:a16="http://schemas.microsoft.com/office/drawing/2014/main" xmlns="" id="{1209F874-6916-483C-8650-62DB2E75DE2C}"/>
+                <a16:creationId xmlns="" xmlns:a16="http://schemas.microsoft.com/office/drawing/2014/main" id="{1209F874-6916-483C-8650-62DB2E75DE2C}"/>
               </a:ext>
             </a:extLst>
           </p:cNvPr>
@@ -13205,7 +13203,7 @@
           <p:cNvPr id="80" name="TextBox 79">
             <a:extLst>
               <a:ext uri="{FF2B5EF4-FFF2-40B4-BE49-F238E27FC236}">
-                <a16:creationId xmlns:a16="http://schemas.microsoft.com/office/drawing/2014/main" xmlns="" id="{9FCF959B-3C6B-4513-996E-E17519CA6AA6}"/>
+                <a16:creationId xmlns="" xmlns:a16="http://schemas.microsoft.com/office/drawing/2014/main" id="{9FCF959B-3C6B-4513-996E-E17519CA6AA6}"/>
               </a:ext>
             </a:extLst>
           </p:cNvPr>
@@ -13242,7 +13240,7 @@
           <p:cNvPr id="81" name="직사각형 80">
             <a:extLst>
               <a:ext uri="{FF2B5EF4-FFF2-40B4-BE49-F238E27FC236}">
-                <a16:creationId xmlns:a16="http://schemas.microsoft.com/office/drawing/2014/main" xmlns="" id="{271DB4B9-DDCB-4AFA-9EDF-129ADF197F27}"/>
+                <a16:creationId xmlns="" xmlns:a16="http://schemas.microsoft.com/office/drawing/2014/main" id="{271DB4B9-DDCB-4AFA-9EDF-129ADF197F27}"/>
               </a:ext>
             </a:extLst>
           </p:cNvPr>
@@ -13311,7 +13309,7 @@
           <p:cNvPr id="82" name="직사각형 81">
             <a:extLst>
               <a:ext uri="{FF2B5EF4-FFF2-40B4-BE49-F238E27FC236}">
-                <a16:creationId xmlns:a16="http://schemas.microsoft.com/office/drawing/2014/main" xmlns="" id="{193E206D-A920-486C-9106-F1304833B928}"/>
+                <a16:creationId xmlns="" xmlns:a16="http://schemas.microsoft.com/office/drawing/2014/main" id="{193E206D-A920-486C-9106-F1304833B928}"/>
               </a:ext>
             </a:extLst>
           </p:cNvPr>
@@ -13380,7 +13378,7 @@
           <p:cNvPr id="83" name="직사각형 82">
             <a:extLst>
               <a:ext uri="{FF2B5EF4-FFF2-40B4-BE49-F238E27FC236}">
-                <a16:creationId xmlns:a16="http://schemas.microsoft.com/office/drawing/2014/main" xmlns="" id="{B1C0BA61-1CE4-46C1-9D02-A7F4DC2BC5B3}"/>
+                <a16:creationId xmlns="" xmlns:a16="http://schemas.microsoft.com/office/drawing/2014/main" id="{B1C0BA61-1CE4-46C1-9D02-A7F4DC2BC5B3}"/>
               </a:ext>
             </a:extLst>
           </p:cNvPr>
@@ -13449,7 +13447,7 @@
           <p:cNvPr id="84" name="직사각형 83">
             <a:extLst>
               <a:ext uri="{FF2B5EF4-FFF2-40B4-BE49-F238E27FC236}">
-                <a16:creationId xmlns:a16="http://schemas.microsoft.com/office/drawing/2014/main" xmlns="" id="{50A4D158-BF67-4F73-BA89-9EDCDD9CCCA5}"/>
+                <a16:creationId xmlns="" xmlns:a16="http://schemas.microsoft.com/office/drawing/2014/main" id="{50A4D158-BF67-4F73-BA89-9EDCDD9CCCA5}"/>
               </a:ext>
             </a:extLst>
           </p:cNvPr>
@@ -13518,7 +13516,7 @@
           <p:cNvPr id="85" name="직사각형 84">
             <a:extLst>
               <a:ext uri="{FF2B5EF4-FFF2-40B4-BE49-F238E27FC236}">
-                <a16:creationId xmlns:a16="http://schemas.microsoft.com/office/drawing/2014/main" xmlns="" id="{5A79FA1D-FDDA-46D0-9E0F-AA346095CA69}"/>
+                <a16:creationId xmlns="" xmlns:a16="http://schemas.microsoft.com/office/drawing/2014/main" id="{5A79FA1D-FDDA-46D0-9E0F-AA346095CA69}"/>
               </a:ext>
             </a:extLst>
           </p:cNvPr>
@@ -13587,7 +13585,7 @@
           <p:cNvPr id="86" name="TextBox 85">
             <a:extLst>
               <a:ext uri="{FF2B5EF4-FFF2-40B4-BE49-F238E27FC236}">
-                <a16:creationId xmlns:a16="http://schemas.microsoft.com/office/drawing/2014/main" xmlns="" id="{B2D1D533-F383-4018-AE84-8ECB4101AE2A}"/>
+                <a16:creationId xmlns="" xmlns:a16="http://schemas.microsoft.com/office/drawing/2014/main" id="{B2D1D533-F383-4018-AE84-8ECB4101AE2A}"/>
               </a:ext>
             </a:extLst>
           </p:cNvPr>
@@ -13624,7 +13622,7 @@
           <p:cNvPr id="87" name="TextBox 86">
             <a:extLst>
               <a:ext uri="{FF2B5EF4-FFF2-40B4-BE49-F238E27FC236}">
-                <a16:creationId xmlns:a16="http://schemas.microsoft.com/office/drawing/2014/main" xmlns="" id="{F8D1DF90-938F-4C2F-8D96-D3FDF3F479DA}"/>
+                <a16:creationId xmlns="" xmlns:a16="http://schemas.microsoft.com/office/drawing/2014/main" id="{F8D1DF90-938F-4C2F-8D96-D3FDF3F479DA}"/>
               </a:ext>
             </a:extLst>
           </p:cNvPr>
@@ -13681,7 +13679,7 @@
           <p:cNvPr id="88" name="TextBox 87">
             <a:extLst>
               <a:ext uri="{FF2B5EF4-FFF2-40B4-BE49-F238E27FC236}">
-                <a16:creationId xmlns:a16="http://schemas.microsoft.com/office/drawing/2014/main" xmlns="" id="{E62D9CAC-60BB-4C14-B593-715E5805DCF5}"/>
+                <a16:creationId xmlns="" xmlns:a16="http://schemas.microsoft.com/office/drawing/2014/main" id="{E62D9CAC-60BB-4C14-B593-715E5805DCF5}"/>
               </a:ext>
             </a:extLst>
           </p:cNvPr>
@@ -13756,7 +13754,7 @@
           <p:cNvPr id="3" name="제목 2">
             <a:extLst>
               <a:ext uri="{FF2B5EF4-FFF2-40B4-BE49-F238E27FC236}">
-                <a16:creationId xmlns:a16="http://schemas.microsoft.com/office/drawing/2014/main" xmlns="" id="{539559CE-F08F-464A-B0A0-B2698153A2AE}"/>
+                <a16:creationId xmlns="" xmlns:a16="http://schemas.microsoft.com/office/drawing/2014/main" id="{539559CE-F08F-464A-B0A0-B2698153A2AE}"/>
               </a:ext>
             </a:extLst>
           </p:cNvPr>
@@ -13801,7 +13799,7 @@
           <p:cNvPr id="4" name="텍스트 개체 틀 3">
             <a:extLst>
               <a:ext uri="{FF2B5EF4-FFF2-40B4-BE49-F238E27FC236}">
-                <a16:creationId xmlns:a16="http://schemas.microsoft.com/office/drawing/2014/main" xmlns="" id="{92810F84-1978-4C73-9CCE-E09A2B4A9534}"/>
+                <a16:creationId xmlns="" xmlns:a16="http://schemas.microsoft.com/office/drawing/2014/main" id="{92810F84-1978-4C73-9CCE-E09A2B4A9534}"/>
               </a:ext>
             </a:extLst>
           </p:cNvPr>
@@ -13833,7 +13831,7 @@
           <p:cNvPr id="2" name="그림 1">
             <a:extLst>
               <a:ext uri="{FF2B5EF4-FFF2-40B4-BE49-F238E27FC236}">
-                <a16:creationId xmlns:a16="http://schemas.microsoft.com/office/drawing/2014/main" xmlns="" id="{79F024A3-8ADD-4AA1-A593-F4FD5578BBA7}"/>
+                <a16:creationId xmlns="" xmlns:a16="http://schemas.microsoft.com/office/drawing/2014/main" id="{79F024A3-8ADD-4AA1-A593-F4FD5578BBA7}"/>
               </a:ext>
             </a:extLst>
           </p:cNvPr>
@@ -13893,7 +13891,7 @@
           <p:cNvPr id="69" name="TextBox 68">
             <a:extLst>
               <a:ext uri="{FF2B5EF4-FFF2-40B4-BE49-F238E27FC236}">
-                <a16:creationId xmlns:a16="http://schemas.microsoft.com/office/drawing/2014/main" xmlns="" id="{04B80D4D-D89E-41D9-BA31-6FEB4D597C2C}"/>
+                <a16:creationId xmlns="" xmlns:a16="http://schemas.microsoft.com/office/drawing/2014/main" id="{04B80D4D-D89E-41D9-BA31-6FEB4D597C2C}"/>
               </a:ext>
             </a:extLst>
           </p:cNvPr>
@@ -13974,7 +13972,7 @@
           <p:cNvPr id="3" name="제목 2">
             <a:extLst>
               <a:ext uri="{FF2B5EF4-FFF2-40B4-BE49-F238E27FC236}">
-                <a16:creationId xmlns:a16="http://schemas.microsoft.com/office/drawing/2014/main" xmlns="" id="{539559CE-F08F-464A-B0A0-B2698153A2AE}"/>
+                <a16:creationId xmlns="" xmlns:a16="http://schemas.microsoft.com/office/drawing/2014/main" id="{539559CE-F08F-464A-B0A0-B2698153A2AE}"/>
               </a:ext>
             </a:extLst>
           </p:cNvPr>
@@ -14011,7 +14009,7 @@
           <p:cNvPr id="4" name="텍스트 개체 틀 3">
             <a:extLst>
               <a:ext uri="{FF2B5EF4-FFF2-40B4-BE49-F238E27FC236}">
-                <a16:creationId xmlns:a16="http://schemas.microsoft.com/office/drawing/2014/main" xmlns="" id="{92810F84-1978-4C73-9CCE-E09A2B4A9534}"/>
+                <a16:creationId xmlns="" xmlns:a16="http://schemas.microsoft.com/office/drawing/2014/main" id="{92810F84-1978-4C73-9CCE-E09A2B4A9534}"/>
               </a:ext>
             </a:extLst>
           </p:cNvPr>
@@ -14043,7 +14041,7 @@
           <p:cNvPr id="5" name="직사각형 4">
             <a:extLst>
               <a:ext uri="{FF2B5EF4-FFF2-40B4-BE49-F238E27FC236}">
-                <a16:creationId xmlns:a16="http://schemas.microsoft.com/office/drawing/2014/main" xmlns="" id="{66FCC064-BAF2-4624-B372-2A24C9420697}"/>
+                <a16:creationId xmlns="" xmlns:a16="http://schemas.microsoft.com/office/drawing/2014/main" id="{66FCC064-BAF2-4624-B372-2A24C9420697}"/>
               </a:ext>
             </a:extLst>
           </p:cNvPr>
@@ -14112,7 +14110,7 @@
           <p:cNvPr id="6" name="직사각형 5">
             <a:extLst>
               <a:ext uri="{FF2B5EF4-FFF2-40B4-BE49-F238E27FC236}">
-                <a16:creationId xmlns:a16="http://schemas.microsoft.com/office/drawing/2014/main" xmlns="" id="{63D885D6-14F7-4B6B-893B-0A2960B66CB1}"/>
+                <a16:creationId xmlns="" xmlns:a16="http://schemas.microsoft.com/office/drawing/2014/main" id="{63D885D6-14F7-4B6B-893B-0A2960B66CB1}"/>
               </a:ext>
             </a:extLst>
           </p:cNvPr>
@@ -14181,7 +14179,7 @@
           <p:cNvPr id="7" name="직사각형 6">
             <a:extLst>
               <a:ext uri="{FF2B5EF4-FFF2-40B4-BE49-F238E27FC236}">
-                <a16:creationId xmlns:a16="http://schemas.microsoft.com/office/drawing/2014/main" xmlns="" id="{4C469E0A-DD64-40BF-855F-C89810F27378}"/>
+                <a16:creationId xmlns="" xmlns:a16="http://schemas.microsoft.com/office/drawing/2014/main" id="{4C469E0A-DD64-40BF-855F-C89810F27378}"/>
               </a:ext>
             </a:extLst>
           </p:cNvPr>
@@ -14250,7 +14248,7 @@
           <p:cNvPr id="8" name="직사각형 7">
             <a:extLst>
               <a:ext uri="{FF2B5EF4-FFF2-40B4-BE49-F238E27FC236}">
-                <a16:creationId xmlns:a16="http://schemas.microsoft.com/office/drawing/2014/main" xmlns="" id="{4294B44F-476C-445E-853D-C4D993A03EE0}"/>
+                <a16:creationId xmlns="" xmlns:a16="http://schemas.microsoft.com/office/drawing/2014/main" id="{4294B44F-476C-445E-853D-C4D993A03EE0}"/>
               </a:ext>
             </a:extLst>
           </p:cNvPr>
@@ -14316,7 +14314,7 @@
           <p:cNvPr id="10" name="직사각형 9">
             <a:extLst>
               <a:ext uri="{FF2B5EF4-FFF2-40B4-BE49-F238E27FC236}">
-                <a16:creationId xmlns:a16="http://schemas.microsoft.com/office/drawing/2014/main" xmlns="" id="{0FA9B5DC-D31E-4766-842A-8A8FE13AAEC1}"/>
+                <a16:creationId xmlns="" xmlns:a16="http://schemas.microsoft.com/office/drawing/2014/main" id="{0FA9B5DC-D31E-4766-842A-8A8FE13AAEC1}"/>
               </a:ext>
             </a:extLst>
           </p:cNvPr>
@@ -14385,7 +14383,7 @@
           <p:cNvPr id="11" name="직사각형 10">
             <a:extLst>
               <a:ext uri="{FF2B5EF4-FFF2-40B4-BE49-F238E27FC236}">
-                <a16:creationId xmlns:a16="http://schemas.microsoft.com/office/drawing/2014/main" xmlns="" id="{4CD81FD2-DAEA-4D0D-BFF5-774EEB419026}"/>
+                <a16:creationId xmlns="" xmlns:a16="http://schemas.microsoft.com/office/drawing/2014/main" id="{4CD81FD2-DAEA-4D0D-BFF5-774EEB419026}"/>
               </a:ext>
             </a:extLst>
           </p:cNvPr>
@@ -14454,7 +14452,7 @@
           <p:cNvPr id="12" name="직사각형 11">
             <a:extLst>
               <a:ext uri="{FF2B5EF4-FFF2-40B4-BE49-F238E27FC236}">
-                <a16:creationId xmlns:a16="http://schemas.microsoft.com/office/drawing/2014/main" xmlns="" id="{51AA7488-B49D-4967-9552-9AF112D9D420}"/>
+                <a16:creationId xmlns="" xmlns:a16="http://schemas.microsoft.com/office/drawing/2014/main" id="{51AA7488-B49D-4967-9552-9AF112D9D420}"/>
               </a:ext>
             </a:extLst>
           </p:cNvPr>
@@ -14523,7 +14521,7 @@
           <p:cNvPr id="13" name="직사각형 12">
             <a:extLst>
               <a:ext uri="{FF2B5EF4-FFF2-40B4-BE49-F238E27FC236}">
-                <a16:creationId xmlns:a16="http://schemas.microsoft.com/office/drawing/2014/main" xmlns="" id="{14C47091-162F-4FE1-A6E2-16FD737CD718}"/>
+                <a16:creationId xmlns="" xmlns:a16="http://schemas.microsoft.com/office/drawing/2014/main" id="{14C47091-162F-4FE1-A6E2-16FD737CD718}"/>
               </a:ext>
             </a:extLst>
           </p:cNvPr>
@@ -14589,7 +14587,7 @@
           <p:cNvPr id="15" name="직사각형 14">
             <a:extLst>
               <a:ext uri="{FF2B5EF4-FFF2-40B4-BE49-F238E27FC236}">
-                <a16:creationId xmlns:a16="http://schemas.microsoft.com/office/drawing/2014/main" xmlns="" id="{421873ED-CCFB-4AD3-9B54-94D2477EE51A}"/>
+                <a16:creationId xmlns="" xmlns:a16="http://schemas.microsoft.com/office/drawing/2014/main" id="{421873ED-CCFB-4AD3-9B54-94D2477EE51A}"/>
               </a:ext>
             </a:extLst>
           </p:cNvPr>
@@ -14658,7 +14656,7 @@
           <p:cNvPr id="16" name="직사각형 15">
             <a:extLst>
               <a:ext uri="{FF2B5EF4-FFF2-40B4-BE49-F238E27FC236}">
-                <a16:creationId xmlns:a16="http://schemas.microsoft.com/office/drawing/2014/main" xmlns="" id="{95749F43-480F-4946-98FC-953291790CC9}"/>
+                <a16:creationId xmlns="" xmlns:a16="http://schemas.microsoft.com/office/drawing/2014/main" id="{95749F43-480F-4946-98FC-953291790CC9}"/>
               </a:ext>
             </a:extLst>
           </p:cNvPr>
@@ -14727,7 +14725,7 @@
           <p:cNvPr id="17" name="직사각형 16">
             <a:extLst>
               <a:ext uri="{FF2B5EF4-FFF2-40B4-BE49-F238E27FC236}">
-                <a16:creationId xmlns:a16="http://schemas.microsoft.com/office/drawing/2014/main" xmlns="" id="{875BD0C0-F80C-4986-8136-7E3E638EADCB}"/>
+                <a16:creationId xmlns="" xmlns:a16="http://schemas.microsoft.com/office/drawing/2014/main" id="{875BD0C0-F80C-4986-8136-7E3E638EADCB}"/>
               </a:ext>
             </a:extLst>
           </p:cNvPr>
@@ -14796,7 +14794,7 @@
           <p:cNvPr id="18" name="직사각형 17">
             <a:extLst>
               <a:ext uri="{FF2B5EF4-FFF2-40B4-BE49-F238E27FC236}">
-                <a16:creationId xmlns:a16="http://schemas.microsoft.com/office/drawing/2014/main" xmlns="" id="{A2842B93-68BF-448F-AEA0-871D5FD9AB77}"/>
+                <a16:creationId xmlns="" xmlns:a16="http://schemas.microsoft.com/office/drawing/2014/main" id="{A2842B93-68BF-448F-AEA0-871D5FD9AB77}"/>
               </a:ext>
             </a:extLst>
           </p:cNvPr>
@@ -14862,7 +14860,7 @@
           <p:cNvPr id="20" name="직사각형 19">
             <a:extLst>
               <a:ext uri="{FF2B5EF4-FFF2-40B4-BE49-F238E27FC236}">
-                <a16:creationId xmlns:a16="http://schemas.microsoft.com/office/drawing/2014/main" xmlns="" id="{4CECA02D-7E49-4F65-A0C0-350DA5FACA5F}"/>
+                <a16:creationId xmlns="" xmlns:a16="http://schemas.microsoft.com/office/drawing/2014/main" id="{4CECA02D-7E49-4F65-A0C0-350DA5FACA5F}"/>
               </a:ext>
             </a:extLst>
           </p:cNvPr>
@@ -14928,7 +14926,7 @@
           <p:cNvPr id="21" name="직사각형 20">
             <a:extLst>
               <a:ext uri="{FF2B5EF4-FFF2-40B4-BE49-F238E27FC236}">
-                <a16:creationId xmlns:a16="http://schemas.microsoft.com/office/drawing/2014/main" xmlns="" id="{C307DE12-44AA-45E1-9C68-EFB4F6B44E4E}"/>
+                <a16:creationId xmlns="" xmlns:a16="http://schemas.microsoft.com/office/drawing/2014/main" id="{C307DE12-44AA-45E1-9C68-EFB4F6B44E4E}"/>
               </a:ext>
             </a:extLst>
           </p:cNvPr>
@@ -14994,7 +14992,7 @@
           <p:cNvPr id="22" name="직사각형 21">
             <a:extLst>
               <a:ext uri="{FF2B5EF4-FFF2-40B4-BE49-F238E27FC236}">
-                <a16:creationId xmlns:a16="http://schemas.microsoft.com/office/drawing/2014/main" xmlns="" id="{E04B7E20-C6BF-4015-BB5A-496284581613}"/>
+                <a16:creationId xmlns="" xmlns:a16="http://schemas.microsoft.com/office/drawing/2014/main" id="{E04B7E20-C6BF-4015-BB5A-496284581613}"/>
               </a:ext>
             </a:extLst>
           </p:cNvPr>
@@ -15060,7 +15058,7 @@
           <p:cNvPr id="23" name="직사각형 22">
             <a:extLst>
               <a:ext uri="{FF2B5EF4-FFF2-40B4-BE49-F238E27FC236}">
-                <a16:creationId xmlns:a16="http://schemas.microsoft.com/office/drawing/2014/main" xmlns="" id="{9AB0EDE0-66A8-470B-AF54-5C009A8EF0F5}"/>
+                <a16:creationId xmlns="" xmlns:a16="http://schemas.microsoft.com/office/drawing/2014/main" id="{9AB0EDE0-66A8-470B-AF54-5C009A8EF0F5}"/>
               </a:ext>
             </a:extLst>
           </p:cNvPr>
@@ -15126,7 +15124,7 @@
           <p:cNvPr id="2" name="TextBox 1">
             <a:extLst>
               <a:ext uri="{FF2B5EF4-FFF2-40B4-BE49-F238E27FC236}">
-                <a16:creationId xmlns:a16="http://schemas.microsoft.com/office/drawing/2014/main" xmlns="" id="{B614FE3B-F51C-45FA-AA6E-835B77EA3995}"/>
+                <a16:creationId xmlns="" xmlns:a16="http://schemas.microsoft.com/office/drawing/2014/main" id="{B614FE3B-F51C-45FA-AA6E-835B77EA3995}"/>
               </a:ext>
             </a:extLst>
           </p:cNvPr>
@@ -15163,7 +15161,7 @@
           <p:cNvPr id="36" name="직선 화살표 연결선 35">
             <a:extLst>
               <a:ext uri="{FF2B5EF4-FFF2-40B4-BE49-F238E27FC236}">
-                <a16:creationId xmlns:a16="http://schemas.microsoft.com/office/drawing/2014/main" xmlns="" id="{2B0F589A-57D0-4012-9EAF-D87305F88AC5}"/>
+                <a16:creationId xmlns="" xmlns:a16="http://schemas.microsoft.com/office/drawing/2014/main" id="{2B0F589A-57D0-4012-9EAF-D87305F88AC5}"/>
               </a:ext>
             </a:extLst>
           </p:cNvPr>
@@ -15207,7 +15205,7 @@
           <p:cNvPr id="38" name="직선 화살표 연결선 37">
             <a:extLst>
               <a:ext uri="{FF2B5EF4-FFF2-40B4-BE49-F238E27FC236}">
-                <a16:creationId xmlns:a16="http://schemas.microsoft.com/office/drawing/2014/main" xmlns="" id="{C3CC2B1F-38F2-43DE-BD1C-CB236A5413E6}"/>
+                <a16:creationId xmlns="" xmlns:a16="http://schemas.microsoft.com/office/drawing/2014/main" id="{C3CC2B1F-38F2-43DE-BD1C-CB236A5413E6}"/>
               </a:ext>
             </a:extLst>
           </p:cNvPr>
@@ -15251,7 +15249,7 @@
           <p:cNvPr id="40" name="TextBox 39">
             <a:extLst>
               <a:ext uri="{FF2B5EF4-FFF2-40B4-BE49-F238E27FC236}">
-                <a16:creationId xmlns:a16="http://schemas.microsoft.com/office/drawing/2014/main" xmlns="" id="{59DF1124-A352-4916-889A-2F8D4C793D2E}"/>
+                <a16:creationId xmlns="" xmlns:a16="http://schemas.microsoft.com/office/drawing/2014/main" id="{59DF1124-A352-4916-889A-2F8D4C793D2E}"/>
               </a:ext>
             </a:extLst>
           </p:cNvPr>
@@ -15288,7 +15286,7 @@
           <p:cNvPr id="41" name="TextBox 40">
             <a:extLst>
               <a:ext uri="{FF2B5EF4-FFF2-40B4-BE49-F238E27FC236}">
-                <a16:creationId xmlns:a16="http://schemas.microsoft.com/office/drawing/2014/main" xmlns="" id="{68D904D0-05B8-4EB7-A26C-1BDA7AC159D0}"/>
+                <a16:creationId xmlns="" xmlns:a16="http://schemas.microsoft.com/office/drawing/2014/main" id="{68D904D0-05B8-4EB7-A26C-1BDA7AC159D0}"/>
               </a:ext>
             </a:extLst>
           </p:cNvPr>
@@ -15340,7 +15338,7 @@
           <p:cNvPr id="42" name="TextBox 41">
             <a:extLst>
               <a:ext uri="{FF2B5EF4-FFF2-40B4-BE49-F238E27FC236}">
-                <a16:creationId xmlns:a16="http://schemas.microsoft.com/office/drawing/2014/main" xmlns="" id="{80B3EBDC-58DC-4B6F-8EB2-09998944C874}"/>
+                <a16:creationId xmlns="" xmlns:a16="http://schemas.microsoft.com/office/drawing/2014/main" id="{80B3EBDC-58DC-4B6F-8EB2-09998944C874}"/>
               </a:ext>
             </a:extLst>
           </p:cNvPr>
@@ -15377,7 +15375,7 @@
           <p:cNvPr id="43" name="직사각형 42">
             <a:extLst>
               <a:ext uri="{FF2B5EF4-FFF2-40B4-BE49-F238E27FC236}">
-                <a16:creationId xmlns:a16="http://schemas.microsoft.com/office/drawing/2014/main" xmlns="" id="{87FA6A97-9169-463A-B4BA-0AADB3CB2BC6}"/>
+                <a16:creationId xmlns="" xmlns:a16="http://schemas.microsoft.com/office/drawing/2014/main" id="{87FA6A97-9169-463A-B4BA-0AADB3CB2BC6}"/>
               </a:ext>
             </a:extLst>
           </p:cNvPr>
@@ -15446,7 +15444,7 @@
           <p:cNvPr id="44" name="직사각형 43">
             <a:extLst>
               <a:ext uri="{FF2B5EF4-FFF2-40B4-BE49-F238E27FC236}">
-                <a16:creationId xmlns:a16="http://schemas.microsoft.com/office/drawing/2014/main" xmlns="" id="{66D34C87-65E0-4BB8-BD54-1F3938B19FB3}"/>
+                <a16:creationId xmlns="" xmlns:a16="http://schemas.microsoft.com/office/drawing/2014/main" id="{66D34C87-65E0-4BB8-BD54-1F3938B19FB3}"/>
               </a:ext>
             </a:extLst>
           </p:cNvPr>
@@ -15515,7 +15513,7 @@
           <p:cNvPr id="45" name="직사각형 44">
             <a:extLst>
               <a:ext uri="{FF2B5EF4-FFF2-40B4-BE49-F238E27FC236}">
-                <a16:creationId xmlns:a16="http://schemas.microsoft.com/office/drawing/2014/main" xmlns="" id="{7D218C43-29FC-41DA-8714-A46F9AC47541}"/>
+                <a16:creationId xmlns="" xmlns:a16="http://schemas.microsoft.com/office/drawing/2014/main" id="{7D218C43-29FC-41DA-8714-A46F9AC47541}"/>
               </a:ext>
             </a:extLst>
           </p:cNvPr>
@@ -15584,7 +15582,7 @@
           <p:cNvPr id="46" name="직사각형 45">
             <a:extLst>
               <a:ext uri="{FF2B5EF4-FFF2-40B4-BE49-F238E27FC236}">
-                <a16:creationId xmlns:a16="http://schemas.microsoft.com/office/drawing/2014/main" xmlns="" id="{96A48196-4C0A-4F46-9098-12AF550409D2}"/>
+                <a16:creationId xmlns="" xmlns:a16="http://schemas.microsoft.com/office/drawing/2014/main" id="{96A48196-4C0A-4F46-9098-12AF550409D2}"/>
               </a:ext>
             </a:extLst>
           </p:cNvPr>
@@ -15653,7 +15651,7 @@
           <p:cNvPr id="47" name="직사각형 46">
             <a:extLst>
               <a:ext uri="{FF2B5EF4-FFF2-40B4-BE49-F238E27FC236}">
-                <a16:creationId xmlns:a16="http://schemas.microsoft.com/office/drawing/2014/main" xmlns="" id="{9F515AB9-1B78-49B5-9F83-4125FE2E69A8}"/>
+                <a16:creationId xmlns="" xmlns:a16="http://schemas.microsoft.com/office/drawing/2014/main" id="{9F515AB9-1B78-49B5-9F83-4125FE2E69A8}"/>
               </a:ext>
             </a:extLst>
           </p:cNvPr>
@@ -15722,7 +15720,7 @@
           <p:cNvPr id="48" name="직사각형 47">
             <a:extLst>
               <a:ext uri="{FF2B5EF4-FFF2-40B4-BE49-F238E27FC236}">
-                <a16:creationId xmlns:a16="http://schemas.microsoft.com/office/drawing/2014/main" xmlns="" id="{DB7C42CC-31A7-4D1E-AB06-71169B7C6DCE}"/>
+                <a16:creationId xmlns="" xmlns:a16="http://schemas.microsoft.com/office/drawing/2014/main" id="{DB7C42CC-31A7-4D1E-AB06-71169B7C6DCE}"/>
               </a:ext>
             </a:extLst>
           </p:cNvPr>
@@ -15791,7 +15789,7 @@
           <p:cNvPr id="49" name="직사각형 48">
             <a:extLst>
               <a:ext uri="{FF2B5EF4-FFF2-40B4-BE49-F238E27FC236}">
-                <a16:creationId xmlns:a16="http://schemas.microsoft.com/office/drawing/2014/main" xmlns="" id="{4951ACAF-F303-438D-83B2-C0184CC6DFEA}"/>
+                <a16:creationId xmlns="" xmlns:a16="http://schemas.microsoft.com/office/drawing/2014/main" id="{4951ACAF-F303-438D-83B2-C0184CC6DFEA}"/>
               </a:ext>
             </a:extLst>
           </p:cNvPr>
@@ -15860,7 +15858,7 @@
           <p:cNvPr id="50" name="직사각형 49">
             <a:extLst>
               <a:ext uri="{FF2B5EF4-FFF2-40B4-BE49-F238E27FC236}">
-                <a16:creationId xmlns:a16="http://schemas.microsoft.com/office/drawing/2014/main" xmlns="" id="{AE41788B-AEB3-453E-8DF2-8C1F513259DC}"/>
+                <a16:creationId xmlns="" xmlns:a16="http://schemas.microsoft.com/office/drawing/2014/main" id="{AE41788B-AEB3-453E-8DF2-8C1F513259DC}"/>
               </a:ext>
             </a:extLst>
           </p:cNvPr>
@@ -15929,7 +15927,7 @@
           <p:cNvPr id="51" name="직사각형 50">
             <a:extLst>
               <a:ext uri="{FF2B5EF4-FFF2-40B4-BE49-F238E27FC236}">
-                <a16:creationId xmlns:a16="http://schemas.microsoft.com/office/drawing/2014/main" xmlns="" id="{222C9172-FA25-4D48-B4D7-6C6CF8A34E39}"/>
+                <a16:creationId xmlns="" xmlns:a16="http://schemas.microsoft.com/office/drawing/2014/main" id="{222C9172-FA25-4D48-B4D7-6C6CF8A34E39}"/>
               </a:ext>
             </a:extLst>
           </p:cNvPr>
@@ -15998,7 +15996,7 @@
           <p:cNvPr id="52" name="직사각형 51">
             <a:extLst>
               <a:ext uri="{FF2B5EF4-FFF2-40B4-BE49-F238E27FC236}">
-                <a16:creationId xmlns:a16="http://schemas.microsoft.com/office/drawing/2014/main" xmlns="" id="{504E0E2D-C4A8-4B7B-B1AC-C6DFF430637A}"/>
+                <a16:creationId xmlns="" xmlns:a16="http://schemas.microsoft.com/office/drawing/2014/main" id="{504E0E2D-C4A8-4B7B-B1AC-C6DFF430637A}"/>
               </a:ext>
             </a:extLst>
           </p:cNvPr>
@@ -16067,7 +16065,7 @@
           <p:cNvPr id="53" name="직사각형 52">
             <a:extLst>
               <a:ext uri="{FF2B5EF4-FFF2-40B4-BE49-F238E27FC236}">
-                <a16:creationId xmlns:a16="http://schemas.microsoft.com/office/drawing/2014/main" xmlns="" id="{217D4879-EC70-4C76-96C9-296832A7DD41}"/>
+                <a16:creationId xmlns="" xmlns:a16="http://schemas.microsoft.com/office/drawing/2014/main" id="{217D4879-EC70-4C76-96C9-296832A7DD41}"/>
               </a:ext>
             </a:extLst>
           </p:cNvPr>
@@ -16136,7 +16134,7 @@
           <p:cNvPr id="54" name="직사각형 53">
             <a:extLst>
               <a:ext uri="{FF2B5EF4-FFF2-40B4-BE49-F238E27FC236}">
-                <a16:creationId xmlns:a16="http://schemas.microsoft.com/office/drawing/2014/main" xmlns="" id="{288FC46F-AC80-432E-95E7-92621FCCC1DA}"/>
+                <a16:creationId xmlns="" xmlns:a16="http://schemas.microsoft.com/office/drawing/2014/main" id="{288FC46F-AC80-432E-95E7-92621FCCC1DA}"/>
               </a:ext>
             </a:extLst>
           </p:cNvPr>
@@ -16205,7 +16203,7 @@
           <p:cNvPr id="55" name="직사각형 54">
             <a:extLst>
               <a:ext uri="{FF2B5EF4-FFF2-40B4-BE49-F238E27FC236}">
-                <a16:creationId xmlns:a16="http://schemas.microsoft.com/office/drawing/2014/main" xmlns="" id="{E8C3DF49-21C4-4D32-A4D0-39029098B302}"/>
+                <a16:creationId xmlns="" xmlns:a16="http://schemas.microsoft.com/office/drawing/2014/main" id="{E8C3DF49-21C4-4D32-A4D0-39029098B302}"/>
               </a:ext>
             </a:extLst>
           </p:cNvPr>
@@ -16274,7 +16272,7 @@
           <p:cNvPr id="56" name="직사각형 55">
             <a:extLst>
               <a:ext uri="{FF2B5EF4-FFF2-40B4-BE49-F238E27FC236}">
-                <a16:creationId xmlns:a16="http://schemas.microsoft.com/office/drawing/2014/main" xmlns="" id="{576C5359-E9F4-40B7-B0FE-A40AF0703A12}"/>
+                <a16:creationId xmlns="" xmlns:a16="http://schemas.microsoft.com/office/drawing/2014/main" id="{576C5359-E9F4-40B7-B0FE-A40AF0703A12}"/>
               </a:ext>
             </a:extLst>
           </p:cNvPr>
@@ -16343,7 +16341,7 @@
           <p:cNvPr id="57" name="직사각형 56">
             <a:extLst>
               <a:ext uri="{FF2B5EF4-FFF2-40B4-BE49-F238E27FC236}">
-                <a16:creationId xmlns:a16="http://schemas.microsoft.com/office/drawing/2014/main" xmlns="" id="{63176654-353F-405E-8D5C-37C3A2EAE848}"/>
+                <a16:creationId xmlns="" xmlns:a16="http://schemas.microsoft.com/office/drawing/2014/main" id="{63176654-353F-405E-8D5C-37C3A2EAE848}"/>
               </a:ext>
             </a:extLst>
           </p:cNvPr>
@@ -16412,7 +16410,7 @@
           <p:cNvPr id="58" name="직사각형 57">
             <a:extLst>
               <a:ext uri="{FF2B5EF4-FFF2-40B4-BE49-F238E27FC236}">
-                <a16:creationId xmlns:a16="http://schemas.microsoft.com/office/drawing/2014/main" xmlns="" id="{8913F466-684C-4ED2-89FC-1916C13B06E9}"/>
+                <a16:creationId xmlns="" xmlns:a16="http://schemas.microsoft.com/office/drawing/2014/main" id="{8913F466-684C-4ED2-89FC-1916C13B06E9}"/>
               </a:ext>
             </a:extLst>
           </p:cNvPr>
@@ -16481,7 +16479,7 @@
           <p:cNvPr id="59" name="직사각형 58">
             <a:extLst>
               <a:ext uri="{FF2B5EF4-FFF2-40B4-BE49-F238E27FC236}">
-                <a16:creationId xmlns:a16="http://schemas.microsoft.com/office/drawing/2014/main" xmlns="" id="{80B9F94A-4591-4651-BDEA-C4A1FD818DE7}"/>
+                <a16:creationId xmlns="" xmlns:a16="http://schemas.microsoft.com/office/drawing/2014/main" id="{80B9F94A-4591-4651-BDEA-C4A1FD818DE7}"/>
               </a:ext>
             </a:extLst>
           </p:cNvPr>
@@ -16550,7 +16548,7 @@
           <p:cNvPr id="60" name="직사각형 59">
             <a:extLst>
               <a:ext uri="{FF2B5EF4-FFF2-40B4-BE49-F238E27FC236}">
-                <a16:creationId xmlns:a16="http://schemas.microsoft.com/office/drawing/2014/main" xmlns="" id="{E12A02A4-0D64-486F-83AF-24AD73704B85}"/>
+                <a16:creationId xmlns="" xmlns:a16="http://schemas.microsoft.com/office/drawing/2014/main" id="{E12A02A4-0D64-486F-83AF-24AD73704B85}"/>
               </a:ext>
             </a:extLst>
           </p:cNvPr>
@@ -16619,7 +16617,7 @@
           <p:cNvPr id="61" name="직사각형 60">
             <a:extLst>
               <a:ext uri="{FF2B5EF4-FFF2-40B4-BE49-F238E27FC236}">
-                <a16:creationId xmlns:a16="http://schemas.microsoft.com/office/drawing/2014/main" xmlns="" id="{5C929CEC-2FD9-45C6-85FA-F6DAC933F242}"/>
+                <a16:creationId xmlns="" xmlns:a16="http://schemas.microsoft.com/office/drawing/2014/main" id="{5C929CEC-2FD9-45C6-85FA-F6DAC933F242}"/>
               </a:ext>
             </a:extLst>
           </p:cNvPr>
@@ -16688,7 +16686,7 @@
           <p:cNvPr id="62" name="직사각형 61">
             <a:extLst>
               <a:ext uri="{FF2B5EF4-FFF2-40B4-BE49-F238E27FC236}">
-                <a16:creationId xmlns:a16="http://schemas.microsoft.com/office/drawing/2014/main" xmlns="" id="{2849D9E6-D783-432D-BA98-160FF3AA97A6}"/>
+                <a16:creationId xmlns="" xmlns:a16="http://schemas.microsoft.com/office/drawing/2014/main" id="{2849D9E6-D783-432D-BA98-160FF3AA97A6}"/>
               </a:ext>
             </a:extLst>
           </p:cNvPr>
@@ -16757,7 +16755,7 @@
           <p:cNvPr id="63" name="직사각형 62">
             <a:extLst>
               <a:ext uri="{FF2B5EF4-FFF2-40B4-BE49-F238E27FC236}">
-                <a16:creationId xmlns:a16="http://schemas.microsoft.com/office/drawing/2014/main" xmlns="" id="{3E09F5D0-984D-44E5-9D71-463257F656A3}"/>
+                <a16:creationId xmlns="" xmlns:a16="http://schemas.microsoft.com/office/drawing/2014/main" id="{3E09F5D0-984D-44E5-9D71-463257F656A3}"/>
               </a:ext>
             </a:extLst>
           </p:cNvPr>
@@ -16826,7 +16824,7 @@
           <p:cNvPr id="64" name="직사각형 63">
             <a:extLst>
               <a:ext uri="{FF2B5EF4-FFF2-40B4-BE49-F238E27FC236}">
-                <a16:creationId xmlns:a16="http://schemas.microsoft.com/office/drawing/2014/main" xmlns="" id="{3813C8D7-AC03-4551-AD1B-0379E1A35740}"/>
+                <a16:creationId xmlns="" xmlns:a16="http://schemas.microsoft.com/office/drawing/2014/main" id="{3813C8D7-AC03-4551-AD1B-0379E1A35740}"/>
               </a:ext>
             </a:extLst>
           </p:cNvPr>
@@ -16894,7 +16892,7 @@
           <p:cNvPr id="65" name="직사각형 64">
             <a:extLst>
               <a:ext uri="{FF2B5EF4-FFF2-40B4-BE49-F238E27FC236}">
-                <a16:creationId xmlns:a16="http://schemas.microsoft.com/office/drawing/2014/main" xmlns="" id="{145A6238-6708-4D52-AE77-B2534AEC27C0}"/>
+                <a16:creationId xmlns="" xmlns:a16="http://schemas.microsoft.com/office/drawing/2014/main" id="{145A6238-6708-4D52-AE77-B2534AEC27C0}"/>
               </a:ext>
             </a:extLst>
           </p:cNvPr>
@@ -16962,7 +16960,7 @@
           <p:cNvPr id="66" name="직사각형 65">
             <a:extLst>
               <a:ext uri="{FF2B5EF4-FFF2-40B4-BE49-F238E27FC236}">
-                <a16:creationId xmlns:a16="http://schemas.microsoft.com/office/drawing/2014/main" xmlns="" id="{96C36654-F307-4325-8388-536304D70CE3}"/>
+                <a16:creationId xmlns="" xmlns:a16="http://schemas.microsoft.com/office/drawing/2014/main" id="{96C36654-F307-4325-8388-536304D70CE3}"/>
               </a:ext>
             </a:extLst>
           </p:cNvPr>
@@ -17030,7 +17028,7 @@
           <p:cNvPr id="67" name="직사각형 66">
             <a:extLst>
               <a:ext uri="{FF2B5EF4-FFF2-40B4-BE49-F238E27FC236}">
-                <a16:creationId xmlns:a16="http://schemas.microsoft.com/office/drawing/2014/main" xmlns="" id="{24F46BEE-2747-47B0-9513-28476ED01E7B}"/>
+                <a16:creationId xmlns="" xmlns:a16="http://schemas.microsoft.com/office/drawing/2014/main" id="{24F46BEE-2747-47B0-9513-28476ED01E7B}"/>
               </a:ext>
             </a:extLst>
           </p:cNvPr>
@@ -17098,7 +17096,7 @@
           <p:cNvPr id="68" name="TextBox 67">
             <a:extLst>
               <a:ext uri="{FF2B5EF4-FFF2-40B4-BE49-F238E27FC236}">
-                <a16:creationId xmlns:a16="http://schemas.microsoft.com/office/drawing/2014/main" xmlns="" id="{C435F213-E0AC-496F-8283-957C17BC9EC1}"/>
+                <a16:creationId xmlns="" xmlns:a16="http://schemas.microsoft.com/office/drawing/2014/main" id="{C435F213-E0AC-496F-8283-957C17BC9EC1}"/>
               </a:ext>
             </a:extLst>
           </p:cNvPr>
@@ -17173,7 +17171,7 @@
           <p:cNvPr id="3" name="제목 2">
             <a:extLst>
               <a:ext uri="{FF2B5EF4-FFF2-40B4-BE49-F238E27FC236}">
-                <a16:creationId xmlns:a16="http://schemas.microsoft.com/office/drawing/2014/main" xmlns="" id="{539559CE-F08F-464A-B0A0-B2698153A2AE}"/>
+                <a16:creationId xmlns="" xmlns:a16="http://schemas.microsoft.com/office/drawing/2014/main" id="{539559CE-F08F-464A-B0A0-B2698153A2AE}"/>
               </a:ext>
             </a:extLst>
           </p:cNvPr>
@@ -17210,7 +17208,7 @@
           <p:cNvPr id="4" name="텍스트 개체 틀 3">
             <a:extLst>
               <a:ext uri="{FF2B5EF4-FFF2-40B4-BE49-F238E27FC236}">
-                <a16:creationId xmlns:a16="http://schemas.microsoft.com/office/drawing/2014/main" xmlns="" id="{92810F84-1978-4C73-9CCE-E09A2B4A9534}"/>
+                <a16:creationId xmlns="" xmlns:a16="http://schemas.microsoft.com/office/drawing/2014/main" id="{92810F84-1978-4C73-9CCE-E09A2B4A9534}"/>
               </a:ext>
             </a:extLst>
           </p:cNvPr>
@@ -17242,7 +17240,7 @@
           <p:cNvPr id="5" name="직사각형 4">
             <a:extLst>
               <a:ext uri="{FF2B5EF4-FFF2-40B4-BE49-F238E27FC236}">
-                <a16:creationId xmlns:a16="http://schemas.microsoft.com/office/drawing/2014/main" xmlns="" id="{66FCC064-BAF2-4624-B372-2A24C9420697}"/>
+                <a16:creationId xmlns="" xmlns:a16="http://schemas.microsoft.com/office/drawing/2014/main" id="{66FCC064-BAF2-4624-B372-2A24C9420697}"/>
               </a:ext>
             </a:extLst>
           </p:cNvPr>
@@ -17308,7 +17306,7 @@
           <p:cNvPr id="6" name="직사각형 5">
             <a:extLst>
               <a:ext uri="{FF2B5EF4-FFF2-40B4-BE49-F238E27FC236}">
-                <a16:creationId xmlns:a16="http://schemas.microsoft.com/office/drawing/2014/main" xmlns="" id="{63D885D6-14F7-4B6B-893B-0A2960B66CB1}"/>
+                <a16:creationId xmlns="" xmlns:a16="http://schemas.microsoft.com/office/drawing/2014/main" id="{63D885D6-14F7-4B6B-893B-0A2960B66CB1}"/>
               </a:ext>
             </a:extLst>
           </p:cNvPr>
@@ -17374,7 +17372,7 @@
           <p:cNvPr id="7" name="직사각형 6">
             <a:extLst>
               <a:ext uri="{FF2B5EF4-FFF2-40B4-BE49-F238E27FC236}">
-                <a16:creationId xmlns:a16="http://schemas.microsoft.com/office/drawing/2014/main" xmlns="" id="{4C469E0A-DD64-40BF-855F-C89810F27378}"/>
+                <a16:creationId xmlns="" xmlns:a16="http://schemas.microsoft.com/office/drawing/2014/main" id="{4C469E0A-DD64-40BF-855F-C89810F27378}"/>
               </a:ext>
             </a:extLst>
           </p:cNvPr>
@@ -17440,7 +17438,7 @@
           <p:cNvPr id="8" name="직사각형 7">
             <a:extLst>
               <a:ext uri="{FF2B5EF4-FFF2-40B4-BE49-F238E27FC236}">
-                <a16:creationId xmlns:a16="http://schemas.microsoft.com/office/drawing/2014/main" xmlns="" id="{4294B44F-476C-445E-853D-C4D993A03EE0}"/>
+                <a16:creationId xmlns="" xmlns:a16="http://schemas.microsoft.com/office/drawing/2014/main" id="{4294B44F-476C-445E-853D-C4D993A03EE0}"/>
               </a:ext>
             </a:extLst>
           </p:cNvPr>
@@ -17506,7 +17504,7 @@
           <p:cNvPr id="10" name="직사각형 9">
             <a:extLst>
               <a:ext uri="{FF2B5EF4-FFF2-40B4-BE49-F238E27FC236}">
-                <a16:creationId xmlns:a16="http://schemas.microsoft.com/office/drawing/2014/main" xmlns="" id="{0FA9B5DC-D31E-4766-842A-8A8FE13AAEC1}"/>
+                <a16:creationId xmlns="" xmlns:a16="http://schemas.microsoft.com/office/drawing/2014/main" id="{0FA9B5DC-D31E-4766-842A-8A8FE13AAEC1}"/>
               </a:ext>
             </a:extLst>
           </p:cNvPr>
@@ -17572,7 +17570,7 @@
           <p:cNvPr id="11" name="직사각형 10">
             <a:extLst>
               <a:ext uri="{FF2B5EF4-FFF2-40B4-BE49-F238E27FC236}">
-                <a16:creationId xmlns:a16="http://schemas.microsoft.com/office/drawing/2014/main" xmlns="" id="{4CD81FD2-DAEA-4D0D-BFF5-774EEB419026}"/>
+                <a16:creationId xmlns="" xmlns:a16="http://schemas.microsoft.com/office/drawing/2014/main" id="{4CD81FD2-DAEA-4D0D-BFF5-774EEB419026}"/>
               </a:ext>
             </a:extLst>
           </p:cNvPr>
@@ -17641,7 +17639,7 @@
           <p:cNvPr id="12" name="직사각형 11">
             <a:extLst>
               <a:ext uri="{FF2B5EF4-FFF2-40B4-BE49-F238E27FC236}">
-                <a16:creationId xmlns:a16="http://schemas.microsoft.com/office/drawing/2014/main" xmlns="" id="{51AA7488-B49D-4967-9552-9AF112D9D420}"/>
+                <a16:creationId xmlns="" xmlns:a16="http://schemas.microsoft.com/office/drawing/2014/main" id="{51AA7488-B49D-4967-9552-9AF112D9D420}"/>
               </a:ext>
             </a:extLst>
           </p:cNvPr>
@@ -17710,7 +17708,7 @@
           <p:cNvPr id="13" name="직사각형 12">
             <a:extLst>
               <a:ext uri="{FF2B5EF4-FFF2-40B4-BE49-F238E27FC236}">
-                <a16:creationId xmlns:a16="http://schemas.microsoft.com/office/drawing/2014/main" xmlns="" id="{14C47091-162F-4FE1-A6E2-16FD737CD718}"/>
+                <a16:creationId xmlns="" xmlns:a16="http://schemas.microsoft.com/office/drawing/2014/main" id="{14C47091-162F-4FE1-A6E2-16FD737CD718}"/>
               </a:ext>
             </a:extLst>
           </p:cNvPr>
@@ -17779,7 +17777,7 @@
           <p:cNvPr id="15" name="직사각형 14">
             <a:extLst>
               <a:ext uri="{FF2B5EF4-FFF2-40B4-BE49-F238E27FC236}">
-                <a16:creationId xmlns:a16="http://schemas.microsoft.com/office/drawing/2014/main" xmlns="" id="{421873ED-CCFB-4AD3-9B54-94D2477EE51A}"/>
+                <a16:creationId xmlns="" xmlns:a16="http://schemas.microsoft.com/office/drawing/2014/main" id="{421873ED-CCFB-4AD3-9B54-94D2477EE51A}"/>
               </a:ext>
             </a:extLst>
           </p:cNvPr>
@@ -17845,7 +17843,7 @@
           <p:cNvPr id="16" name="직사각형 15">
             <a:extLst>
               <a:ext uri="{FF2B5EF4-FFF2-40B4-BE49-F238E27FC236}">
-                <a16:creationId xmlns:a16="http://schemas.microsoft.com/office/drawing/2014/main" xmlns="" id="{95749F43-480F-4946-98FC-953291790CC9}"/>
+                <a16:creationId xmlns="" xmlns:a16="http://schemas.microsoft.com/office/drawing/2014/main" id="{95749F43-480F-4946-98FC-953291790CC9}"/>
               </a:ext>
             </a:extLst>
           </p:cNvPr>
@@ -17914,7 +17912,7 @@
           <p:cNvPr id="17" name="직사각형 16">
             <a:extLst>
               <a:ext uri="{FF2B5EF4-FFF2-40B4-BE49-F238E27FC236}">
-                <a16:creationId xmlns:a16="http://schemas.microsoft.com/office/drawing/2014/main" xmlns="" id="{875BD0C0-F80C-4986-8136-7E3E638EADCB}"/>
+                <a16:creationId xmlns="" xmlns:a16="http://schemas.microsoft.com/office/drawing/2014/main" id="{875BD0C0-F80C-4986-8136-7E3E638EADCB}"/>
               </a:ext>
             </a:extLst>
           </p:cNvPr>
@@ -17983,7 +17981,7 @@
           <p:cNvPr id="18" name="직사각형 17">
             <a:extLst>
               <a:ext uri="{FF2B5EF4-FFF2-40B4-BE49-F238E27FC236}">
-                <a16:creationId xmlns:a16="http://schemas.microsoft.com/office/drawing/2014/main" xmlns="" id="{A2842B93-68BF-448F-AEA0-871D5FD9AB77}"/>
+                <a16:creationId xmlns="" xmlns:a16="http://schemas.microsoft.com/office/drawing/2014/main" id="{A2842B93-68BF-448F-AEA0-871D5FD9AB77}"/>
               </a:ext>
             </a:extLst>
           </p:cNvPr>
@@ -18052,7 +18050,7 @@
           <p:cNvPr id="20" name="직사각형 19">
             <a:extLst>
               <a:ext uri="{FF2B5EF4-FFF2-40B4-BE49-F238E27FC236}">
-                <a16:creationId xmlns:a16="http://schemas.microsoft.com/office/drawing/2014/main" xmlns="" id="{4CECA02D-7E49-4F65-A0C0-350DA5FACA5F}"/>
+                <a16:creationId xmlns="" xmlns:a16="http://schemas.microsoft.com/office/drawing/2014/main" id="{4CECA02D-7E49-4F65-A0C0-350DA5FACA5F}"/>
               </a:ext>
             </a:extLst>
           </p:cNvPr>
@@ -18118,7 +18116,7 @@
           <p:cNvPr id="21" name="직사각형 20">
             <a:extLst>
               <a:ext uri="{FF2B5EF4-FFF2-40B4-BE49-F238E27FC236}">
-                <a16:creationId xmlns:a16="http://schemas.microsoft.com/office/drawing/2014/main" xmlns="" id="{C307DE12-44AA-45E1-9C68-EFB4F6B44E4E}"/>
+                <a16:creationId xmlns="" xmlns:a16="http://schemas.microsoft.com/office/drawing/2014/main" id="{C307DE12-44AA-45E1-9C68-EFB4F6B44E4E}"/>
               </a:ext>
             </a:extLst>
           </p:cNvPr>
@@ -18184,7 +18182,7 @@
           <p:cNvPr id="22" name="직사각형 21">
             <a:extLst>
               <a:ext uri="{FF2B5EF4-FFF2-40B4-BE49-F238E27FC236}">
-                <a16:creationId xmlns:a16="http://schemas.microsoft.com/office/drawing/2014/main" xmlns="" id="{E04B7E20-C6BF-4015-BB5A-496284581613}"/>
+                <a16:creationId xmlns="" xmlns:a16="http://schemas.microsoft.com/office/drawing/2014/main" id="{E04B7E20-C6BF-4015-BB5A-496284581613}"/>
               </a:ext>
             </a:extLst>
           </p:cNvPr>
@@ -18250,7 +18248,7 @@
           <p:cNvPr id="23" name="직사각형 22">
             <a:extLst>
               <a:ext uri="{FF2B5EF4-FFF2-40B4-BE49-F238E27FC236}">
-                <a16:creationId xmlns:a16="http://schemas.microsoft.com/office/drawing/2014/main" xmlns="" id="{9AB0EDE0-66A8-470B-AF54-5C009A8EF0F5}"/>
+                <a16:creationId xmlns="" xmlns:a16="http://schemas.microsoft.com/office/drawing/2014/main" id="{9AB0EDE0-66A8-470B-AF54-5C009A8EF0F5}"/>
               </a:ext>
             </a:extLst>
           </p:cNvPr>
@@ -18316,7 +18314,7 @@
           <p:cNvPr id="2" name="TextBox 1">
             <a:extLst>
               <a:ext uri="{FF2B5EF4-FFF2-40B4-BE49-F238E27FC236}">
-                <a16:creationId xmlns:a16="http://schemas.microsoft.com/office/drawing/2014/main" xmlns="" id="{B614FE3B-F51C-45FA-AA6E-835B77EA3995}"/>
+                <a16:creationId xmlns="" xmlns:a16="http://schemas.microsoft.com/office/drawing/2014/main" id="{B614FE3B-F51C-45FA-AA6E-835B77EA3995}"/>
               </a:ext>
             </a:extLst>
           </p:cNvPr>
@@ -18353,7 +18351,7 @@
           <p:cNvPr id="36" name="직선 화살표 연결선 35">
             <a:extLst>
               <a:ext uri="{FF2B5EF4-FFF2-40B4-BE49-F238E27FC236}">
-                <a16:creationId xmlns:a16="http://schemas.microsoft.com/office/drawing/2014/main" xmlns="" id="{2B0F589A-57D0-4012-9EAF-D87305F88AC5}"/>
+                <a16:creationId xmlns="" xmlns:a16="http://schemas.microsoft.com/office/drawing/2014/main" id="{2B0F589A-57D0-4012-9EAF-D87305F88AC5}"/>
               </a:ext>
             </a:extLst>
           </p:cNvPr>
@@ -18397,7 +18395,7 @@
           <p:cNvPr id="38" name="직선 화살표 연결선 37">
             <a:extLst>
               <a:ext uri="{FF2B5EF4-FFF2-40B4-BE49-F238E27FC236}">
-                <a16:creationId xmlns:a16="http://schemas.microsoft.com/office/drawing/2014/main" xmlns="" id="{C3CC2B1F-38F2-43DE-BD1C-CB236A5413E6}"/>
+                <a16:creationId xmlns="" xmlns:a16="http://schemas.microsoft.com/office/drawing/2014/main" id="{C3CC2B1F-38F2-43DE-BD1C-CB236A5413E6}"/>
               </a:ext>
             </a:extLst>
           </p:cNvPr>
@@ -18441,7 +18439,7 @@
           <p:cNvPr id="40" name="TextBox 39">
             <a:extLst>
               <a:ext uri="{FF2B5EF4-FFF2-40B4-BE49-F238E27FC236}">
-                <a16:creationId xmlns:a16="http://schemas.microsoft.com/office/drawing/2014/main" xmlns="" id="{59DF1124-A352-4916-889A-2F8D4C793D2E}"/>
+                <a16:creationId xmlns="" xmlns:a16="http://schemas.microsoft.com/office/drawing/2014/main" id="{59DF1124-A352-4916-889A-2F8D4C793D2E}"/>
               </a:ext>
             </a:extLst>
           </p:cNvPr>
@@ -18478,7 +18476,7 @@
           <p:cNvPr id="42" name="TextBox 41">
             <a:extLst>
               <a:ext uri="{FF2B5EF4-FFF2-40B4-BE49-F238E27FC236}">
-                <a16:creationId xmlns:a16="http://schemas.microsoft.com/office/drawing/2014/main" xmlns="" id="{80B3EBDC-58DC-4B6F-8EB2-09998944C874}"/>
+                <a16:creationId xmlns="" xmlns:a16="http://schemas.microsoft.com/office/drawing/2014/main" id="{80B3EBDC-58DC-4B6F-8EB2-09998944C874}"/>
               </a:ext>
             </a:extLst>
           </p:cNvPr>
@@ -18515,7 +18513,7 @@
           <p:cNvPr id="68" name="TextBox 67">
             <a:extLst>
               <a:ext uri="{FF2B5EF4-FFF2-40B4-BE49-F238E27FC236}">
-                <a16:creationId xmlns:a16="http://schemas.microsoft.com/office/drawing/2014/main" xmlns="" id="{C435F213-E0AC-496F-8283-957C17BC9EC1}"/>
+                <a16:creationId xmlns="" xmlns:a16="http://schemas.microsoft.com/office/drawing/2014/main" id="{C435F213-E0AC-496F-8283-957C17BC9EC1}"/>
               </a:ext>
             </a:extLst>
           </p:cNvPr>
@@ -18560,7 +18558,7 @@
           <p:cNvPr id="70" name="직사각형 69">
             <a:extLst>
               <a:ext uri="{FF2B5EF4-FFF2-40B4-BE49-F238E27FC236}">
-                <a16:creationId xmlns:a16="http://schemas.microsoft.com/office/drawing/2014/main" xmlns="" id="{D51DA5B5-7E6B-4A1F-B24B-E5991BC3099E}"/>
+                <a16:creationId xmlns="" xmlns:a16="http://schemas.microsoft.com/office/drawing/2014/main" id="{D51DA5B5-7E6B-4A1F-B24B-E5991BC3099E}"/>
               </a:ext>
             </a:extLst>
           </p:cNvPr>
@@ -18629,7 +18627,7 @@
           <p:cNvPr id="71" name="직사각형 70">
             <a:extLst>
               <a:ext uri="{FF2B5EF4-FFF2-40B4-BE49-F238E27FC236}">
-                <a16:creationId xmlns:a16="http://schemas.microsoft.com/office/drawing/2014/main" xmlns="" id="{E6EF22EB-31D2-44BD-BB78-5640E1F0DA9E}"/>
+                <a16:creationId xmlns="" xmlns:a16="http://schemas.microsoft.com/office/drawing/2014/main" id="{E6EF22EB-31D2-44BD-BB78-5640E1F0DA9E}"/>
               </a:ext>
             </a:extLst>
           </p:cNvPr>
@@ -18698,7 +18696,7 @@
           <p:cNvPr id="72" name="직사각형 71">
             <a:extLst>
               <a:ext uri="{FF2B5EF4-FFF2-40B4-BE49-F238E27FC236}">
-                <a16:creationId xmlns:a16="http://schemas.microsoft.com/office/drawing/2014/main" xmlns="" id="{C2ACBFFA-0E94-4CF9-8159-EA75E3BD5D8A}"/>
+                <a16:creationId xmlns="" xmlns:a16="http://schemas.microsoft.com/office/drawing/2014/main" id="{C2ACBFFA-0E94-4CF9-8159-EA75E3BD5D8A}"/>
               </a:ext>
             </a:extLst>
           </p:cNvPr>
@@ -18767,7 +18765,7 @@
           <p:cNvPr id="73" name="직사각형 72">
             <a:extLst>
               <a:ext uri="{FF2B5EF4-FFF2-40B4-BE49-F238E27FC236}">
-                <a16:creationId xmlns:a16="http://schemas.microsoft.com/office/drawing/2014/main" xmlns="" id="{AFE36D5F-6134-474D-9D78-AE3B9515878D}"/>
+                <a16:creationId xmlns="" xmlns:a16="http://schemas.microsoft.com/office/drawing/2014/main" id="{AFE36D5F-6134-474D-9D78-AE3B9515878D}"/>
               </a:ext>
             </a:extLst>
           </p:cNvPr>
@@ -18836,7 +18834,7 @@
           <p:cNvPr id="74" name="직사각형 73">
             <a:extLst>
               <a:ext uri="{FF2B5EF4-FFF2-40B4-BE49-F238E27FC236}">
-                <a16:creationId xmlns:a16="http://schemas.microsoft.com/office/drawing/2014/main" xmlns="" id="{57E9F2ED-41BA-42B4-B171-C080BC9D7498}"/>
+                <a16:creationId xmlns="" xmlns:a16="http://schemas.microsoft.com/office/drawing/2014/main" id="{57E9F2ED-41BA-42B4-B171-C080BC9D7498}"/>
               </a:ext>
             </a:extLst>
           </p:cNvPr>
@@ -18905,7 +18903,7 @@
           <p:cNvPr id="75" name="직사각형 74">
             <a:extLst>
               <a:ext uri="{FF2B5EF4-FFF2-40B4-BE49-F238E27FC236}">
-                <a16:creationId xmlns:a16="http://schemas.microsoft.com/office/drawing/2014/main" xmlns="" id="{6C99267C-703D-4BDB-BF7E-F1F205CEB56F}"/>
+                <a16:creationId xmlns="" xmlns:a16="http://schemas.microsoft.com/office/drawing/2014/main" id="{6C99267C-703D-4BDB-BF7E-F1F205CEB56F}"/>
               </a:ext>
             </a:extLst>
           </p:cNvPr>
@@ -18974,7 +18972,7 @@
           <p:cNvPr id="76" name="직사각형 75">
             <a:extLst>
               <a:ext uri="{FF2B5EF4-FFF2-40B4-BE49-F238E27FC236}">
-                <a16:creationId xmlns:a16="http://schemas.microsoft.com/office/drawing/2014/main" xmlns="" id="{AC4B8844-F22D-4DFA-84D2-56BA979DBDE6}"/>
+                <a16:creationId xmlns="" xmlns:a16="http://schemas.microsoft.com/office/drawing/2014/main" id="{AC4B8844-F22D-4DFA-84D2-56BA979DBDE6}"/>
               </a:ext>
             </a:extLst>
           </p:cNvPr>
@@ -19043,7 +19041,7 @@
           <p:cNvPr id="77" name="직사각형 76">
             <a:extLst>
               <a:ext uri="{FF2B5EF4-FFF2-40B4-BE49-F238E27FC236}">
-                <a16:creationId xmlns:a16="http://schemas.microsoft.com/office/drawing/2014/main" xmlns="" id="{890B845B-0749-403F-B2C3-6EFF9E6F4691}"/>
+                <a16:creationId xmlns="" xmlns:a16="http://schemas.microsoft.com/office/drawing/2014/main" id="{890B845B-0749-403F-B2C3-6EFF9E6F4691}"/>
               </a:ext>
             </a:extLst>
           </p:cNvPr>
@@ -19112,7 +19110,7 @@
           <p:cNvPr id="78" name="직사각형 77">
             <a:extLst>
               <a:ext uri="{FF2B5EF4-FFF2-40B4-BE49-F238E27FC236}">
-                <a16:creationId xmlns:a16="http://schemas.microsoft.com/office/drawing/2014/main" xmlns="" id="{5E4ACF92-1713-4BC9-AA87-A5DB4B0325A3}"/>
+                <a16:creationId xmlns="" xmlns:a16="http://schemas.microsoft.com/office/drawing/2014/main" id="{5E4ACF92-1713-4BC9-AA87-A5DB4B0325A3}"/>
               </a:ext>
             </a:extLst>
           </p:cNvPr>
@@ -19181,7 +19179,7 @@
           <p:cNvPr id="79" name="직사각형 78">
             <a:extLst>
               <a:ext uri="{FF2B5EF4-FFF2-40B4-BE49-F238E27FC236}">
-                <a16:creationId xmlns:a16="http://schemas.microsoft.com/office/drawing/2014/main" xmlns="" id="{9E9C3D31-920F-43C2-B1D5-E93F20B601C4}"/>
+                <a16:creationId xmlns="" xmlns:a16="http://schemas.microsoft.com/office/drawing/2014/main" id="{9E9C3D31-920F-43C2-B1D5-E93F20B601C4}"/>
               </a:ext>
             </a:extLst>
           </p:cNvPr>
@@ -19250,7 +19248,7 @@
           <p:cNvPr id="80" name="직사각형 79">
             <a:extLst>
               <a:ext uri="{FF2B5EF4-FFF2-40B4-BE49-F238E27FC236}">
-                <a16:creationId xmlns:a16="http://schemas.microsoft.com/office/drawing/2014/main" xmlns="" id="{6F03F8EB-7802-4456-84FE-77727659731B}"/>
+                <a16:creationId xmlns="" xmlns:a16="http://schemas.microsoft.com/office/drawing/2014/main" id="{6F03F8EB-7802-4456-84FE-77727659731B}"/>
               </a:ext>
             </a:extLst>
           </p:cNvPr>
@@ -19319,7 +19317,7 @@
           <p:cNvPr id="81" name="직사각형 80">
             <a:extLst>
               <a:ext uri="{FF2B5EF4-FFF2-40B4-BE49-F238E27FC236}">
-                <a16:creationId xmlns:a16="http://schemas.microsoft.com/office/drawing/2014/main" xmlns="" id="{F62FD87F-097B-472A-A6C5-B5988DCE3139}"/>
+                <a16:creationId xmlns="" xmlns:a16="http://schemas.microsoft.com/office/drawing/2014/main" id="{F62FD87F-097B-472A-A6C5-B5988DCE3139}"/>
               </a:ext>
             </a:extLst>
           </p:cNvPr>
@@ -19388,7 +19386,7 @@
           <p:cNvPr id="82" name="직사각형 81">
             <a:extLst>
               <a:ext uri="{FF2B5EF4-FFF2-40B4-BE49-F238E27FC236}">
-                <a16:creationId xmlns:a16="http://schemas.microsoft.com/office/drawing/2014/main" xmlns="" id="{832785BD-A56E-4E4F-8F3B-8B914B621E77}"/>
+                <a16:creationId xmlns="" xmlns:a16="http://schemas.microsoft.com/office/drawing/2014/main" id="{832785BD-A56E-4E4F-8F3B-8B914B621E77}"/>
               </a:ext>
             </a:extLst>
           </p:cNvPr>
@@ -19457,7 +19455,7 @@
           <p:cNvPr id="83" name="직사각형 82">
             <a:extLst>
               <a:ext uri="{FF2B5EF4-FFF2-40B4-BE49-F238E27FC236}">
-                <a16:creationId xmlns:a16="http://schemas.microsoft.com/office/drawing/2014/main" xmlns="" id="{E08C72E8-A876-44F3-A3FB-B1F1254C3C9B}"/>
+                <a16:creationId xmlns="" xmlns:a16="http://schemas.microsoft.com/office/drawing/2014/main" id="{E08C72E8-A876-44F3-A3FB-B1F1254C3C9B}"/>
               </a:ext>
             </a:extLst>
           </p:cNvPr>
@@ -19526,7 +19524,7 @@
           <p:cNvPr id="84" name="직사각형 83">
             <a:extLst>
               <a:ext uri="{FF2B5EF4-FFF2-40B4-BE49-F238E27FC236}">
-                <a16:creationId xmlns:a16="http://schemas.microsoft.com/office/drawing/2014/main" xmlns="" id="{252F75C6-A941-49C0-9C72-855721FBE9DA}"/>
+                <a16:creationId xmlns="" xmlns:a16="http://schemas.microsoft.com/office/drawing/2014/main" id="{252F75C6-A941-49C0-9C72-855721FBE9DA}"/>
               </a:ext>
             </a:extLst>
           </p:cNvPr>
@@ -19595,7 +19593,7 @@
           <p:cNvPr id="85" name="직사각형 84">
             <a:extLst>
               <a:ext uri="{FF2B5EF4-FFF2-40B4-BE49-F238E27FC236}">
-                <a16:creationId xmlns:a16="http://schemas.microsoft.com/office/drawing/2014/main" xmlns="" id="{36AB6883-2086-4DEC-AD7B-74D32EA899A8}"/>
+                <a16:creationId xmlns="" xmlns:a16="http://schemas.microsoft.com/office/drawing/2014/main" id="{36AB6883-2086-4DEC-AD7B-74D32EA899A8}"/>
               </a:ext>
             </a:extLst>
           </p:cNvPr>
@@ -19664,7 +19662,7 @@
           <p:cNvPr id="86" name="직사각형 85">
             <a:extLst>
               <a:ext uri="{FF2B5EF4-FFF2-40B4-BE49-F238E27FC236}">
-                <a16:creationId xmlns:a16="http://schemas.microsoft.com/office/drawing/2014/main" xmlns="" id="{81D7AA75-B465-405C-9DAE-E9E509116E46}"/>
+                <a16:creationId xmlns="" xmlns:a16="http://schemas.microsoft.com/office/drawing/2014/main" id="{81D7AA75-B465-405C-9DAE-E9E509116E46}"/>
               </a:ext>
             </a:extLst>
           </p:cNvPr>
@@ -19733,7 +19731,7 @@
           <p:cNvPr id="87" name="직사각형 86">
             <a:extLst>
               <a:ext uri="{FF2B5EF4-FFF2-40B4-BE49-F238E27FC236}">
-                <a16:creationId xmlns:a16="http://schemas.microsoft.com/office/drawing/2014/main" xmlns="" id="{5796DA3C-5F3F-4D28-815D-B37288F367FF}"/>
+                <a16:creationId xmlns="" xmlns:a16="http://schemas.microsoft.com/office/drawing/2014/main" id="{5796DA3C-5F3F-4D28-815D-B37288F367FF}"/>
               </a:ext>
             </a:extLst>
           </p:cNvPr>
@@ -19802,7 +19800,7 @@
           <p:cNvPr id="88" name="직사각형 87">
             <a:extLst>
               <a:ext uri="{FF2B5EF4-FFF2-40B4-BE49-F238E27FC236}">
-                <a16:creationId xmlns:a16="http://schemas.microsoft.com/office/drawing/2014/main" xmlns="" id="{F34388B8-5848-47B2-BACD-45D362C40899}"/>
+                <a16:creationId xmlns="" xmlns:a16="http://schemas.microsoft.com/office/drawing/2014/main" id="{F34388B8-5848-47B2-BACD-45D362C40899}"/>
               </a:ext>
             </a:extLst>
           </p:cNvPr>
@@ -19871,7 +19869,7 @@
           <p:cNvPr id="89" name="직사각형 88">
             <a:extLst>
               <a:ext uri="{FF2B5EF4-FFF2-40B4-BE49-F238E27FC236}">
-                <a16:creationId xmlns:a16="http://schemas.microsoft.com/office/drawing/2014/main" xmlns="" id="{50DE0862-3338-4E5B-A55A-7CF2978EEDDC}"/>
+                <a16:creationId xmlns="" xmlns:a16="http://schemas.microsoft.com/office/drawing/2014/main" id="{50DE0862-3338-4E5B-A55A-7CF2978EEDDC}"/>
               </a:ext>
             </a:extLst>
           </p:cNvPr>
@@ -19939,7 +19937,7 @@
           <p:cNvPr id="9" name="TextBox 8">
             <a:extLst>
               <a:ext uri="{FF2B5EF4-FFF2-40B4-BE49-F238E27FC236}">
-                <a16:creationId xmlns:a16="http://schemas.microsoft.com/office/drawing/2014/main" xmlns="" id="{4E626122-8E14-4A00-A1FF-12477802E337}"/>
+                <a16:creationId xmlns="" xmlns:a16="http://schemas.microsoft.com/office/drawing/2014/main" id="{4E626122-8E14-4A00-A1FF-12477802E337}"/>
               </a:ext>
             </a:extLst>
           </p:cNvPr>
@@ -19976,7 +19974,7 @@
           <p:cNvPr id="90" name="TextBox 89">
             <a:extLst>
               <a:ext uri="{FF2B5EF4-FFF2-40B4-BE49-F238E27FC236}">
-                <a16:creationId xmlns:a16="http://schemas.microsoft.com/office/drawing/2014/main" xmlns="" id="{56031C77-3C48-4098-A429-EAC291FBC8E9}"/>
+                <a16:creationId xmlns="" xmlns:a16="http://schemas.microsoft.com/office/drawing/2014/main" id="{56031C77-3C48-4098-A429-EAC291FBC8E9}"/>
               </a:ext>
             </a:extLst>
           </p:cNvPr>
@@ -20013,7 +20011,7 @@
           <p:cNvPr id="91" name="TextBox 90">
             <a:extLst>
               <a:ext uri="{FF2B5EF4-FFF2-40B4-BE49-F238E27FC236}">
-                <a16:creationId xmlns:a16="http://schemas.microsoft.com/office/drawing/2014/main" xmlns="" id="{4EF93D8A-86F1-4726-92A4-FD79904D4086}"/>
+                <a16:creationId xmlns="" xmlns:a16="http://schemas.microsoft.com/office/drawing/2014/main" id="{4EF93D8A-86F1-4726-92A4-FD79904D4086}"/>
               </a:ext>
             </a:extLst>
           </p:cNvPr>
@@ -20080,7 +20078,7 @@
           <p:cNvPr id="3" name="제목 2">
             <a:extLst>
               <a:ext uri="{FF2B5EF4-FFF2-40B4-BE49-F238E27FC236}">
-                <a16:creationId xmlns:a16="http://schemas.microsoft.com/office/drawing/2014/main" xmlns="" id="{539559CE-F08F-464A-B0A0-B2698153A2AE}"/>
+                <a16:creationId xmlns="" xmlns:a16="http://schemas.microsoft.com/office/drawing/2014/main" id="{539559CE-F08F-464A-B0A0-B2698153A2AE}"/>
               </a:ext>
             </a:extLst>
           </p:cNvPr>
@@ -20117,7 +20115,7 @@
           <p:cNvPr id="4" name="텍스트 개체 틀 3">
             <a:extLst>
               <a:ext uri="{FF2B5EF4-FFF2-40B4-BE49-F238E27FC236}">
-                <a16:creationId xmlns:a16="http://schemas.microsoft.com/office/drawing/2014/main" xmlns="" id="{92810F84-1978-4C73-9CCE-E09A2B4A9534}"/>
+                <a16:creationId xmlns="" xmlns:a16="http://schemas.microsoft.com/office/drawing/2014/main" id="{92810F84-1978-4C73-9CCE-E09A2B4A9534}"/>
               </a:ext>
             </a:extLst>
           </p:cNvPr>
@@ -20149,7 +20147,7 @@
           <p:cNvPr id="2" name="그림 1">
             <a:extLst>
               <a:ext uri="{FF2B5EF4-FFF2-40B4-BE49-F238E27FC236}">
-                <a16:creationId xmlns:a16="http://schemas.microsoft.com/office/drawing/2014/main" xmlns="" id="{1B7DF6BC-9A9D-4E2C-AE9A-E2D18D126CA6}"/>
+                <a16:creationId xmlns="" xmlns:a16="http://schemas.microsoft.com/office/drawing/2014/main" id="{1B7DF6BC-9A9D-4E2C-AE9A-E2D18D126CA6}"/>
               </a:ext>
             </a:extLst>
           </p:cNvPr>
@@ -20236,7 +20234,7 @@
           <p:cNvPr id="15" name="텍스트 개체 틀 14">
             <a:extLst>
               <a:ext uri="{FF2B5EF4-FFF2-40B4-BE49-F238E27FC236}">
-                <a16:creationId xmlns:a16="http://schemas.microsoft.com/office/drawing/2014/main" xmlns="" id="{CAF4FA68-A32A-48BA-A282-B6F8B4204A68}"/>
+                <a16:creationId xmlns="" xmlns:a16="http://schemas.microsoft.com/office/drawing/2014/main" id="{CAF4FA68-A32A-48BA-A282-B6F8B4204A68}"/>
               </a:ext>
             </a:extLst>
           </p:cNvPr>
@@ -20276,7 +20274,7 @@
           <p:cNvPr id="2" name="TextBox 1">
             <a:extLst>
               <a:ext uri="{FF2B5EF4-FFF2-40B4-BE49-F238E27FC236}">
-                <a16:creationId xmlns:a16="http://schemas.microsoft.com/office/drawing/2014/main" xmlns="" id="{2735F4C6-24A3-422B-BD21-4912CC6010C9}"/>
+                <a16:creationId xmlns="" xmlns:a16="http://schemas.microsoft.com/office/drawing/2014/main" id="{2735F4C6-24A3-422B-BD21-4912CC6010C9}"/>
               </a:ext>
             </a:extLst>
           </p:cNvPr>
@@ -20312,7 +20310,7 @@
               <a:hlinkClick r:id="rId2">
                 <a:extLst>
                   <a:ext uri="{A12FA001-AC4F-418D-AE19-62706E023703}">
-                    <ahyp:hlinkClr xmlns:ahyp="http://schemas.microsoft.com/office/drawing/2018/hyperlinkcolor" xmlns="" val="tx"/>
+                    <ahyp:hlinkClr xmlns="" xmlns:ahyp="http://schemas.microsoft.com/office/drawing/2018/hyperlinkcolor" val="tx"/>
                   </a:ext>
                 </a:extLst>
               </a:hlinkClick>
@@ -20526,7 +20524,7 @@
           <p:cNvPr id="2" name="TextBox 1">
             <a:extLst>
               <a:ext uri="{FF2B5EF4-FFF2-40B4-BE49-F238E27FC236}">
-                <a16:creationId xmlns:a16="http://schemas.microsoft.com/office/drawing/2014/main" xmlns="" id="{69C9C87C-2953-404F-AAA7-1587B4C80243}"/>
+                <a16:creationId xmlns="" xmlns:a16="http://schemas.microsoft.com/office/drawing/2014/main" id="{69C9C87C-2953-404F-AAA7-1587B4C80243}"/>
               </a:ext>
             </a:extLst>
           </p:cNvPr>
@@ -20657,7 +20655,7 @@
           <p:cNvPr id="2" name="TextBox 1">
             <a:extLst>
               <a:ext uri="{FF2B5EF4-FFF2-40B4-BE49-F238E27FC236}">
-                <a16:creationId xmlns:a16="http://schemas.microsoft.com/office/drawing/2014/main" xmlns="" id="{90146F09-FB5B-4B4D-8083-28667BFB37DC}"/>
+                <a16:creationId xmlns="" xmlns:a16="http://schemas.microsoft.com/office/drawing/2014/main" id="{90146F09-FB5B-4B4D-8083-28667BFB37DC}"/>
               </a:ext>
             </a:extLst>
           </p:cNvPr>
@@ -20718,7 +20716,7 @@
           <p:cNvPr id="5" name="TextBox 4">
             <a:extLst>
               <a:ext uri="{FF2B5EF4-FFF2-40B4-BE49-F238E27FC236}">
-                <a16:creationId xmlns:a16="http://schemas.microsoft.com/office/drawing/2014/main" xmlns="" id="{49C17B21-C743-4C9D-871F-29A88B0E9F38}"/>
+                <a16:creationId xmlns="" xmlns:a16="http://schemas.microsoft.com/office/drawing/2014/main" id="{49C17B21-C743-4C9D-871F-29A88B0E9F38}"/>
               </a:ext>
             </a:extLst>
           </p:cNvPr>
@@ -20869,7 +20867,7 @@
           <p:cNvPr id="7" name="그림 6">
             <a:extLst>
               <a:ext uri="{FF2B5EF4-FFF2-40B4-BE49-F238E27FC236}">
-                <a16:creationId xmlns:a16="http://schemas.microsoft.com/office/drawing/2014/main" xmlns="" id="{582EED44-0CE5-4C5F-8FE2-D882455A746E}"/>
+                <a16:creationId xmlns="" xmlns:a16="http://schemas.microsoft.com/office/drawing/2014/main" id="{582EED44-0CE5-4C5F-8FE2-D882455A746E}"/>
               </a:ext>
             </a:extLst>
           </p:cNvPr>
@@ -20899,7 +20897,7 @@
           <p:cNvPr id="6" name="TextBox 5">
             <a:extLst>
               <a:ext uri="{FF2B5EF4-FFF2-40B4-BE49-F238E27FC236}">
-                <a16:creationId xmlns:a16="http://schemas.microsoft.com/office/drawing/2014/main" xmlns="" id="{B6F4B5C6-B385-4960-8190-DD26B5BC693C}"/>
+                <a16:creationId xmlns="" xmlns:a16="http://schemas.microsoft.com/office/drawing/2014/main" id="{B6F4B5C6-B385-4960-8190-DD26B5BC693C}"/>
               </a:ext>
             </a:extLst>
           </p:cNvPr>
@@ -20944,7 +20942,7 @@
           <p:cNvPr id="8" name="TextBox 7">
             <a:extLst>
               <a:ext uri="{FF2B5EF4-FFF2-40B4-BE49-F238E27FC236}">
-                <a16:creationId xmlns:a16="http://schemas.microsoft.com/office/drawing/2014/main" xmlns="" id="{B05E227F-5A8E-416D-BA1F-B096DA6B707E}"/>
+                <a16:creationId xmlns="" xmlns:a16="http://schemas.microsoft.com/office/drawing/2014/main" id="{B05E227F-5A8E-416D-BA1F-B096DA6B707E}"/>
               </a:ext>
             </a:extLst>
           </p:cNvPr>
@@ -20989,7 +20987,7 @@
           <p:cNvPr id="9" name="TextBox 8">
             <a:extLst>
               <a:ext uri="{FF2B5EF4-FFF2-40B4-BE49-F238E27FC236}">
-                <a16:creationId xmlns:a16="http://schemas.microsoft.com/office/drawing/2014/main" xmlns="" id="{A3EA4C7B-9884-4F9D-95B4-94238BE14ADC}"/>
+                <a16:creationId xmlns="" xmlns:a16="http://schemas.microsoft.com/office/drawing/2014/main" id="{A3EA4C7B-9884-4F9D-95B4-94238BE14ADC}"/>
               </a:ext>
             </a:extLst>
           </p:cNvPr>
@@ -21034,7 +21032,7 @@
           <p:cNvPr id="10" name="TextBox 9">
             <a:extLst>
               <a:ext uri="{FF2B5EF4-FFF2-40B4-BE49-F238E27FC236}">
-                <a16:creationId xmlns:a16="http://schemas.microsoft.com/office/drawing/2014/main" xmlns="" id="{5A77E06C-FEC0-4BF8-8EDD-824C2B5A6887}"/>
+                <a16:creationId xmlns="" xmlns:a16="http://schemas.microsoft.com/office/drawing/2014/main" id="{5A77E06C-FEC0-4BF8-8EDD-824C2B5A6887}"/>
               </a:ext>
             </a:extLst>
           </p:cNvPr>
@@ -21079,7 +21077,7 @@
           <p:cNvPr id="11" name="TextBox 10">
             <a:extLst>
               <a:ext uri="{FF2B5EF4-FFF2-40B4-BE49-F238E27FC236}">
-                <a16:creationId xmlns:a16="http://schemas.microsoft.com/office/drawing/2014/main" xmlns="" id="{4EFAC234-680E-4B59-A968-5D2318A65226}"/>
+                <a16:creationId xmlns="" xmlns:a16="http://schemas.microsoft.com/office/drawing/2014/main" id="{4EFAC234-680E-4B59-A968-5D2318A65226}"/>
               </a:ext>
             </a:extLst>
           </p:cNvPr>
@@ -21205,7 +21203,7 @@
           <p:cNvPr id="10" name="TextBox 9">
             <a:extLst>
               <a:ext uri="{FF2B5EF4-FFF2-40B4-BE49-F238E27FC236}">
-                <a16:creationId xmlns:a16="http://schemas.microsoft.com/office/drawing/2014/main" xmlns="" id="{5A77E06C-FEC0-4BF8-8EDD-824C2B5A6887}"/>
+                <a16:creationId xmlns="" xmlns:a16="http://schemas.microsoft.com/office/drawing/2014/main" id="{5A77E06C-FEC0-4BF8-8EDD-824C2B5A6887}"/>
               </a:ext>
             </a:extLst>
           </p:cNvPr>
@@ -21250,7 +21248,7 @@
           <p:cNvPr id="2" name="그림 1">
             <a:extLst>
               <a:ext uri="{FF2B5EF4-FFF2-40B4-BE49-F238E27FC236}">
-                <a16:creationId xmlns:a16="http://schemas.microsoft.com/office/drawing/2014/main" xmlns="" id="{30A24CEB-FAC7-48F8-8AD4-FE8FDC3ECC01}"/>
+                <a16:creationId xmlns="" xmlns:a16="http://schemas.microsoft.com/office/drawing/2014/main" id="{30A24CEB-FAC7-48F8-8AD4-FE8FDC3ECC01}"/>
               </a:ext>
             </a:extLst>
           </p:cNvPr>
@@ -21280,7 +21278,7 @@
           <p:cNvPr id="11" name="TextBox 10">
             <a:extLst>
               <a:ext uri="{FF2B5EF4-FFF2-40B4-BE49-F238E27FC236}">
-                <a16:creationId xmlns:a16="http://schemas.microsoft.com/office/drawing/2014/main" xmlns="" id="{4EFAC234-680E-4B59-A968-5D2318A65226}"/>
+                <a16:creationId xmlns="" xmlns:a16="http://schemas.microsoft.com/office/drawing/2014/main" id="{4EFAC234-680E-4B59-A968-5D2318A65226}"/>
               </a:ext>
             </a:extLst>
           </p:cNvPr>
@@ -21406,7 +21404,7 @@
           <p:cNvPr id="10" name="TextBox 9">
             <a:extLst>
               <a:ext uri="{FF2B5EF4-FFF2-40B4-BE49-F238E27FC236}">
-                <a16:creationId xmlns:a16="http://schemas.microsoft.com/office/drawing/2014/main" xmlns="" id="{5A77E06C-FEC0-4BF8-8EDD-824C2B5A6887}"/>
+                <a16:creationId xmlns="" xmlns:a16="http://schemas.microsoft.com/office/drawing/2014/main" id="{5A77E06C-FEC0-4BF8-8EDD-824C2B5A6887}"/>
               </a:ext>
             </a:extLst>
           </p:cNvPr>
@@ -21451,7 +21449,7 @@
           <p:cNvPr id="5" name="그림 4">
             <a:extLst>
               <a:ext uri="{FF2B5EF4-FFF2-40B4-BE49-F238E27FC236}">
-                <a16:creationId xmlns:a16="http://schemas.microsoft.com/office/drawing/2014/main" xmlns="" id="{DF1217F4-3AEF-4DB1-A06B-BD95364A1C5F}"/>
+                <a16:creationId xmlns="" xmlns:a16="http://schemas.microsoft.com/office/drawing/2014/main" id="{DF1217F4-3AEF-4DB1-A06B-BD95364A1C5F}"/>
               </a:ext>
             </a:extLst>
           </p:cNvPr>
@@ -21481,7 +21479,7 @@
           <p:cNvPr id="11" name="TextBox 10">
             <a:extLst>
               <a:ext uri="{FF2B5EF4-FFF2-40B4-BE49-F238E27FC236}">
-                <a16:creationId xmlns:a16="http://schemas.microsoft.com/office/drawing/2014/main" xmlns="" id="{4EFAC234-680E-4B59-A968-5D2318A65226}"/>
+                <a16:creationId xmlns="" xmlns:a16="http://schemas.microsoft.com/office/drawing/2014/main" id="{4EFAC234-680E-4B59-A968-5D2318A65226}"/>
               </a:ext>
             </a:extLst>
           </p:cNvPr>
